--- a/presentation/protection.pptx
+++ b/presentation/protection.pptx
@@ -322,7 +322,7 @@
           <a:p>
             <a:fld id="{6ACA84D5-F057-41B3-A8BB-3A0B2F025350}" type="datetimeFigureOut">
               <a:rPr lang="ru-RU" smtClean="0"/>
-              <a:t>18.04.2024</a:t>
+              <a:t>27.04.2024</a:t>
             </a:fld>
             <a:endParaRPr lang="ru-RU"/>
           </a:p>
@@ -520,7 +520,7 @@
           <a:p>
             <a:fld id="{6ACA84D5-F057-41B3-A8BB-3A0B2F025350}" type="datetimeFigureOut">
               <a:rPr lang="ru-RU" smtClean="0"/>
-              <a:t>18.04.2024</a:t>
+              <a:t>27.04.2024</a:t>
             </a:fld>
             <a:endParaRPr lang="ru-RU"/>
           </a:p>
@@ -728,7 +728,7 @@
           <a:p>
             <a:fld id="{6ACA84D5-F057-41B3-A8BB-3A0B2F025350}" type="datetimeFigureOut">
               <a:rPr lang="ru-RU" smtClean="0"/>
-              <a:t>18.04.2024</a:t>
+              <a:t>27.04.2024</a:t>
             </a:fld>
             <a:endParaRPr lang="ru-RU"/>
           </a:p>
@@ -926,7 +926,7 @@
           <a:p>
             <a:fld id="{6ACA84D5-F057-41B3-A8BB-3A0B2F025350}" type="datetimeFigureOut">
               <a:rPr lang="ru-RU" smtClean="0"/>
-              <a:t>18.04.2024</a:t>
+              <a:t>27.04.2024</a:t>
             </a:fld>
             <a:endParaRPr lang="ru-RU"/>
           </a:p>
@@ -1201,7 +1201,7 @@
           <a:p>
             <a:fld id="{6ACA84D5-F057-41B3-A8BB-3A0B2F025350}" type="datetimeFigureOut">
               <a:rPr lang="ru-RU" smtClean="0"/>
-              <a:t>18.04.2024</a:t>
+              <a:t>27.04.2024</a:t>
             </a:fld>
             <a:endParaRPr lang="ru-RU"/>
           </a:p>
@@ -1466,7 +1466,7 @@
           <a:p>
             <a:fld id="{6ACA84D5-F057-41B3-A8BB-3A0B2F025350}" type="datetimeFigureOut">
               <a:rPr lang="ru-RU" smtClean="0"/>
-              <a:t>18.04.2024</a:t>
+              <a:t>27.04.2024</a:t>
             </a:fld>
             <a:endParaRPr lang="ru-RU"/>
           </a:p>
@@ -1878,7 +1878,7 @@
           <a:p>
             <a:fld id="{6ACA84D5-F057-41B3-A8BB-3A0B2F025350}" type="datetimeFigureOut">
               <a:rPr lang="ru-RU" smtClean="0"/>
-              <a:t>18.04.2024</a:t>
+              <a:t>27.04.2024</a:t>
             </a:fld>
             <a:endParaRPr lang="ru-RU"/>
           </a:p>
@@ -2019,7 +2019,7 @@
           <a:p>
             <a:fld id="{6ACA84D5-F057-41B3-A8BB-3A0B2F025350}" type="datetimeFigureOut">
               <a:rPr lang="ru-RU" smtClean="0"/>
-              <a:t>18.04.2024</a:t>
+              <a:t>27.04.2024</a:t>
             </a:fld>
             <a:endParaRPr lang="ru-RU"/>
           </a:p>
@@ -2132,7 +2132,7 @@
           <a:p>
             <a:fld id="{6ACA84D5-F057-41B3-A8BB-3A0B2F025350}" type="datetimeFigureOut">
               <a:rPr lang="ru-RU" smtClean="0"/>
-              <a:t>18.04.2024</a:t>
+              <a:t>27.04.2024</a:t>
             </a:fld>
             <a:endParaRPr lang="ru-RU"/>
           </a:p>
@@ -2443,7 +2443,7 @@
           <a:p>
             <a:fld id="{6ACA84D5-F057-41B3-A8BB-3A0B2F025350}" type="datetimeFigureOut">
               <a:rPr lang="ru-RU" smtClean="0"/>
-              <a:t>18.04.2024</a:t>
+              <a:t>27.04.2024</a:t>
             </a:fld>
             <a:endParaRPr lang="ru-RU"/>
           </a:p>
@@ -2731,7 +2731,7 @@
           <a:p>
             <a:fld id="{6ACA84D5-F057-41B3-A8BB-3A0B2F025350}" type="datetimeFigureOut">
               <a:rPr lang="ru-RU" smtClean="0"/>
-              <a:t>18.04.2024</a:t>
+              <a:t>27.04.2024</a:t>
             </a:fld>
             <a:endParaRPr lang="ru-RU"/>
           </a:p>
@@ -2975,7 +2975,7 @@
           <a:p>
             <a:fld id="{6ACA84D5-F057-41B3-A8BB-3A0B2F025350}" type="datetimeFigureOut">
               <a:rPr lang="ru-RU" smtClean="0"/>
-              <a:t>18.04.2024</a:t>
+              <a:t>27.04.2024</a:t>
             </a:fld>
             <a:endParaRPr lang="ru-RU"/>
           </a:p>
@@ -6276,42 +6276,6 @@
           </a:p>
         </p:txBody>
       </p:sp>
-      <p:pic>
-        <p:nvPicPr>
-          <p:cNvPr id="6" name="Рисунок 5" descr="Изображение выглядит как снимок экрана, шаблон, круг, Графика&#10;&#10;Автоматически созданное описание">
-            <a:extLst>
-              <a:ext uri="{FF2B5EF4-FFF2-40B4-BE49-F238E27FC236}">
-                <a16:creationId xmlns:a16="http://schemas.microsoft.com/office/drawing/2014/main" id="{ED4B8FAA-8314-DE31-F8B1-7B92499B9B11}"/>
-              </a:ext>
-            </a:extLst>
-          </p:cNvPr>
-          <p:cNvPicPr>
-            <a:picLocks noChangeAspect="1"/>
-          </p:cNvPicPr>
-          <p:nvPr/>
-        </p:nvPicPr>
-        <p:blipFill>
-          <a:blip r:embed="rId2">
-            <a:extLst>
-              <a:ext uri="{28A0092B-C50C-407E-A947-70E740481C1C}">
-                <a14:useLocalDpi xmlns:a14="http://schemas.microsoft.com/office/drawing/2010/main" val="0"/>
-              </a:ext>
-            </a:extLst>
-          </a:blip>
-          <a:stretch>
-            <a:fillRect/>
-          </a:stretch>
-        </p:blipFill>
-        <p:spPr>
-          <a:xfrm>
-            <a:off x="1384012" y="643466"/>
-            <a:ext cx="5566833" cy="5566833"/>
-          </a:xfrm>
-          <a:prstGeom prst="rect">
-            <a:avLst/>
-          </a:prstGeom>
-        </p:spPr>
-      </p:pic>
       <p:grpSp>
         <p:nvGrpSpPr>
           <p:cNvPr id="50" name="Group 43">
@@ -6718,6 +6682,42 @@
           </p:txBody>
         </p:sp>
       </p:grpSp>
+      <p:pic>
+        <p:nvPicPr>
+          <p:cNvPr id="3" name="Рисунок 2" descr="Изображение выглядит как снимок экрана, шаблон, круг, Графика&#10;&#10;Автоматически созданное описание">
+            <a:extLst>
+              <a:ext uri="{FF2B5EF4-FFF2-40B4-BE49-F238E27FC236}">
+                <a16:creationId xmlns:a16="http://schemas.microsoft.com/office/drawing/2014/main" id="{EDA4C629-0917-3B89-A526-AFAAA7D9DA73}"/>
+              </a:ext>
+            </a:extLst>
+          </p:cNvPr>
+          <p:cNvPicPr>
+            <a:picLocks noChangeAspect="1"/>
+          </p:cNvPicPr>
+          <p:nvPr/>
+        </p:nvPicPr>
+        <p:blipFill>
+          <a:blip r:embed="rId2">
+            <a:extLst>
+              <a:ext uri="{28A0092B-C50C-407E-A947-70E740481C1C}">
+                <a14:useLocalDpi xmlns:a14="http://schemas.microsoft.com/office/drawing/2010/main" val="0"/>
+              </a:ext>
+            </a:extLst>
+          </a:blip>
+          <a:stretch>
+            <a:fillRect/>
+          </a:stretch>
+        </p:blipFill>
+        <p:spPr>
+          <a:xfrm>
+            <a:off x="1469172" y="729250"/>
+            <a:ext cx="5399499" cy="5399499"/>
+          </a:xfrm>
+          <a:prstGeom prst="rect">
+            <a:avLst/>
+          </a:prstGeom>
+        </p:spPr>
+      </p:pic>
     </p:spTree>
     <p:extLst>
       <p:ext uri="{BB962C8B-B14F-4D97-AF65-F5344CB8AC3E}">
@@ -9282,116 +9282,15 @@
           <a:prstGeom prst="ellipse">
             <a:avLst/>
           </a:prstGeom>
-          <a:solidFill>
-            <a:srgbClr val="07FA08"/>
-          </a:solidFill>
-          <a:ln>
-            <a:noFill/>
-          </a:ln>
-        </p:spPr>
-        <p:style>
-          <a:lnRef idx="2">
-            <a:schemeClr val="accent1">
-              <a:shade val="15000"/>
-            </a:schemeClr>
-          </a:lnRef>
-          <a:fillRef idx="1">
-            <a:schemeClr val="accent1"/>
-          </a:fillRef>
-          <a:effectRef idx="0">
-            <a:schemeClr val="accent1"/>
-          </a:effectRef>
-          <a:fontRef idx="minor">
-            <a:schemeClr val="lt1"/>
-          </a:fontRef>
-        </p:style>
-        <p:txBody>
-          <a:bodyPr rtlCol="0" anchor="ctr"/>
-          <a:lstStyle/>
-          <a:p>
-            <a:pPr algn="ctr"/>
-            <a:endParaRPr lang="ru-RU">
-              <a:solidFill>
-                <a:srgbClr val="07FA08"/>
-              </a:solidFill>
-            </a:endParaRPr>
-          </a:p>
-        </p:txBody>
-      </p:sp>
-      <p:sp>
-        <p:nvSpPr>
-          <p:cNvPr id="7" name="Овал 6">
-            <a:extLst>
-              <a:ext uri="{FF2B5EF4-FFF2-40B4-BE49-F238E27FC236}">
-                <a16:creationId xmlns:a16="http://schemas.microsoft.com/office/drawing/2014/main" id="{B24217D2-C36B-D638-4578-ACBDDA6F4B23}"/>
-              </a:ext>
-            </a:extLst>
-          </p:cNvPr>
-          <p:cNvSpPr/>
-          <p:nvPr/>
-        </p:nvSpPr>
-        <p:spPr>
-          <a:xfrm>
-            <a:off x="6239957" y="3757659"/>
-            <a:ext cx="2520000" cy="2520000"/>
-          </a:xfrm>
-          <a:prstGeom prst="ellipse">
-            <a:avLst/>
-          </a:prstGeom>
-          <a:solidFill>
-            <a:srgbClr val="07FA08"/>
-          </a:solidFill>
-          <a:ln>
-            <a:noFill/>
-          </a:ln>
-        </p:spPr>
-        <p:style>
-          <a:lnRef idx="2">
-            <a:schemeClr val="accent1">
-              <a:shade val="15000"/>
-            </a:schemeClr>
-          </a:lnRef>
-          <a:fillRef idx="1">
-            <a:schemeClr val="accent1"/>
-          </a:fillRef>
-          <a:effectRef idx="0">
-            <a:schemeClr val="accent1"/>
-          </a:effectRef>
-          <a:fontRef idx="minor">
-            <a:schemeClr val="lt1"/>
-          </a:fontRef>
-        </p:style>
-        <p:txBody>
-          <a:bodyPr rtlCol="0" anchor="ctr"/>
-          <a:lstStyle/>
-          <a:p>
-            <a:pPr algn="ctr"/>
-            <a:endParaRPr lang="ru-RU"/>
-          </a:p>
-        </p:txBody>
-      </p:sp>
-      <p:sp>
-        <p:nvSpPr>
-          <p:cNvPr id="8" name="Овал 7">
-            <a:extLst>
-              <a:ext uri="{FF2B5EF4-FFF2-40B4-BE49-F238E27FC236}">
-                <a16:creationId xmlns:a16="http://schemas.microsoft.com/office/drawing/2014/main" id="{473267D8-CB44-8953-82B0-472E37BB4B80}"/>
-              </a:ext>
-            </a:extLst>
-          </p:cNvPr>
-          <p:cNvSpPr/>
-          <p:nvPr/>
-        </p:nvSpPr>
-        <p:spPr>
-          <a:xfrm>
-            <a:off x="604251" y="3757659"/>
-            <a:ext cx="2520000" cy="2520000"/>
-          </a:xfrm>
-          <a:prstGeom prst="ellipse">
-            <a:avLst/>
-          </a:prstGeom>
-          <a:blipFill>
-            <a:blip r:embed="rId3"/>
+          <a:blipFill dpi="0" rotWithShape="1">
+            <a:blip r:embed="rId3">
+              <a:extLst>
+                <a:ext uri="{28A0092B-C50C-407E-A947-70E740481C1C}">
+                  <a14:useLocalDpi xmlns:a14="http://schemas.microsoft.com/office/drawing/2010/main" val="0"/>
+                </a:ext>
+              </a:extLst>
+            </a:blip>
+            <a:srcRect/>
             <a:stretch>
               <a:fillRect/>
             </a:stretch>
@@ -9421,6 +9320,127 @@
           <a:lstStyle/>
           <a:p>
             <a:pPr algn="ctr"/>
+            <a:endParaRPr lang="ru-RU">
+              <a:solidFill>
+                <a:srgbClr val="07FA08"/>
+              </a:solidFill>
+            </a:endParaRPr>
+          </a:p>
+        </p:txBody>
+      </p:sp>
+      <p:sp>
+        <p:nvSpPr>
+          <p:cNvPr id="7" name="Овал 6">
+            <a:extLst>
+              <a:ext uri="{FF2B5EF4-FFF2-40B4-BE49-F238E27FC236}">
+                <a16:creationId xmlns:a16="http://schemas.microsoft.com/office/drawing/2014/main" id="{B24217D2-C36B-D638-4578-ACBDDA6F4B23}"/>
+              </a:ext>
+            </a:extLst>
+          </p:cNvPr>
+          <p:cNvSpPr/>
+          <p:nvPr/>
+        </p:nvSpPr>
+        <p:spPr>
+          <a:xfrm>
+            <a:off x="6239957" y="3757659"/>
+            <a:ext cx="2520000" cy="2520000"/>
+          </a:xfrm>
+          <a:prstGeom prst="ellipse">
+            <a:avLst/>
+          </a:prstGeom>
+          <a:blipFill dpi="0" rotWithShape="1">
+            <a:blip r:embed="rId4">
+              <a:extLst>
+                <a:ext uri="{28A0092B-C50C-407E-A947-70E740481C1C}">
+                  <a14:useLocalDpi xmlns:a14="http://schemas.microsoft.com/office/drawing/2010/main" val="0"/>
+                </a:ext>
+              </a:extLst>
+            </a:blip>
+            <a:srcRect/>
+            <a:stretch>
+              <a:fillRect/>
+            </a:stretch>
+          </a:blipFill>
+          <a:ln>
+            <a:noFill/>
+          </a:ln>
+        </p:spPr>
+        <p:style>
+          <a:lnRef idx="2">
+            <a:schemeClr val="accent1">
+              <a:shade val="15000"/>
+            </a:schemeClr>
+          </a:lnRef>
+          <a:fillRef idx="1">
+            <a:schemeClr val="accent1"/>
+          </a:fillRef>
+          <a:effectRef idx="0">
+            <a:schemeClr val="accent1"/>
+          </a:effectRef>
+          <a:fontRef idx="minor">
+            <a:schemeClr val="lt1"/>
+          </a:fontRef>
+        </p:style>
+        <p:txBody>
+          <a:bodyPr rtlCol="0" anchor="ctr"/>
+          <a:lstStyle/>
+          <a:p>
+            <a:pPr algn="ctr"/>
+            <a:endParaRPr lang="ru-RU"/>
+          </a:p>
+        </p:txBody>
+      </p:sp>
+      <p:sp>
+        <p:nvSpPr>
+          <p:cNvPr id="8" name="Овал 7">
+            <a:extLst>
+              <a:ext uri="{FF2B5EF4-FFF2-40B4-BE49-F238E27FC236}">
+                <a16:creationId xmlns:a16="http://schemas.microsoft.com/office/drawing/2014/main" id="{473267D8-CB44-8953-82B0-472E37BB4B80}"/>
+              </a:ext>
+            </a:extLst>
+          </p:cNvPr>
+          <p:cNvSpPr/>
+          <p:nvPr/>
+        </p:nvSpPr>
+        <p:spPr>
+          <a:xfrm>
+            <a:off x="604251" y="3757659"/>
+            <a:ext cx="2520000" cy="2520000"/>
+          </a:xfrm>
+          <a:prstGeom prst="ellipse">
+            <a:avLst/>
+          </a:prstGeom>
+          <a:blipFill>
+            <a:blip r:embed="rId5"/>
+            <a:stretch>
+              <a:fillRect/>
+            </a:stretch>
+          </a:blipFill>
+          <a:ln>
+            <a:noFill/>
+          </a:ln>
+        </p:spPr>
+        <p:style>
+          <a:lnRef idx="2">
+            <a:schemeClr val="accent1">
+              <a:shade val="15000"/>
+            </a:schemeClr>
+          </a:lnRef>
+          <a:fillRef idx="1">
+            <a:schemeClr val="accent1"/>
+          </a:fillRef>
+          <a:effectRef idx="0">
+            <a:schemeClr val="accent1"/>
+          </a:effectRef>
+          <a:fontRef idx="minor">
+            <a:schemeClr val="lt1"/>
+          </a:fontRef>
+        </p:style>
+        <p:txBody>
+          <a:bodyPr rtlCol="0" anchor="ctr"/>
+          <a:lstStyle/>
+          <a:p>
+            <a:pPr algn="ctr"/>
             <a:endParaRPr lang="ru-RU"/>
           </a:p>
         </p:txBody>
@@ -9455,7 +9475,7 @@
           <a:p>
             <a:r>
               <a:rPr lang="ru-RU" sz="2000" dirty="0">
-                <a:hlinkClick r:id="rId4">
+                <a:hlinkClick r:id="rId6">
                   <a:extLst>
                     <a:ext uri="{A12FA001-AC4F-418D-AE19-62706E023703}">
                       <ahyp:hlinkClr xmlns:ahyp="http://schemas.microsoft.com/office/drawing/2018/hyperlinkcolor" val="tx"/>
@@ -9514,7 +9534,7 @@
           <a:p>
             <a:r>
               <a:rPr lang="ru-RU" sz="2000" dirty="0">
-                <a:hlinkClick r:id="rId5">
+                <a:hlinkClick r:id="rId7">
                   <a:extLst>
                     <a:ext uri="{A12FA001-AC4F-418D-AE19-62706E023703}">
                       <ahyp:hlinkClr xmlns:ahyp="http://schemas.microsoft.com/office/drawing/2018/hyperlinkcolor" val="tx"/>
@@ -9564,7 +9584,7 @@
           <a:p>
             <a:r>
               <a:rPr lang="ru-RU" sz="2000" dirty="0">
-                <a:hlinkClick r:id="rId6">
+                <a:hlinkClick r:id="rId8">
                   <a:extLst>
                     <a:ext uri="{A12FA001-AC4F-418D-AE19-62706E023703}">
                       <ahyp:hlinkClr xmlns:ahyp="http://schemas.microsoft.com/office/drawing/2018/hyperlinkcolor" val="tx"/>
@@ -9600,13 +9620,13 @@
           <p:nvPr/>
         </p:nvPicPr>
         <p:blipFill>
-          <a:blip r:embed="rId7">
+          <a:blip r:embed="rId9">
             <a:extLst>
               <a:ext uri="{28A0092B-C50C-407E-A947-70E740481C1C}">
                 <a14:useLocalDpi xmlns:a14="http://schemas.microsoft.com/office/drawing/2010/main" val="0"/>
               </a:ext>
               <a:ext uri="{96DAC541-7B7A-43D3-8B79-37D633B846F1}">
-                <asvg:svgBlip xmlns:asvg="http://schemas.microsoft.com/office/drawing/2016/SVG/main" r:embed="rId8"/>
+                <asvg:svgBlip xmlns:asvg="http://schemas.microsoft.com/office/drawing/2016/SVG/main" r:embed="rId10"/>
               </a:ext>
             </a:extLst>
           </a:blip>
@@ -9639,13 +9659,13 @@
           <p:nvPr/>
         </p:nvPicPr>
         <p:blipFill>
-          <a:blip r:embed="rId9">
+          <a:blip r:embed="rId11">
             <a:extLst>
               <a:ext uri="{28A0092B-C50C-407E-A947-70E740481C1C}">
                 <a14:useLocalDpi xmlns:a14="http://schemas.microsoft.com/office/drawing/2010/main" val="0"/>
               </a:ext>
               <a:ext uri="{96DAC541-7B7A-43D3-8B79-37D633B846F1}">
-                <asvg:svgBlip xmlns:asvg="http://schemas.microsoft.com/office/drawing/2016/SVG/main" r:embed="rId10"/>
+                <asvg:svgBlip xmlns:asvg="http://schemas.microsoft.com/office/drawing/2016/SVG/main" r:embed="rId12"/>
               </a:ext>
             </a:extLst>
           </a:blip>
@@ -9678,13 +9698,13 @@
           <p:nvPr/>
         </p:nvPicPr>
         <p:blipFill>
-          <a:blip r:embed="rId11">
+          <a:blip r:embed="rId13">
             <a:extLst>
               <a:ext uri="{28A0092B-C50C-407E-A947-70E740481C1C}">
                 <a14:useLocalDpi xmlns:a14="http://schemas.microsoft.com/office/drawing/2010/main" val="0"/>
               </a:ext>
               <a:ext uri="{96DAC541-7B7A-43D3-8B79-37D633B846F1}">
-                <asvg:svgBlip xmlns:asvg="http://schemas.microsoft.com/office/drawing/2016/SVG/main" r:embed="rId12"/>
+                <asvg:svgBlip xmlns:asvg="http://schemas.microsoft.com/office/drawing/2016/SVG/main" r:embed="rId14"/>
               </a:ext>
             </a:extLst>
           </a:blip>
@@ -9732,7 +9752,7 @@
           <a:p>
             <a:r>
               <a:rPr lang="ru-RU" sz="2000" dirty="0">
-                <a:hlinkClick r:id="rId13">
+                <a:hlinkClick r:id="rId15">
                   <a:extLst>
                     <a:ext uri="{A12FA001-AC4F-418D-AE19-62706E023703}">
                       <ahyp:hlinkClr xmlns:ahyp="http://schemas.microsoft.com/office/drawing/2018/hyperlinkcolor" val="tx"/>
@@ -9768,7 +9788,7 @@
           <p:nvPr/>
         </p:nvPicPr>
         <p:blipFill rotWithShape="1">
-          <a:blip r:embed="rId14">
+          <a:blip r:embed="rId16">
             <a:extLst>
               <a:ext uri="{28A0092B-C50C-407E-A947-70E740481C1C}">
                 <a14:useLocalDpi xmlns:a14="http://schemas.microsoft.com/office/drawing/2010/main" val="0"/>

--- a/presentation/protection.pptx
+++ b/presentation/protection.pptx
@@ -3552,7 +3552,7 @@
                 <a:ea typeface="ADLaM Display" panose="02010000000000000000" pitchFamily="2" charset="0"/>
                 <a:cs typeface="ADLaM Display" panose="02010000000000000000" pitchFamily="2" charset="0"/>
               </a:rPr>
-              <a:t>НАЗВАНИЕ ТРЕКА + фото компании, чей трек</a:t>
+              <a:t>НАЗВАНИЕ ТРЕКА</a:t>
             </a:r>
           </a:p>
         </p:txBody>

--- a/presentation/protection.pptx
+++ b/presentation/protection.pptx
@@ -10,11 +10,12 @@
     <p:sldId id="265" r:id="rId4"/>
     <p:sldId id="266" r:id="rId5"/>
     <p:sldId id="268" r:id="rId6"/>
-    <p:sldId id="270" r:id="rId7"/>
-    <p:sldId id="271" r:id="rId8"/>
-    <p:sldId id="269" r:id="rId9"/>
-    <p:sldId id="267" r:id="rId10"/>
-    <p:sldId id="258" r:id="rId11"/>
+    <p:sldId id="275" r:id="rId7"/>
+    <p:sldId id="270" r:id="rId8"/>
+    <p:sldId id="271" r:id="rId9"/>
+    <p:sldId id="269" r:id="rId10"/>
+    <p:sldId id="274" r:id="rId11"/>
+    <p:sldId id="258" r:id="rId12"/>
   </p:sldIdLst>
   <p:sldSz cx="12192000" cy="6858000"/>
   <p:notesSz cx="6858000" cy="9144000"/>
@@ -135,6 +136,7 @@
         <p14:section name="Реализация проекта" id="{9E3A535B-4B6F-4DBB-8927-07A77C61DD46}">
           <p14:sldIdLst>
             <p14:sldId id="268"/>
+            <p14:sldId id="275"/>
             <p14:sldId id="270"/>
             <p14:sldId id="271"/>
             <p14:sldId id="269"/>
@@ -142,13 +144,16 @@
         </p14:section>
         <p14:section name="Используемое ПО" id="{ECC6AC1C-DEB6-49AE-9DC0-0CCE32D6EB5C}">
           <p14:sldIdLst>
-            <p14:sldId id="267"/>
+            <p14:sldId id="274"/>
           </p14:sldIdLst>
         </p14:section>
         <p14:section name="Ссылка на репозиторий" id="{031F58F1-5B72-4DEF-A078-3457C40B0877}">
           <p14:sldIdLst>
             <p14:sldId id="258"/>
           </p14:sldIdLst>
+        </p14:section>
+        <p14:section name="Стек технологий" id="{1291AC08-3821-414C-9636-B50FF0056581}">
+          <p14:sldIdLst/>
         </p14:section>
       </p14:sectionLst>
     </p:ext>
@@ -3533,13 +3538,13 @@
         </p:nvSpPr>
         <p:spPr>
           <a:xfrm>
-            <a:off x="451895" y="5434228"/>
-            <a:ext cx="10235155" cy="775845"/>
+            <a:off x="451895" y="5510293"/>
+            <a:ext cx="11661168" cy="775845"/>
           </a:xfrm>
         </p:spPr>
         <p:txBody>
           <a:bodyPr anchor="ctr">
-            <a:normAutofit/>
+            <a:normAutofit fontScale="90000"/>
           </a:bodyPr>
           <a:lstStyle/>
           <a:p>
@@ -3552,7 +3557,26 @@
                 <a:ea typeface="ADLaM Display" panose="02010000000000000000" pitchFamily="2" charset="0"/>
                 <a:cs typeface="ADLaM Display" panose="02010000000000000000" pitchFamily="2" charset="0"/>
               </a:rPr>
-              <a:t>НАЗВАНИЕ ТРЕКА</a:t>
+              <a:t>Интеллектуальный анализатор обратной</a:t>
+            </a:r>
+            <a:br>
+              <a:rPr lang="ru-RU" sz="4000" dirty="0">
+                <a:solidFill>
+                  <a:schemeClr val="tx2"/>
+                </a:solidFill>
+                <a:ea typeface="ADLaM Display" panose="02010000000000000000" pitchFamily="2" charset="0"/>
+                <a:cs typeface="ADLaM Display" panose="02010000000000000000" pitchFamily="2" charset="0"/>
+              </a:rPr>
+            </a:br>
+            <a:r>
+              <a:rPr lang="ru-RU" sz="4000" dirty="0">
+                <a:solidFill>
+                  <a:schemeClr val="tx2"/>
+                </a:solidFill>
+                <a:ea typeface="ADLaM Display" panose="02010000000000000000" pitchFamily="2" charset="0"/>
+                <a:cs typeface="ADLaM Display" panose="02010000000000000000" pitchFamily="2" charset="0"/>
+              </a:rPr>
+              <a:t>связи студентов</a:t>
             </a:r>
           </a:p>
         </p:txBody>
@@ -6040,6 +6064,326 @@
       </p:grpSpPr>
       <p:sp>
         <p:nvSpPr>
+          <p:cNvPr id="2" name="Заголовок 1">
+            <a:extLst>
+              <a:ext uri="{FF2B5EF4-FFF2-40B4-BE49-F238E27FC236}">
+                <a16:creationId xmlns:a16="http://schemas.microsoft.com/office/drawing/2014/main" id="{9AB39BE3-61D7-9C96-6E75-A3ADEA0CA455}"/>
+              </a:ext>
+            </a:extLst>
+          </p:cNvPr>
+          <p:cNvSpPr>
+            <a:spLocks noGrp="1"/>
+          </p:cNvSpPr>
+          <p:nvPr>
+            <p:ph type="title"/>
+          </p:nvPr>
+        </p:nvSpPr>
+        <p:spPr/>
+        <p:txBody>
+          <a:bodyPr/>
+          <a:lstStyle/>
+          <a:p>
+            <a:r>
+              <a:rPr lang="ru-RU" dirty="0"/>
+              <a:t>Стек технологий</a:t>
+            </a:r>
+          </a:p>
+        </p:txBody>
+      </p:sp>
+      <p:pic>
+        <p:nvPicPr>
+          <p:cNvPr id="6" name="Объект 5">
+            <a:extLst>
+              <a:ext uri="{FF2B5EF4-FFF2-40B4-BE49-F238E27FC236}">
+                <a16:creationId xmlns:a16="http://schemas.microsoft.com/office/drawing/2014/main" id="{E1F6B240-3D12-FD4F-9D85-222090FDD7E9}"/>
+              </a:ext>
+            </a:extLst>
+          </p:cNvPr>
+          <p:cNvPicPr>
+            <a:picLocks noGrp="1" noChangeAspect="1"/>
+          </p:cNvPicPr>
+          <p:nvPr>
+            <p:ph idx="1"/>
+          </p:nvPr>
+        </p:nvPicPr>
+        <p:blipFill>
+          <a:blip r:embed="rId2">
+            <a:extLst>
+              <a:ext uri="{28A0092B-C50C-407E-A947-70E740481C1C}">
+                <a14:useLocalDpi xmlns:a14="http://schemas.microsoft.com/office/drawing/2010/main" val="0"/>
+              </a:ext>
+            </a:extLst>
+          </a:blip>
+          <a:stretch>
+            <a:fillRect/>
+          </a:stretch>
+        </p:blipFill>
+        <p:spPr>
+          <a:xfrm>
+            <a:off x="978970" y="2493990"/>
+            <a:ext cx="2575784" cy="1153336"/>
+          </a:xfrm>
+        </p:spPr>
+      </p:pic>
+      <p:pic>
+        <p:nvPicPr>
+          <p:cNvPr id="4" name="Рисунок 3" descr="Изображение выглядит как Графика, Шрифт, символ, логотип&#10;&#10;Автоматически созданное описание">
+            <a:extLst>
+              <a:ext uri="{FF2B5EF4-FFF2-40B4-BE49-F238E27FC236}">
+                <a16:creationId xmlns:a16="http://schemas.microsoft.com/office/drawing/2014/main" id="{EAF43373-8857-C6F9-0390-FC406F8B7783}"/>
+              </a:ext>
+            </a:extLst>
+          </p:cNvPr>
+          <p:cNvPicPr>
+            <a:picLocks noChangeAspect="1"/>
+          </p:cNvPicPr>
+          <p:nvPr/>
+        </p:nvPicPr>
+        <p:blipFill rotWithShape="1">
+          <a:blip r:embed="rId3">
+            <a:extLst>
+              <a:ext uri="{28A0092B-C50C-407E-A947-70E740481C1C}">
+                <a14:useLocalDpi xmlns:a14="http://schemas.microsoft.com/office/drawing/2010/main" val="0"/>
+              </a:ext>
+            </a:extLst>
+          </a:blip>
+          <a:srcRect l="18192" r="17384"/>
+          <a:stretch/>
+        </p:blipFill>
+        <p:spPr>
+          <a:xfrm>
+            <a:off x="10384919" y="46792"/>
+            <a:ext cx="1801470" cy="1743033"/>
+          </a:xfrm>
+          <a:prstGeom prst="rect">
+            <a:avLst/>
+          </a:prstGeom>
+        </p:spPr>
+      </p:pic>
+      <p:pic>
+        <p:nvPicPr>
+          <p:cNvPr id="8" name="Рисунок 7">
+            <a:extLst>
+              <a:ext uri="{FF2B5EF4-FFF2-40B4-BE49-F238E27FC236}">
+                <a16:creationId xmlns:a16="http://schemas.microsoft.com/office/drawing/2014/main" id="{7689D42B-36E4-1047-A664-0B215FAEB039}"/>
+              </a:ext>
+            </a:extLst>
+          </p:cNvPr>
+          <p:cNvPicPr>
+            <a:picLocks noChangeAspect="1"/>
+          </p:cNvPicPr>
+          <p:nvPr/>
+        </p:nvPicPr>
+        <p:blipFill>
+          <a:blip r:embed="rId4">
+            <a:extLst>
+              <a:ext uri="{28A0092B-C50C-407E-A947-70E740481C1C}">
+                <a14:useLocalDpi xmlns:a14="http://schemas.microsoft.com/office/drawing/2010/main" val="0"/>
+              </a:ext>
+            </a:extLst>
+          </a:blip>
+          <a:stretch>
+            <a:fillRect/>
+          </a:stretch>
+        </p:blipFill>
+        <p:spPr>
+          <a:xfrm>
+            <a:off x="3891052" y="2262088"/>
+            <a:ext cx="1612718" cy="1612718"/>
+          </a:xfrm>
+          <a:prstGeom prst="rect">
+            <a:avLst/>
+          </a:prstGeom>
+        </p:spPr>
+      </p:pic>
+      <p:pic>
+        <p:nvPicPr>
+          <p:cNvPr id="10" name="Рисунок 9">
+            <a:extLst>
+              <a:ext uri="{FF2B5EF4-FFF2-40B4-BE49-F238E27FC236}">
+                <a16:creationId xmlns:a16="http://schemas.microsoft.com/office/drawing/2014/main" id="{87A1D50B-2CE7-E045-B70F-EA87D237D421}"/>
+              </a:ext>
+            </a:extLst>
+          </p:cNvPr>
+          <p:cNvPicPr>
+            <a:picLocks noChangeAspect="1"/>
+          </p:cNvPicPr>
+          <p:nvPr/>
+        </p:nvPicPr>
+        <p:blipFill>
+          <a:blip r:embed="rId5">
+            <a:extLst>
+              <a:ext uri="{28A0092B-C50C-407E-A947-70E740481C1C}">
+                <a14:useLocalDpi xmlns:a14="http://schemas.microsoft.com/office/drawing/2010/main" val="0"/>
+              </a:ext>
+            </a:extLst>
+          </a:blip>
+          <a:stretch>
+            <a:fillRect/>
+          </a:stretch>
+        </p:blipFill>
+        <p:spPr>
+          <a:xfrm>
+            <a:off x="6096000" y="4038572"/>
+            <a:ext cx="3502729" cy="1371902"/>
+          </a:xfrm>
+          <a:prstGeom prst="rect">
+            <a:avLst/>
+          </a:prstGeom>
+        </p:spPr>
+      </p:pic>
+      <p:pic>
+        <p:nvPicPr>
+          <p:cNvPr id="12" name="Рисунок 11">
+            <a:extLst>
+              <a:ext uri="{FF2B5EF4-FFF2-40B4-BE49-F238E27FC236}">
+                <a16:creationId xmlns:a16="http://schemas.microsoft.com/office/drawing/2014/main" id="{593BBA70-610A-0240-8114-143943A573A5}"/>
+              </a:ext>
+            </a:extLst>
+          </p:cNvPr>
+          <p:cNvPicPr>
+            <a:picLocks noChangeAspect="1"/>
+          </p:cNvPicPr>
+          <p:nvPr/>
+        </p:nvPicPr>
+        <p:blipFill>
+          <a:blip r:embed="rId6">
+            <a:extLst>
+              <a:ext uri="{28A0092B-C50C-407E-A947-70E740481C1C}">
+                <a14:useLocalDpi xmlns:a14="http://schemas.microsoft.com/office/drawing/2010/main" val="0"/>
+              </a:ext>
+            </a:extLst>
+          </a:blip>
+          <a:stretch>
+            <a:fillRect/>
+          </a:stretch>
+        </p:blipFill>
+        <p:spPr>
+          <a:xfrm>
+            <a:off x="6096000" y="2358477"/>
+            <a:ext cx="3394397" cy="1371902"/>
+          </a:xfrm>
+          <a:prstGeom prst="rect">
+            <a:avLst/>
+          </a:prstGeom>
+        </p:spPr>
+      </p:pic>
+      <p:pic>
+        <p:nvPicPr>
+          <p:cNvPr id="14" name="Рисунок 13">
+            <a:extLst>
+              <a:ext uri="{FF2B5EF4-FFF2-40B4-BE49-F238E27FC236}">
+                <a16:creationId xmlns:a16="http://schemas.microsoft.com/office/drawing/2014/main" id="{07DF5AF3-5197-BD42-B05A-E56FF1DDCEB9}"/>
+              </a:ext>
+            </a:extLst>
+          </p:cNvPr>
+          <p:cNvPicPr>
+            <a:picLocks noChangeAspect="1"/>
+          </p:cNvPicPr>
+          <p:nvPr/>
+        </p:nvPicPr>
+        <p:blipFill>
+          <a:blip r:embed="rId7">
+            <a:extLst>
+              <a:ext uri="{28A0092B-C50C-407E-A947-70E740481C1C}">
+                <a14:useLocalDpi xmlns:a14="http://schemas.microsoft.com/office/drawing/2010/main" val="0"/>
+              </a:ext>
+            </a:extLst>
+          </a:blip>
+          <a:stretch>
+            <a:fillRect/>
+          </a:stretch>
+        </p:blipFill>
+        <p:spPr>
+          <a:xfrm>
+            <a:off x="3297812" y="4452511"/>
+            <a:ext cx="2848285" cy="1050184"/>
+          </a:xfrm>
+          <a:prstGeom prst="rect">
+            <a:avLst/>
+          </a:prstGeom>
+        </p:spPr>
+      </p:pic>
+      <p:pic>
+        <p:nvPicPr>
+          <p:cNvPr id="16" name="Рисунок 15">
+            <a:extLst>
+              <a:ext uri="{FF2B5EF4-FFF2-40B4-BE49-F238E27FC236}">
+                <a16:creationId xmlns:a16="http://schemas.microsoft.com/office/drawing/2014/main" id="{8F52D18E-1213-1B4E-AEAE-28C9BAFEEADC}"/>
+              </a:ext>
+            </a:extLst>
+          </p:cNvPr>
+          <p:cNvPicPr>
+            <a:picLocks noChangeAspect="1"/>
+          </p:cNvPicPr>
+          <p:nvPr/>
+        </p:nvPicPr>
+        <p:blipFill>
+          <a:blip r:embed="rId8">
+            <a:extLst>
+              <a:ext uri="{28A0092B-C50C-407E-A947-70E740481C1C}">
+                <a14:useLocalDpi xmlns:a14="http://schemas.microsoft.com/office/drawing/2010/main" val="0"/>
+              </a:ext>
+            </a:extLst>
+          </a:blip>
+          <a:stretch>
+            <a:fillRect/>
+          </a:stretch>
+        </p:blipFill>
+        <p:spPr>
+          <a:xfrm>
+            <a:off x="838200" y="4091032"/>
+            <a:ext cx="2462497" cy="1325644"/>
+          </a:xfrm>
+          <a:prstGeom prst="rect">
+            <a:avLst/>
+          </a:prstGeom>
+        </p:spPr>
+      </p:pic>
+    </p:spTree>
+    <p:extLst>
+      <p:ext uri="{BB962C8B-B14F-4D97-AF65-F5344CB8AC3E}">
+        <p14:creationId xmlns:p14="http://schemas.microsoft.com/office/powerpoint/2010/main" val="2020912386"/>
+      </p:ext>
+    </p:extLst>
+  </p:cSld>
+  <p:clrMapOvr>
+    <a:masterClrMapping/>
+  </p:clrMapOvr>
+  <mc:AlternateContent xmlns:mc="http://schemas.openxmlformats.org/markup-compatibility/2006">
+    <mc:Choice xmlns:p14="http://schemas.microsoft.com/office/powerpoint/2010/main" Requires="p14">
+      <p:transition spd="med" p14:dur="700">
+        <p:fade/>
+      </p:transition>
+    </mc:Choice>
+    <mc:Fallback>
+      <p:transition spd="med">
+        <p:fade/>
+      </p:transition>
+    </mc:Fallback>
+  </mc:AlternateContent>
+</p:sld>
+</file>
+
+<file path=ppt/slides/slide11.xml><?xml version="1.0" encoding="utf-8"?>
+<p:sld xmlns:a="http://schemas.openxmlformats.org/drawingml/2006/main" xmlns:r="http://schemas.openxmlformats.org/officeDocument/2006/relationships" xmlns:p="http://schemas.openxmlformats.org/presentationml/2006/main">
+  <p:cSld>
+    <p:spTree>
+      <p:nvGrpSpPr>
+        <p:cNvPr id="1" name=""/>
+        <p:cNvGrpSpPr/>
+        <p:nvPr/>
+      </p:nvGrpSpPr>
+      <p:grpSpPr>
+        <a:xfrm>
+          <a:off x="0" y="0"/>
+          <a:ext cx="0" cy="0"/>
+          <a:chOff x="0" y="0"/>
+          <a:chExt cx="0" cy="0"/>
+        </a:xfrm>
+      </p:grpSpPr>
+      <p:sp>
+        <p:nvSpPr>
           <p:cNvPr id="48" name="Rectangle 39">
             <a:extLst>
               <a:ext uri="{FF2B5EF4-FFF2-40B4-BE49-F238E27FC236}">
@@ -10008,31 +10352,6 @@
           </a:p>
         </p:txBody>
       </p:sp>
-      <p:sp>
-        <p:nvSpPr>
-          <p:cNvPr id="3" name="Объект 2">
-            <a:extLst>
-              <a:ext uri="{FF2B5EF4-FFF2-40B4-BE49-F238E27FC236}">
-                <a16:creationId xmlns:a16="http://schemas.microsoft.com/office/drawing/2014/main" id="{21BD251D-0982-ED11-1B6E-9367EC5CB577}"/>
-              </a:ext>
-            </a:extLst>
-          </p:cNvPr>
-          <p:cNvSpPr>
-            <a:spLocks noGrp="1"/>
-          </p:cNvSpPr>
-          <p:nvPr>
-            <p:ph idx="1"/>
-          </p:nvPr>
-        </p:nvSpPr>
-        <p:spPr/>
-        <p:txBody>
-          <a:bodyPr/>
-          <a:lstStyle/>
-          <a:p>
-            <a:endParaRPr lang="ru-RU"/>
-          </a:p>
-        </p:txBody>
-      </p:sp>
       <p:pic>
         <p:nvPicPr>
           <p:cNvPr id="4" name="Рисунок 3" descr="Изображение выглядит как Графика, Шрифт, символ, логотип&#10;&#10;Автоматически созданное описание">
@@ -10066,6 +10385,41 @@
           <a:prstGeom prst="rect">
             <a:avLst/>
           </a:prstGeom>
+        </p:spPr>
+      </p:pic>
+      <p:pic>
+        <p:nvPicPr>
+          <p:cNvPr id="10" name="Объект 9">
+            <a:extLst>
+              <a:ext uri="{FF2B5EF4-FFF2-40B4-BE49-F238E27FC236}">
+                <a16:creationId xmlns:a16="http://schemas.microsoft.com/office/drawing/2014/main" id="{668529DC-B096-D246-928D-C46C77286859}"/>
+              </a:ext>
+            </a:extLst>
+          </p:cNvPr>
+          <p:cNvPicPr>
+            <a:picLocks noGrp="1" noChangeAspect="1"/>
+          </p:cNvPicPr>
+          <p:nvPr>
+            <p:ph idx="1"/>
+          </p:nvPr>
+        </p:nvPicPr>
+        <p:blipFill>
+          <a:blip r:embed="rId3">
+            <a:extLst>
+              <a:ext uri="{28A0092B-C50C-407E-A947-70E740481C1C}">
+                <a14:useLocalDpi xmlns:a14="http://schemas.microsoft.com/office/drawing/2010/main" val="0"/>
+              </a:ext>
+            </a:extLst>
+          </a:blip>
+          <a:stretch>
+            <a:fillRect/>
+          </a:stretch>
+        </p:blipFill>
+        <p:spPr>
+          <a:xfrm>
+            <a:off x="1307149" y="1860348"/>
+            <a:ext cx="9577702" cy="3137303"/>
+          </a:xfrm>
         </p:spPr>
       </p:pic>
     </p:spTree>
@@ -10245,7 +10599,7 @@
           <p:cNvPr id="2" name="Заголовок 1">
             <a:extLst>
               <a:ext uri="{FF2B5EF4-FFF2-40B4-BE49-F238E27FC236}">
-                <a16:creationId xmlns:a16="http://schemas.microsoft.com/office/drawing/2014/main" id="{5363DE94-2F80-4AE9-818F-77ABAC1C04A8}"/>
+                <a16:creationId xmlns:a16="http://schemas.microsoft.com/office/drawing/2014/main" id="{DD4EEA95-8CF7-EBCD-7053-4F24ABCB2675}"/>
               </a:ext>
             </a:extLst>
           </p:cNvPr>
@@ -10263,7 +10617,7 @@
           <a:p>
             <a:r>
               <a:rPr lang="ru-RU" dirty="0"/>
-              <a:t>Запуск проекта</a:t>
+              <a:t>Алгоритмы ИИ</a:t>
             </a:r>
           </a:p>
         </p:txBody>
@@ -10273,7 +10627,7 @@
           <p:cNvPr id="3" name="Объект 2">
             <a:extLst>
               <a:ext uri="{FF2B5EF4-FFF2-40B4-BE49-F238E27FC236}">
-                <a16:creationId xmlns:a16="http://schemas.microsoft.com/office/drawing/2014/main" id="{9E363BE8-F423-9A76-1C55-21E50A6D1F04}"/>
+                <a16:creationId xmlns:a16="http://schemas.microsoft.com/office/drawing/2014/main" id="{81289604-5460-E48B-DE1D-BE02E6E94F10}"/>
               </a:ext>
             </a:extLst>
           </p:cNvPr>
@@ -10284,12 +10638,27 @@
             <p:ph idx="1"/>
           </p:nvPr>
         </p:nvSpPr>
-        <p:spPr/>
+        <p:spPr>
+          <a:xfrm>
+            <a:off x="838200" y="1690688"/>
+            <a:ext cx="10515600" cy="4575175"/>
+          </a:xfrm>
+        </p:spPr>
         <p:txBody>
           <a:bodyPr/>
           <a:lstStyle/>
           <a:p>
-            <a:endParaRPr lang="ru-RU"/>
+            <a:pPr marL="0" indent="0">
+              <a:buNone/>
+            </a:pPr>
+            <a:r>
+              <a:rPr lang="en-US" dirty="0"/>
+              <a:t> </a:t>
+            </a:r>
+            <a:r>
+              <a:rPr lang="ru-RU" dirty="0"/>
+              <a:t>Классификация отзывов                      Тематическое моделирование</a:t>
+            </a:r>
           </a:p>
         </p:txBody>
       </p:sp>
@@ -10298,7 +10667,7 @@
           <p:cNvPr id="4" name="Рисунок 3" descr="Изображение выглядит как Графика, Шрифт, символ, логотип&#10;&#10;Автоматически созданное описание">
             <a:extLst>
               <a:ext uri="{FF2B5EF4-FFF2-40B4-BE49-F238E27FC236}">
-                <a16:creationId xmlns:a16="http://schemas.microsoft.com/office/drawing/2014/main" id="{BF044EB0-8E5F-298D-65FF-C879D1E52F87}"/>
+                <a16:creationId xmlns:a16="http://schemas.microsoft.com/office/drawing/2014/main" id="{F37EA6D0-64D1-8ED3-CE34-4FF5284D3AC1}"/>
               </a:ext>
             </a:extLst>
           </p:cNvPr>
@@ -10328,10 +10697,222 @@
           </a:prstGeom>
         </p:spPr>
       </p:pic>
+      <p:pic>
+        <p:nvPicPr>
+          <p:cNvPr id="7" name="Рисунок 6">
+            <a:extLst>
+              <a:ext uri="{FF2B5EF4-FFF2-40B4-BE49-F238E27FC236}">
+                <a16:creationId xmlns:a16="http://schemas.microsoft.com/office/drawing/2014/main" id="{957E27AB-E176-5441-BFC9-ABC9179C3207}"/>
+              </a:ext>
+            </a:extLst>
+          </p:cNvPr>
+          <p:cNvPicPr>
+            <a:picLocks noChangeAspect="1"/>
+          </p:cNvPicPr>
+          <p:nvPr/>
+        </p:nvPicPr>
+        <p:blipFill>
+          <a:blip r:embed="rId3">
+            <a:extLst>
+              <a:ext uri="{28A0092B-C50C-407E-A947-70E740481C1C}">
+                <a14:useLocalDpi xmlns:a14="http://schemas.microsoft.com/office/drawing/2010/main" val="0"/>
+              </a:ext>
+            </a:extLst>
+          </a:blip>
+          <a:stretch>
+            <a:fillRect/>
+          </a:stretch>
+        </p:blipFill>
+        <p:spPr>
+          <a:xfrm>
+            <a:off x="1636161" y="2281239"/>
+            <a:ext cx="2541997" cy="1203095"/>
+          </a:xfrm>
+          <a:prstGeom prst="rect">
+            <a:avLst/>
+          </a:prstGeom>
+        </p:spPr>
+      </p:pic>
+      <p:pic>
+        <p:nvPicPr>
+          <p:cNvPr id="9" name="Рисунок 8">
+            <a:extLst>
+              <a:ext uri="{FF2B5EF4-FFF2-40B4-BE49-F238E27FC236}">
+                <a16:creationId xmlns:a16="http://schemas.microsoft.com/office/drawing/2014/main" id="{B9144BA5-C9C4-F141-94E4-E17F6DB3FCA0}"/>
+              </a:ext>
+            </a:extLst>
+          </p:cNvPr>
+          <p:cNvPicPr>
+            <a:picLocks noChangeAspect="1"/>
+          </p:cNvPicPr>
+          <p:nvPr/>
+        </p:nvPicPr>
+        <p:blipFill>
+          <a:blip r:embed="rId4">
+            <a:extLst>
+              <a:ext uri="{28A0092B-C50C-407E-A947-70E740481C1C}">
+                <a14:useLocalDpi xmlns:a14="http://schemas.microsoft.com/office/drawing/2010/main" val="0"/>
+              </a:ext>
+            </a:extLst>
+          </a:blip>
+          <a:stretch>
+            <a:fillRect/>
+          </a:stretch>
+        </p:blipFill>
+        <p:spPr>
+          <a:xfrm>
+            <a:off x="1636160" y="3590210"/>
+            <a:ext cx="2541997" cy="1282897"/>
+          </a:xfrm>
+          <a:prstGeom prst="rect">
+            <a:avLst/>
+          </a:prstGeom>
+        </p:spPr>
+      </p:pic>
+      <p:pic>
+        <p:nvPicPr>
+          <p:cNvPr id="11" name="Рисунок 10">
+            <a:extLst>
+              <a:ext uri="{FF2B5EF4-FFF2-40B4-BE49-F238E27FC236}">
+                <a16:creationId xmlns:a16="http://schemas.microsoft.com/office/drawing/2014/main" id="{B551DA96-5D29-2746-B40B-9225E6356B3E}"/>
+              </a:ext>
+            </a:extLst>
+          </p:cNvPr>
+          <p:cNvPicPr>
+            <a:picLocks noChangeAspect="1"/>
+          </p:cNvPicPr>
+          <p:nvPr/>
+        </p:nvPicPr>
+        <p:blipFill>
+          <a:blip r:embed="rId5">
+            <a:extLst>
+              <a:ext uri="{28A0092B-C50C-407E-A947-70E740481C1C}">
+                <a14:useLocalDpi xmlns:a14="http://schemas.microsoft.com/office/drawing/2010/main" val="0"/>
+              </a:ext>
+            </a:extLst>
+          </a:blip>
+          <a:stretch>
+            <a:fillRect/>
+          </a:stretch>
+        </p:blipFill>
+        <p:spPr>
+          <a:xfrm>
+            <a:off x="1636160" y="4978983"/>
+            <a:ext cx="2542200" cy="1392756"/>
+          </a:xfrm>
+          <a:prstGeom prst="rect">
+            <a:avLst/>
+          </a:prstGeom>
+        </p:spPr>
+      </p:pic>
+      <p:sp>
+        <p:nvSpPr>
+          <p:cNvPr id="13" name="TextBox 12">
+            <a:extLst>
+              <a:ext uri="{FF2B5EF4-FFF2-40B4-BE49-F238E27FC236}">
+                <a16:creationId xmlns:a16="http://schemas.microsoft.com/office/drawing/2014/main" id="{DE01C419-092E-7D4D-8C82-04888708CCC5}"/>
+              </a:ext>
+            </a:extLst>
+          </p:cNvPr>
+          <p:cNvSpPr txBox="1"/>
+          <p:nvPr/>
+        </p:nvSpPr>
+        <p:spPr>
+          <a:xfrm>
+            <a:off x="8178229" y="2702103"/>
+            <a:ext cx="184731" cy="369332"/>
+          </a:xfrm>
+          <a:prstGeom prst="rect">
+            <a:avLst/>
+          </a:prstGeom>
+          <a:noFill/>
+        </p:spPr>
+        <p:txBody>
+          <a:bodyPr wrap="none" rtlCol="0">
+            <a:spAutoFit/>
+          </a:bodyPr>
+          <a:lstStyle/>
+          <a:p>
+            <a:endParaRPr lang="ru-RU" dirty="0"/>
+          </a:p>
+        </p:txBody>
+      </p:sp>
+      <p:pic>
+        <p:nvPicPr>
+          <p:cNvPr id="15" name="Рисунок 14">
+            <a:extLst>
+              <a:ext uri="{FF2B5EF4-FFF2-40B4-BE49-F238E27FC236}">
+                <a16:creationId xmlns:a16="http://schemas.microsoft.com/office/drawing/2014/main" id="{25773778-94FA-AC4A-8AEE-6BFBF45D78E8}"/>
+              </a:ext>
+            </a:extLst>
+          </p:cNvPr>
+          <p:cNvPicPr>
+            <a:picLocks noChangeAspect="1"/>
+          </p:cNvPicPr>
+          <p:nvPr/>
+        </p:nvPicPr>
+        <p:blipFill>
+          <a:blip r:embed="rId6">
+            <a:extLst>
+              <a:ext uri="{28A0092B-C50C-407E-A947-70E740481C1C}">
+                <a14:useLocalDpi xmlns:a14="http://schemas.microsoft.com/office/drawing/2010/main" val="0"/>
+              </a:ext>
+            </a:extLst>
+          </a:blip>
+          <a:stretch>
+            <a:fillRect/>
+          </a:stretch>
+        </p:blipFill>
+        <p:spPr>
+          <a:xfrm>
+            <a:off x="7275684" y="2208243"/>
+            <a:ext cx="3011657" cy="1911696"/>
+          </a:xfrm>
+          <a:prstGeom prst="rect">
+            <a:avLst/>
+          </a:prstGeom>
+        </p:spPr>
+      </p:pic>
+      <p:pic>
+        <p:nvPicPr>
+          <p:cNvPr id="17" name="Рисунок 16">
+            <a:extLst>
+              <a:ext uri="{FF2B5EF4-FFF2-40B4-BE49-F238E27FC236}">
+                <a16:creationId xmlns:a16="http://schemas.microsoft.com/office/drawing/2014/main" id="{741804FE-EA0E-714A-9E59-6DBCB1F402BB}"/>
+              </a:ext>
+            </a:extLst>
+          </p:cNvPr>
+          <p:cNvPicPr>
+            <a:picLocks noChangeAspect="1"/>
+          </p:cNvPicPr>
+          <p:nvPr/>
+        </p:nvPicPr>
+        <p:blipFill>
+          <a:blip r:embed="rId7">
+            <a:extLst>
+              <a:ext uri="{28A0092B-C50C-407E-A947-70E740481C1C}">
+                <a14:useLocalDpi xmlns:a14="http://schemas.microsoft.com/office/drawing/2010/main" val="0"/>
+              </a:ext>
+            </a:extLst>
+          </a:blip>
+          <a:stretch>
+            <a:fillRect/>
+          </a:stretch>
+        </p:blipFill>
+        <p:spPr>
+          <a:xfrm>
+            <a:off x="6450195" y="4354167"/>
+            <a:ext cx="4903605" cy="1911696"/>
+          </a:xfrm>
+          <a:prstGeom prst="rect">
+            <a:avLst/>
+          </a:prstGeom>
+        </p:spPr>
+      </p:pic>
     </p:spTree>
     <p:extLst>
       <p:ext uri="{BB962C8B-B14F-4D97-AF65-F5344CB8AC3E}">
-        <p14:creationId xmlns:p14="http://schemas.microsoft.com/office/powerpoint/2010/main" val="1148470592"/>
+        <p14:creationId xmlns:p14="http://schemas.microsoft.com/office/powerpoint/2010/main" val="1313897668"/>
       </p:ext>
     </p:extLst>
   </p:cSld>
@@ -10375,7 +10956,7 @@
           <p:cNvPr id="2" name="Заголовок 1">
             <a:extLst>
               <a:ext uri="{FF2B5EF4-FFF2-40B4-BE49-F238E27FC236}">
-                <a16:creationId xmlns:a16="http://schemas.microsoft.com/office/drawing/2014/main" id="{69DE3605-A0F3-4923-4DE3-888C6CDFC775}"/>
+                <a16:creationId xmlns:a16="http://schemas.microsoft.com/office/drawing/2014/main" id="{5363DE94-2F80-4AE9-818F-77ABAC1C04A8}"/>
               </a:ext>
             </a:extLst>
           </p:cNvPr>
@@ -10393,7 +10974,7 @@
           <a:p>
             <a:r>
               <a:rPr lang="ru-RU" dirty="0"/>
-              <a:t>Результаты реализации проекта</a:t>
+              <a:t>Запуск проекта</a:t>
             </a:r>
           </a:p>
         </p:txBody>
@@ -10403,7 +10984,7 @@
           <p:cNvPr id="3" name="Объект 2">
             <a:extLst>
               <a:ext uri="{FF2B5EF4-FFF2-40B4-BE49-F238E27FC236}">
-                <a16:creationId xmlns:a16="http://schemas.microsoft.com/office/drawing/2014/main" id="{3ED071FB-72DB-F925-C0FB-6BF93951F969}"/>
+                <a16:creationId xmlns:a16="http://schemas.microsoft.com/office/drawing/2014/main" id="{9E363BE8-F423-9A76-1C55-21E50A6D1F04}"/>
               </a:ext>
             </a:extLst>
           </p:cNvPr>
@@ -10428,7 +11009,7 @@
           <p:cNvPr id="4" name="Рисунок 3" descr="Изображение выглядит как Графика, Шрифт, символ, логотип&#10;&#10;Автоматически созданное описание">
             <a:extLst>
               <a:ext uri="{FF2B5EF4-FFF2-40B4-BE49-F238E27FC236}">
-                <a16:creationId xmlns:a16="http://schemas.microsoft.com/office/drawing/2014/main" id="{48546F00-1755-F8E0-1F5C-FDCC25CE81E8}"/>
+                <a16:creationId xmlns:a16="http://schemas.microsoft.com/office/drawing/2014/main" id="{BF044EB0-8E5F-298D-65FF-C879D1E52F87}"/>
               </a:ext>
             </a:extLst>
           </p:cNvPr>
@@ -10461,7 +11042,7 @@
     </p:spTree>
     <p:extLst>
       <p:ext uri="{BB962C8B-B14F-4D97-AF65-F5344CB8AC3E}">
-        <p14:creationId xmlns:p14="http://schemas.microsoft.com/office/powerpoint/2010/main" val="3185489402"/>
+        <p14:creationId xmlns:p14="http://schemas.microsoft.com/office/powerpoint/2010/main" val="1148470592"/>
       </p:ext>
     </p:extLst>
   </p:cSld>
@@ -10505,7 +11086,7 @@
           <p:cNvPr id="2" name="Заголовок 1">
             <a:extLst>
               <a:ext uri="{FF2B5EF4-FFF2-40B4-BE49-F238E27FC236}">
-                <a16:creationId xmlns:a16="http://schemas.microsoft.com/office/drawing/2014/main" id="{AD89552A-30DF-97FC-707B-9BA4ACBBFBA1}"/>
+                <a16:creationId xmlns:a16="http://schemas.microsoft.com/office/drawing/2014/main" id="{69DE3605-A0F3-4923-4DE3-888C6CDFC775}"/>
               </a:ext>
             </a:extLst>
           </p:cNvPr>
@@ -10523,7 +11104,7 @@
           <a:p>
             <a:r>
               <a:rPr lang="ru-RU" dirty="0"/>
-              <a:t>Масштабируемость</a:t>
+              <a:t>Результаты реализации проекта</a:t>
             </a:r>
           </a:p>
         </p:txBody>
@@ -10533,7 +11114,7 @@
           <p:cNvPr id="3" name="Объект 2">
             <a:extLst>
               <a:ext uri="{FF2B5EF4-FFF2-40B4-BE49-F238E27FC236}">
-                <a16:creationId xmlns:a16="http://schemas.microsoft.com/office/drawing/2014/main" id="{6DF8E8C4-2CBD-A4C6-C903-73A66773E218}"/>
+                <a16:creationId xmlns:a16="http://schemas.microsoft.com/office/drawing/2014/main" id="{3ED071FB-72DB-F925-C0FB-6BF93951F969}"/>
               </a:ext>
             </a:extLst>
           </p:cNvPr>
@@ -10549,7 +11130,7 @@
           <a:bodyPr/>
           <a:lstStyle/>
           <a:p>
-            <a:endParaRPr lang="ru-RU" dirty="0"/>
+            <a:endParaRPr lang="ru-RU"/>
           </a:p>
         </p:txBody>
       </p:sp>
@@ -10558,7 +11139,7 @@
           <p:cNvPr id="4" name="Рисунок 3" descr="Изображение выглядит как Графика, Шрифт, символ, логотип&#10;&#10;Автоматически созданное описание">
             <a:extLst>
               <a:ext uri="{FF2B5EF4-FFF2-40B4-BE49-F238E27FC236}">
-                <a16:creationId xmlns:a16="http://schemas.microsoft.com/office/drawing/2014/main" id="{79D142C8-10B1-6498-D0F5-37FCE659F6E3}"/>
+                <a16:creationId xmlns:a16="http://schemas.microsoft.com/office/drawing/2014/main" id="{48546F00-1755-F8E0-1F5C-FDCC25CE81E8}"/>
               </a:ext>
             </a:extLst>
           </p:cNvPr>
@@ -10591,7 +11172,7 @@
     </p:spTree>
     <p:extLst>
       <p:ext uri="{BB962C8B-B14F-4D97-AF65-F5344CB8AC3E}">
-        <p14:creationId xmlns:p14="http://schemas.microsoft.com/office/powerpoint/2010/main" val="4173098683"/>
+        <p14:creationId xmlns:p14="http://schemas.microsoft.com/office/powerpoint/2010/main" val="3185489402"/>
       </p:ext>
     </p:extLst>
   </p:cSld>
@@ -10635,7 +11216,7 @@
           <p:cNvPr id="2" name="Заголовок 1">
             <a:extLst>
               <a:ext uri="{FF2B5EF4-FFF2-40B4-BE49-F238E27FC236}">
-                <a16:creationId xmlns:a16="http://schemas.microsoft.com/office/drawing/2014/main" id="{E32632A7-8FDC-0639-DEEC-7E3506074572}"/>
+                <a16:creationId xmlns:a16="http://schemas.microsoft.com/office/drawing/2014/main" id="{AD89552A-30DF-97FC-707B-9BA4ACBBFBA1}"/>
               </a:ext>
             </a:extLst>
           </p:cNvPr>
@@ -10653,17 +11234,17 @@
           <a:p>
             <a:r>
               <a:rPr lang="ru-RU" dirty="0"/>
-              <a:t>Используемое ПО</a:t>
+              <a:t>Масштабируемость</a:t>
             </a:r>
           </a:p>
         </p:txBody>
       </p:sp>
       <p:sp>
         <p:nvSpPr>
-          <p:cNvPr id="8" name="Объект 7">
-            <a:extLst>
-              <a:ext uri="{FF2B5EF4-FFF2-40B4-BE49-F238E27FC236}">
-                <a16:creationId xmlns:a16="http://schemas.microsoft.com/office/drawing/2014/main" id="{1AC6D7CB-7509-4C66-F63F-B2D8A666F94A}"/>
+          <p:cNvPr id="3" name="Объект 2">
+            <a:extLst>
+              <a:ext uri="{FF2B5EF4-FFF2-40B4-BE49-F238E27FC236}">
+                <a16:creationId xmlns:a16="http://schemas.microsoft.com/office/drawing/2014/main" id="{6DF8E8C4-2CBD-A4C6-C903-73A66773E218}"/>
               </a:ext>
             </a:extLst>
           </p:cNvPr>
@@ -10679,16 +11260,16 @@
           <a:bodyPr/>
           <a:lstStyle/>
           <a:p>
-            <a:endParaRPr lang="ru-RU"/>
+            <a:endParaRPr lang="ru-RU" dirty="0"/>
           </a:p>
         </p:txBody>
       </p:sp>
       <p:pic>
         <p:nvPicPr>
-          <p:cNvPr id="9" name="Рисунок 8" descr="Изображение выглядит как Графика, Шрифт, символ, логотип&#10;&#10;Автоматически созданное описание">
-            <a:extLst>
-              <a:ext uri="{FF2B5EF4-FFF2-40B4-BE49-F238E27FC236}">
-                <a16:creationId xmlns:a16="http://schemas.microsoft.com/office/drawing/2014/main" id="{53F2E5F1-023C-3456-8631-6CA200EE79C4}"/>
+          <p:cNvPr id="4" name="Рисунок 3" descr="Изображение выглядит как Графика, Шрифт, символ, логотип&#10;&#10;Автоматически созданное описание">
+            <a:extLst>
+              <a:ext uri="{FF2B5EF4-FFF2-40B4-BE49-F238E27FC236}">
+                <a16:creationId xmlns:a16="http://schemas.microsoft.com/office/drawing/2014/main" id="{79D142C8-10B1-6498-D0F5-37FCE659F6E3}"/>
               </a:ext>
             </a:extLst>
           </p:cNvPr>
@@ -10721,7 +11302,7 @@
     </p:spTree>
     <p:extLst>
       <p:ext uri="{BB962C8B-B14F-4D97-AF65-F5344CB8AC3E}">
-        <p14:creationId xmlns:p14="http://schemas.microsoft.com/office/powerpoint/2010/main" val="3996902771"/>
+        <p14:creationId xmlns:p14="http://schemas.microsoft.com/office/powerpoint/2010/main" val="4173098683"/>
       </p:ext>
     </p:extLst>
   </p:cSld>

--- a/presentation/protection.pptx
+++ b/presentation/protection.pptx
@@ -6296,7 +6296,7 @@
         </p:blipFill>
         <p:spPr>
           <a:xfrm>
-            <a:off x="3297812" y="4452511"/>
+            <a:off x="3300697" y="4446206"/>
             <a:ext cx="2848285" cy="1050184"/>
           </a:xfrm>
           <a:prstGeom prst="rect">
@@ -9863,7 +9863,7 @@
         <p:spPr>
           <a:xfrm>
             <a:off x="8951824" y="5589264"/>
-            <a:ext cx="1975104" cy="707886"/>
+            <a:ext cx="1975104" cy="1015663"/>
           </a:xfrm>
           <a:prstGeom prst="rect">
             <a:avLst/>
@@ -9893,7 +9893,13 @@
           <a:p>
             <a:r>
               <a:rPr lang="en-US" sz="2000" dirty="0"/>
-              <a:t>Data scientist</a:t>
+              <a:t>Data scientist,</a:t>
+            </a:r>
+          </a:p>
+          <a:p>
+            <a:r>
+              <a:rPr lang="en-US" sz="2000" dirty="0"/>
+              <a:t>DevOps</a:t>
             </a:r>
           </a:p>
         </p:txBody>
@@ -10411,14 +10417,13 @@
               </a:ext>
             </a:extLst>
           </a:blip>
-          <a:stretch>
-            <a:fillRect/>
-          </a:stretch>
+          <a:srcRect/>
+          <a:stretch/>
         </p:blipFill>
         <p:spPr>
           <a:xfrm>
-            <a:off x="1307149" y="1860348"/>
-            <a:ext cx="9577702" cy="3137303"/>
+            <a:off x="2218671" y="2158929"/>
+            <a:ext cx="7754658" cy="2540141"/>
           </a:xfrm>
         </p:spPr>
       </p:pic>
@@ -10805,38 +10810,6 @@
           </a:prstGeom>
         </p:spPr>
       </p:pic>
-      <p:sp>
-        <p:nvSpPr>
-          <p:cNvPr id="13" name="TextBox 12">
-            <a:extLst>
-              <a:ext uri="{FF2B5EF4-FFF2-40B4-BE49-F238E27FC236}">
-                <a16:creationId xmlns:a16="http://schemas.microsoft.com/office/drawing/2014/main" id="{DE01C419-092E-7D4D-8C82-04888708CCC5}"/>
-              </a:ext>
-            </a:extLst>
-          </p:cNvPr>
-          <p:cNvSpPr txBox="1"/>
-          <p:nvPr/>
-        </p:nvSpPr>
-        <p:spPr>
-          <a:xfrm>
-            <a:off x="8178229" y="2702103"/>
-            <a:ext cx="184731" cy="369332"/>
-          </a:xfrm>
-          <a:prstGeom prst="rect">
-            <a:avLst/>
-          </a:prstGeom>
-          <a:noFill/>
-        </p:spPr>
-        <p:txBody>
-          <a:bodyPr wrap="none" rtlCol="0">
-            <a:spAutoFit/>
-          </a:bodyPr>
-          <a:lstStyle/>
-          <a:p>
-            <a:endParaRPr lang="ru-RU" dirty="0"/>
-          </a:p>
-        </p:txBody>
-      </p:sp>
       <p:pic>
         <p:nvPicPr>
           <p:cNvPr id="15" name="Рисунок 14">

--- a/presentation/protection.pptx
+++ b/presentation/protection.pptx
@@ -178,6 +178,202 @@
     </p:ext>
   </p:extLst>
 </p:presentation>
+</file>
+
+<file path=ppt/ink/ink1.xml><?xml version="1.0" encoding="utf-8"?>
+<inkml:ink xmlns:inkml="http://www.w3.org/2003/InkML">
+  <inkml:definitions>
+    <inkml:context xml:id="ctx0">
+      <inkml:inkSource xml:id="inkSrc0">
+        <inkml:traceFormat>
+          <inkml:channel name="X" type="integer" min="-2.14748E9" max="2.14748E9" units="cm"/>
+          <inkml:channel name="Y" type="integer" min="-2.14748E9" max="2.14748E9" units="cm"/>
+          <inkml:channel name="F" type="integer" max="32767" units="dev"/>
+        </inkml:traceFormat>
+        <inkml:channelProperties>
+          <inkml:channelProperty channel="X" name="resolution" value="1000" units="1/cm"/>
+          <inkml:channelProperty channel="Y" name="resolution" value="1000" units="1/cm"/>
+          <inkml:channelProperty channel="F" name="resolution" value="0" units="1/dev"/>
+        </inkml:channelProperties>
+      </inkml:inkSource>
+      <inkml:timestamp xml:id="ts0" timeString="2024-04-27T22:18:24.590"/>
+    </inkml:context>
+    <inkml:brush xml:id="br0">
+      <inkml:brushProperty name="width" value="0.05" units="cm"/>
+      <inkml:brushProperty name="height" value="0.05" units="cm"/>
+      <inkml:brushProperty name="color" value="#FFFFFF"/>
+    </inkml:brush>
+  </inkml:definitions>
+  <inkml:trace contextRef="#ctx0" brushRef="#br0">1 30 24575,'52'-4'0,"-34"3"0,37-2 0,-45 3 0,3 0 0,0 0 0,-2 0 0,6-4 0,-5 0 0,3 0 0,-3 1 0,-5 3 0,6 0 0,-6 0 0,2 0 0,-2 0 0,2-3 0,1 2 0,0-2 0,0 3 0,-4 0 0,1 0 0,-1 3 0,-5 1 0,-2 2 0,-8 1 0,-2-1 0,-2 1 0,3-1 0,0-2 0,1-2 0,2-2 0,-3 0 0,4 0 0,-1 0 0,0 0 0,4 0 0,0 0 0</inkml:trace>
+</inkml:ink>
+</file>
+
+<file path=ppt/ink/ink2.xml><?xml version="1.0" encoding="utf-8"?>
+<inkml:ink xmlns:inkml="http://www.w3.org/2003/InkML">
+  <inkml:definitions>
+    <inkml:context xml:id="ctx0">
+      <inkml:inkSource xml:id="inkSrc0">
+        <inkml:traceFormat>
+          <inkml:channel name="X" type="integer" min="-2.14748E9" max="2.14748E9" units="cm"/>
+          <inkml:channel name="Y" type="integer" min="-2.14748E9" max="2.14748E9" units="cm"/>
+          <inkml:channel name="F" type="integer" max="32767" units="dev"/>
+        </inkml:traceFormat>
+        <inkml:channelProperties>
+          <inkml:channelProperty channel="X" name="resolution" value="1000" units="1/cm"/>
+          <inkml:channelProperty channel="Y" name="resolution" value="1000" units="1/cm"/>
+          <inkml:channelProperty channel="F" name="resolution" value="0" units="1/dev"/>
+        </inkml:channelProperties>
+      </inkml:inkSource>
+      <inkml:timestamp xml:id="ts0" timeString="2024-04-27T22:18:51.501"/>
+    </inkml:context>
+    <inkml:brush xml:id="br0">
+      <inkml:brushProperty name="width" value="0.35" units="cm"/>
+      <inkml:brushProperty name="height" value="0.35" units="cm"/>
+      <inkml:brushProperty name="color" value="#FFFFFF"/>
+    </inkml:brush>
+  </inkml:definitions>
+  <inkml:trace contextRef="#ctx0" brushRef="#br0">1 1 24575,'0'0'0</inkml:trace>
+</inkml:ink>
+</file>
+
+<file path=ppt/ink/ink3.xml><?xml version="1.0" encoding="utf-8"?>
+<inkml:ink xmlns:inkml="http://www.w3.org/2003/InkML">
+  <inkml:definitions>
+    <inkml:context xml:id="ctx0">
+      <inkml:inkSource xml:id="inkSrc0">
+        <inkml:traceFormat>
+          <inkml:channel name="X" type="integer" min="-2.14748E9" max="2.14748E9" units="cm"/>
+          <inkml:channel name="Y" type="integer" min="-2.14748E9" max="2.14748E9" units="cm"/>
+          <inkml:channel name="F" type="integer" max="32767" units="dev"/>
+        </inkml:traceFormat>
+        <inkml:channelProperties>
+          <inkml:channelProperty channel="X" name="resolution" value="1000" units="1/cm"/>
+          <inkml:channelProperty channel="Y" name="resolution" value="1000" units="1/cm"/>
+          <inkml:channelProperty channel="F" name="resolution" value="0" units="1/dev"/>
+        </inkml:channelProperties>
+      </inkml:inkSource>
+      <inkml:timestamp xml:id="ts0" timeString="2024-04-27T22:18:55.636"/>
+    </inkml:context>
+    <inkml:brush xml:id="br0">
+      <inkml:brushProperty name="width" value="0.35" units="cm"/>
+      <inkml:brushProperty name="height" value="0.35" units="cm"/>
+      <inkml:brushProperty name="color" value="#FFFFFF"/>
+    </inkml:brush>
+  </inkml:definitions>
+  <inkml:trace contextRef="#ctx0" brushRef="#br0">0 1 24575,'0'0'0</inkml:trace>
+</inkml:ink>
+</file>
+
+<file path=ppt/ink/ink4.xml><?xml version="1.0" encoding="utf-8"?>
+<inkml:ink xmlns:inkml="http://www.w3.org/2003/InkML">
+  <inkml:definitions>
+    <inkml:context xml:id="ctx0">
+      <inkml:inkSource xml:id="inkSrc0">
+        <inkml:traceFormat>
+          <inkml:channel name="X" type="integer" min="-2.14748E9" max="2.14748E9" units="cm"/>
+          <inkml:channel name="Y" type="integer" min="-2.14748E9" max="2.14748E9" units="cm"/>
+          <inkml:channel name="F" type="integer" max="32767" units="dev"/>
+        </inkml:traceFormat>
+        <inkml:channelProperties>
+          <inkml:channelProperty channel="X" name="resolution" value="1000" units="1/cm"/>
+          <inkml:channelProperty channel="Y" name="resolution" value="1000" units="1/cm"/>
+          <inkml:channelProperty channel="F" name="resolution" value="0" units="1/dev"/>
+        </inkml:channelProperties>
+      </inkml:inkSource>
+      <inkml:timestamp xml:id="ts0" timeString="2024-04-27T22:18:58.941"/>
+    </inkml:context>
+    <inkml:brush xml:id="br0">
+      <inkml:brushProperty name="width" value="0.35" units="cm"/>
+      <inkml:brushProperty name="height" value="0.35" units="cm"/>
+      <inkml:brushProperty name="color" value="#FFFFFF"/>
+    </inkml:brush>
+  </inkml:definitions>
+  <inkml:trace contextRef="#ctx0" brushRef="#br0">1 0 24575,'0'0'0</inkml:trace>
+</inkml:ink>
+</file>
+
+<file path=ppt/ink/ink5.xml><?xml version="1.0" encoding="utf-8"?>
+<inkml:ink xmlns:inkml="http://www.w3.org/2003/InkML">
+  <inkml:definitions>
+    <inkml:context xml:id="ctx0">
+      <inkml:inkSource xml:id="inkSrc0">
+        <inkml:traceFormat>
+          <inkml:channel name="X" type="integer" min="-2.14748E9" max="2.14748E9" units="cm"/>
+          <inkml:channel name="Y" type="integer" min="-2.14748E9" max="2.14748E9" units="cm"/>
+          <inkml:channel name="F" type="integer" max="32767" units="dev"/>
+        </inkml:traceFormat>
+        <inkml:channelProperties>
+          <inkml:channelProperty channel="X" name="resolution" value="1000" units="1/cm"/>
+          <inkml:channelProperty channel="Y" name="resolution" value="1000" units="1/cm"/>
+          <inkml:channelProperty channel="F" name="resolution" value="0" units="1/dev"/>
+        </inkml:channelProperties>
+      </inkml:inkSource>
+      <inkml:timestamp xml:id="ts0" timeString="2024-04-27T22:18:59.988"/>
+    </inkml:context>
+    <inkml:brush xml:id="br0">
+      <inkml:brushProperty name="width" value="0.35" units="cm"/>
+      <inkml:brushProperty name="height" value="0.35" units="cm"/>
+      <inkml:brushProperty name="color" value="#FFFFFF"/>
+    </inkml:brush>
+  </inkml:definitions>
+  <inkml:trace contextRef="#ctx0" brushRef="#br0">1 0 24575,'0'0'0</inkml:trace>
+</inkml:ink>
+</file>
+
+<file path=ppt/ink/ink6.xml><?xml version="1.0" encoding="utf-8"?>
+<inkml:ink xmlns:inkml="http://www.w3.org/2003/InkML">
+  <inkml:definitions>
+    <inkml:context xml:id="ctx0">
+      <inkml:inkSource xml:id="inkSrc0">
+        <inkml:traceFormat>
+          <inkml:channel name="X" type="integer" min="-2.14748E9" max="2.14748E9" units="cm"/>
+          <inkml:channel name="Y" type="integer" min="-2.14748E9" max="2.14748E9" units="cm"/>
+          <inkml:channel name="F" type="integer" max="32767" units="dev"/>
+        </inkml:traceFormat>
+        <inkml:channelProperties>
+          <inkml:channelProperty channel="X" name="resolution" value="1000" units="1/cm"/>
+          <inkml:channelProperty channel="Y" name="resolution" value="1000" units="1/cm"/>
+          <inkml:channelProperty channel="F" name="resolution" value="0" units="1/dev"/>
+        </inkml:channelProperties>
+      </inkml:inkSource>
+      <inkml:timestamp xml:id="ts0" timeString="2024-04-27T22:19:00.773"/>
+    </inkml:context>
+    <inkml:brush xml:id="br0">
+      <inkml:brushProperty name="width" value="0.35" units="cm"/>
+      <inkml:brushProperty name="height" value="0.35" units="cm"/>
+      <inkml:brushProperty name="color" value="#FFFFFF"/>
+    </inkml:brush>
+  </inkml:definitions>
+  <inkml:trace contextRef="#ctx0" brushRef="#br0">1 1 24575,'0'0'0</inkml:trace>
+</inkml:ink>
+</file>
+
+<file path=ppt/ink/ink7.xml><?xml version="1.0" encoding="utf-8"?>
+<inkml:ink xmlns:inkml="http://www.w3.org/2003/InkML">
+  <inkml:definitions>
+    <inkml:context xml:id="ctx0">
+      <inkml:inkSource xml:id="inkSrc0">
+        <inkml:traceFormat>
+          <inkml:channel name="X" type="integer" min="-2.14748E9" max="2.14748E9" units="cm"/>
+          <inkml:channel name="Y" type="integer" min="-2.14748E9" max="2.14748E9" units="cm"/>
+          <inkml:channel name="F" type="integer" max="32767" units="dev"/>
+        </inkml:traceFormat>
+        <inkml:channelProperties>
+          <inkml:channelProperty channel="X" name="resolution" value="1000" units="1/cm"/>
+          <inkml:channelProperty channel="Y" name="resolution" value="1000" units="1/cm"/>
+          <inkml:channelProperty channel="F" name="resolution" value="0" units="1/dev"/>
+        </inkml:channelProperties>
+      </inkml:inkSource>
+      <inkml:timestamp xml:id="ts0" timeString="2024-04-27T22:19:06.349"/>
+    </inkml:context>
+    <inkml:brush xml:id="br0">
+      <inkml:brushProperty name="width" value="0.35" units="cm"/>
+      <inkml:brushProperty name="height" value="0.35" units="cm"/>
+      <inkml:brushProperty name="color" value="#FFFFFF"/>
+    </inkml:brush>
+  </inkml:definitions>
+  <inkml:trace contextRef="#ctx0" brushRef="#br0">0 1 24575,'0'0'0</inkml:trace>
+</inkml:ink>
 </file>
 
 <file path=ppt/slideLayouts/slideLayout1.xml><?xml version="1.0" encoding="utf-8"?>
@@ -10812,10 +11008,10 @@
       </p:pic>
       <p:pic>
         <p:nvPicPr>
-          <p:cNvPr id="15" name="Рисунок 14">
-            <a:extLst>
-              <a:ext uri="{FF2B5EF4-FFF2-40B4-BE49-F238E27FC236}">
-                <a16:creationId xmlns:a16="http://schemas.microsoft.com/office/drawing/2014/main" id="{25773778-94FA-AC4A-8AEE-6BFBF45D78E8}"/>
+          <p:cNvPr id="19" name="Рисунок 18">
+            <a:extLst>
+              <a:ext uri="{FF2B5EF4-FFF2-40B4-BE49-F238E27FC236}">
+                <a16:creationId xmlns:a16="http://schemas.microsoft.com/office/drawing/2014/main" id="{CDE29C26-F0BD-9644-8EDF-0FB572CA208A}"/>
               </a:ext>
             </a:extLst>
           </p:cNvPr>
@@ -10838,50 +11034,392 @@
         </p:blipFill>
         <p:spPr>
           <a:xfrm>
-            <a:off x="7275684" y="2208243"/>
-            <a:ext cx="3011657" cy="1911696"/>
+            <a:off x="6386958" y="2759075"/>
+            <a:ext cx="4699000" cy="2438400"/>
           </a:xfrm>
           <a:prstGeom prst="rect">
             <a:avLst/>
           </a:prstGeom>
         </p:spPr>
       </p:pic>
-      <p:pic>
-        <p:nvPicPr>
-          <p:cNvPr id="17" name="Рисунок 16">
-            <a:extLst>
-              <a:ext uri="{FF2B5EF4-FFF2-40B4-BE49-F238E27FC236}">
-                <a16:creationId xmlns:a16="http://schemas.microsoft.com/office/drawing/2014/main" id="{741804FE-EA0E-714A-9E59-6DBCB1F402BB}"/>
-              </a:ext>
-            </a:extLst>
-          </p:cNvPr>
-          <p:cNvPicPr>
-            <a:picLocks noChangeAspect="1"/>
-          </p:cNvPicPr>
+      <mc:AlternateContent xmlns:mc="http://schemas.openxmlformats.org/markup-compatibility/2006">
+        <mc:Choice xmlns:p14="http://schemas.microsoft.com/office/powerpoint/2010/main" Requires="p14">
+          <p:contentPart p14:bwMode="auto" r:id="rId7">
+            <p14:nvContentPartPr>
+              <p14:cNvPr id="20" name="Рукописный ввод 19">
+                <a:extLst>
+                  <a:ext uri="{FF2B5EF4-FFF2-40B4-BE49-F238E27FC236}">
+                    <a16:creationId xmlns:a16="http://schemas.microsoft.com/office/drawing/2014/main" id="{D973DF56-50E7-0B4A-B352-15F02CE4A15A}"/>
+                  </a:ext>
+                </a:extLst>
+              </p14:cNvPr>
+              <p14:cNvContentPartPr/>
+              <p14:nvPr/>
+            </p14:nvContentPartPr>
+            <p14:xfrm>
+              <a:off x="5241547" y="3762963"/>
+              <a:ext cx="119160" cy="16560"/>
+            </p14:xfrm>
+          </p:contentPart>
+        </mc:Choice>
+        <mc:Fallback>
+          <p:pic>
+            <p:nvPicPr>
+              <p:cNvPr id="20" name="Рукописный ввод 19">
+                <a:extLst>
+                  <a:ext uri="{FF2B5EF4-FFF2-40B4-BE49-F238E27FC236}">
+                    <a16:creationId xmlns:a16="http://schemas.microsoft.com/office/drawing/2014/main" id="{D973DF56-50E7-0B4A-B352-15F02CE4A15A}"/>
+                  </a:ext>
+                </a:extLst>
+              </p:cNvPr>
+              <p:cNvPicPr/>
+              <p:nvPr/>
+            </p:nvPicPr>
+            <p:blipFill>
+              <a:blip r:embed="rId8"/>
+              <a:stretch>
+                <a:fillRect/>
+              </a:stretch>
+            </p:blipFill>
+            <p:spPr>
+              <a:xfrm>
+                <a:off x="5232907" y="3753963"/>
+                <a:ext cx="136800" cy="34200"/>
+              </a:xfrm>
+              <a:prstGeom prst="rect">
+                <a:avLst/>
+              </a:prstGeom>
+            </p:spPr>
+          </p:pic>
+        </mc:Fallback>
+      </mc:AlternateContent>
+      <mc:AlternateContent xmlns:mc="http://schemas.openxmlformats.org/markup-compatibility/2006">
+        <mc:Choice xmlns:p14="http://schemas.microsoft.com/office/powerpoint/2010/main" Requires="p14">
+          <p:contentPart p14:bwMode="auto" r:id="rId9">
+            <p14:nvContentPartPr>
+              <p14:cNvPr id="23" name="Рукописный ввод 22">
+                <a:extLst>
+                  <a:ext uri="{FF2B5EF4-FFF2-40B4-BE49-F238E27FC236}">
+                    <a16:creationId xmlns:a16="http://schemas.microsoft.com/office/drawing/2014/main" id="{2B08772D-9A5B-264D-BF71-AD9E0E4B9F75}"/>
+                  </a:ext>
+                </a:extLst>
+              </p14:cNvPr>
+              <p14:cNvContentPartPr/>
+              <p14:nvPr/>
+            </p14:nvContentPartPr>
+            <p14:xfrm>
+              <a:off x="6594427" y="3939363"/>
+              <a:ext cx="360" cy="360"/>
+            </p14:xfrm>
+          </p:contentPart>
+        </mc:Choice>
+        <mc:Fallback>
+          <p:pic>
+            <p:nvPicPr>
+              <p:cNvPr id="23" name="Рукописный ввод 22">
+                <a:extLst>
+                  <a:ext uri="{FF2B5EF4-FFF2-40B4-BE49-F238E27FC236}">
+                    <a16:creationId xmlns:a16="http://schemas.microsoft.com/office/drawing/2014/main" id="{2B08772D-9A5B-264D-BF71-AD9E0E4B9F75}"/>
+                  </a:ext>
+                </a:extLst>
+              </p:cNvPr>
+              <p:cNvPicPr/>
+              <p:nvPr/>
+            </p:nvPicPr>
+            <p:blipFill>
+              <a:blip r:embed="rId10"/>
+              <a:stretch>
+                <a:fillRect/>
+              </a:stretch>
+            </p:blipFill>
+            <p:spPr>
+              <a:xfrm>
+                <a:off x="6531787" y="3876723"/>
+                <a:ext cx="126000" cy="126000"/>
+              </a:xfrm>
+              <a:prstGeom prst="rect">
+                <a:avLst/>
+              </a:prstGeom>
+            </p:spPr>
+          </p:pic>
+        </mc:Fallback>
+      </mc:AlternateContent>
+      <mc:AlternateContent xmlns:mc="http://schemas.openxmlformats.org/markup-compatibility/2006">
+        <mc:Choice xmlns:p14="http://schemas.microsoft.com/office/powerpoint/2010/main" Requires="p14">
+          <p:contentPart p14:bwMode="auto" r:id="rId11">
+            <p14:nvContentPartPr>
+              <p14:cNvPr id="24" name="Рукописный ввод 23">
+                <a:extLst>
+                  <a:ext uri="{FF2B5EF4-FFF2-40B4-BE49-F238E27FC236}">
+                    <a16:creationId xmlns:a16="http://schemas.microsoft.com/office/drawing/2014/main" id="{6B79FB91-BEBC-8245-8F87-D12EC62BC8A3}"/>
+                  </a:ext>
+                </a:extLst>
+              </p14:cNvPr>
+              <p14:cNvContentPartPr/>
+              <p14:nvPr/>
+            </p14:nvContentPartPr>
+            <p14:xfrm>
+              <a:off x="6600547" y="3937563"/>
+              <a:ext cx="360" cy="360"/>
+            </p14:xfrm>
+          </p:contentPart>
+        </mc:Choice>
+        <mc:Fallback>
+          <p:pic>
+            <p:nvPicPr>
+              <p:cNvPr id="24" name="Рукописный ввод 23">
+                <a:extLst>
+                  <a:ext uri="{FF2B5EF4-FFF2-40B4-BE49-F238E27FC236}">
+                    <a16:creationId xmlns:a16="http://schemas.microsoft.com/office/drawing/2014/main" id="{6B79FB91-BEBC-8245-8F87-D12EC62BC8A3}"/>
+                  </a:ext>
+                </a:extLst>
+              </p:cNvPr>
+              <p:cNvPicPr/>
+              <p:nvPr/>
+            </p:nvPicPr>
+            <p:blipFill>
+              <a:blip r:embed="rId10"/>
+              <a:stretch>
+                <a:fillRect/>
+              </a:stretch>
+            </p:blipFill>
+            <p:spPr>
+              <a:xfrm>
+                <a:off x="6537547" y="3874923"/>
+                <a:ext cx="126000" cy="126000"/>
+              </a:xfrm>
+              <a:prstGeom prst="rect">
+                <a:avLst/>
+              </a:prstGeom>
+            </p:spPr>
+          </p:pic>
+        </mc:Fallback>
+      </mc:AlternateContent>
+      <p:grpSp>
+        <p:nvGrpSpPr>
+          <p:cNvPr id="31" name="Группа 30">
+            <a:extLst>
+              <a:ext uri="{FF2B5EF4-FFF2-40B4-BE49-F238E27FC236}">
+                <a16:creationId xmlns:a16="http://schemas.microsoft.com/office/drawing/2014/main" id="{6738365C-A3F8-D340-B376-C741396E8727}"/>
+              </a:ext>
+            </a:extLst>
+          </p:cNvPr>
+          <p:cNvGrpSpPr/>
           <p:nvPr/>
-        </p:nvPicPr>
-        <p:blipFill>
-          <a:blip r:embed="rId7">
-            <a:extLst>
-              <a:ext uri="{28A0092B-C50C-407E-A947-70E740481C1C}">
-                <a14:useLocalDpi xmlns:a14="http://schemas.microsoft.com/office/drawing/2010/main" val="0"/>
-              </a:ext>
-            </a:extLst>
-          </a:blip>
-          <a:stretch>
-            <a:fillRect/>
-          </a:stretch>
-        </p:blipFill>
-        <p:spPr>
+        </p:nvGrpSpPr>
+        <p:grpSpPr>
           <a:xfrm>
-            <a:off x="6450195" y="4354167"/>
-            <a:ext cx="4903605" cy="1911696"/>
+            <a:off x="6475267" y="3932883"/>
+            <a:ext cx="135720" cy="26640"/>
+            <a:chOff x="6475267" y="3932883"/>
+            <a:chExt cx="135720" cy="26640"/>
           </a:xfrm>
-          <a:prstGeom prst="rect">
-            <a:avLst/>
-          </a:prstGeom>
-        </p:spPr>
-      </p:pic>
+        </p:grpSpPr>
+        <mc:AlternateContent xmlns:mc="http://schemas.openxmlformats.org/markup-compatibility/2006">
+          <mc:Choice xmlns:p14="http://schemas.microsoft.com/office/powerpoint/2010/main" Requires="p14">
+            <p:contentPart p14:bwMode="auto" r:id="rId12">
+              <p14:nvContentPartPr>
+                <p14:cNvPr id="25" name="Рукописный ввод 24">
+                  <a:extLst>
+                    <a:ext uri="{FF2B5EF4-FFF2-40B4-BE49-F238E27FC236}">
+                      <a16:creationId xmlns:a16="http://schemas.microsoft.com/office/drawing/2014/main" id="{496CFB6E-9DBA-9A45-9B9C-C0A80B64F68F}"/>
+                    </a:ext>
+                  </a:extLst>
+                </p14:cNvPr>
+                <p14:cNvContentPartPr/>
+                <p14:nvPr/>
+              </p14:nvContentPartPr>
+              <p14:xfrm>
+                <a:off x="6475267" y="3940083"/>
+                <a:ext cx="360" cy="360"/>
+              </p14:xfrm>
+            </p:contentPart>
+          </mc:Choice>
+          <mc:Fallback>
+            <p:pic>
+              <p:nvPicPr>
+                <p:cNvPr id="25" name="Рукописный ввод 24">
+                  <a:extLst>
+                    <a:ext uri="{FF2B5EF4-FFF2-40B4-BE49-F238E27FC236}">
+                      <a16:creationId xmlns:a16="http://schemas.microsoft.com/office/drawing/2014/main" id="{496CFB6E-9DBA-9A45-9B9C-C0A80B64F68F}"/>
+                    </a:ext>
+                  </a:extLst>
+                </p:cNvPr>
+                <p:cNvPicPr/>
+                <p:nvPr/>
+              </p:nvPicPr>
+              <p:blipFill>
+                <a:blip r:embed="rId10"/>
+                <a:stretch>
+                  <a:fillRect/>
+                </a:stretch>
+              </p:blipFill>
+              <p:spPr>
+                <a:xfrm>
+                  <a:off x="6412627" y="3877083"/>
+                  <a:ext cx="126000" cy="126000"/>
+                </a:xfrm>
+                <a:prstGeom prst="rect">
+                  <a:avLst/>
+                </a:prstGeom>
+              </p:spPr>
+            </p:pic>
+          </mc:Fallback>
+        </mc:AlternateContent>
+        <mc:AlternateContent xmlns:mc="http://schemas.openxmlformats.org/markup-compatibility/2006">
+          <mc:Choice xmlns:p14="http://schemas.microsoft.com/office/powerpoint/2010/main" Requires="p14">
+            <p:contentPart p14:bwMode="auto" r:id="rId13">
+              <p14:nvContentPartPr>
+                <p14:cNvPr id="26" name="Рукописный ввод 25">
+                  <a:extLst>
+                    <a:ext uri="{FF2B5EF4-FFF2-40B4-BE49-F238E27FC236}">
+                      <a16:creationId xmlns:a16="http://schemas.microsoft.com/office/drawing/2014/main" id="{093E5E8A-9FD5-D840-8EFB-FABED76135DE}"/>
+                    </a:ext>
+                  </a:extLst>
+                </p14:cNvPr>
+                <p14:cNvContentPartPr/>
+                <p14:nvPr/>
+              </p14:nvContentPartPr>
+              <p14:xfrm>
+                <a:off x="6498667" y="3935403"/>
+                <a:ext cx="360" cy="360"/>
+              </p14:xfrm>
+            </p:contentPart>
+          </mc:Choice>
+          <mc:Fallback>
+            <p:pic>
+              <p:nvPicPr>
+                <p:cNvPr id="26" name="Рукописный ввод 25">
+                  <a:extLst>
+                    <a:ext uri="{FF2B5EF4-FFF2-40B4-BE49-F238E27FC236}">
+                      <a16:creationId xmlns:a16="http://schemas.microsoft.com/office/drawing/2014/main" id="{093E5E8A-9FD5-D840-8EFB-FABED76135DE}"/>
+                    </a:ext>
+                  </a:extLst>
+                </p:cNvPr>
+                <p:cNvPicPr/>
+                <p:nvPr/>
+              </p:nvPicPr>
+              <p:blipFill>
+                <a:blip r:embed="rId10"/>
+                <a:stretch>
+                  <a:fillRect/>
+                </a:stretch>
+              </p:blipFill>
+              <p:spPr>
+                <a:xfrm>
+                  <a:off x="6436027" y="3872403"/>
+                  <a:ext cx="126000" cy="126000"/>
+                </a:xfrm>
+                <a:prstGeom prst="rect">
+                  <a:avLst/>
+                </a:prstGeom>
+              </p:spPr>
+            </p:pic>
+          </mc:Fallback>
+        </mc:AlternateContent>
+        <mc:AlternateContent xmlns:mc="http://schemas.openxmlformats.org/markup-compatibility/2006">
+          <mc:Choice xmlns:p14="http://schemas.microsoft.com/office/powerpoint/2010/main" Requires="p14">
+            <p:contentPart p14:bwMode="auto" r:id="rId14">
+              <p14:nvContentPartPr>
+                <p14:cNvPr id="28" name="Рукописный ввод 27">
+                  <a:extLst>
+                    <a:ext uri="{FF2B5EF4-FFF2-40B4-BE49-F238E27FC236}">
+                      <a16:creationId xmlns:a16="http://schemas.microsoft.com/office/drawing/2014/main" id="{F03B8316-6FF4-844B-A9C0-C82FDE619BC7}"/>
+                    </a:ext>
+                  </a:extLst>
+                </p14:cNvPr>
+                <p14:cNvContentPartPr/>
+                <p14:nvPr/>
+              </p14:nvContentPartPr>
+              <p14:xfrm>
+                <a:off x="6503347" y="3932883"/>
+                <a:ext cx="360" cy="360"/>
+              </p14:xfrm>
+            </p:contentPart>
+          </mc:Choice>
+          <mc:Fallback>
+            <p:pic>
+              <p:nvPicPr>
+                <p:cNvPr id="28" name="Рукописный ввод 27">
+                  <a:extLst>
+                    <a:ext uri="{FF2B5EF4-FFF2-40B4-BE49-F238E27FC236}">
+                      <a16:creationId xmlns:a16="http://schemas.microsoft.com/office/drawing/2014/main" id="{F03B8316-6FF4-844B-A9C0-C82FDE619BC7}"/>
+                    </a:ext>
+                  </a:extLst>
+                </p:cNvPr>
+                <p:cNvPicPr/>
+                <p:nvPr/>
+              </p:nvPicPr>
+              <p:blipFill>
+                <a:blip r:embed="rId10"/>
+                <a:stretch>
+                  <a:fillRect/>
+                </a:stretch>
+              </p:blipFill>
+              <p:spPr>
+                <a:xfrm>
+                  <a:off x="6440707" y="3870243"/>
+                  <a:ext cx="126000" cy="126000"/>
+                </a:xfrm>
+                <a:prstGeom prst="rect">
+                  <a:avLst/>
+                </a:prstGeom>
+              </p:spPr>
+            </p:pic>
+          </mc:Fallback>
+        </mc:AlternateContent>
+        <mc:AlternateContent xmlns:mc="http://schemas.openxmlformats.org/markup-compatibility/2006">
+          <mc:Choice xmlns:p14="http://schemas.microsoft.com/office/powerpoint/2010/main" Requires="p14">
+            <p:contentPart p14:bwMode="auto" r:id="rId15">
+              <p14:nvContentPartPr>
+                <p14:cNvPr id="30" name="Рукописный ввод 29">
+                  <a:extLst>
+                    <a:ext uri="{FF2B5EF4-FFF2-40B4-BE49-F238E27FC236}">
+                      <a16:creationId xmlns:a16="http://schemas.microsoft.com/office/drawing/2014/main" id="{E9986AFC-C5C2-1945-BB61-910CB1A33F15}"/>
+                    </a:ext>
+                  </a:extLst>
+                </p14:cNvPr>
+                <p14:cNvContentPartPr/>
+                <p14:nvPr/>
+              </p14:nvContentPartPr>
+              <p14:xfrm>
+                <a:off x="6610627" y="3959163"/>
+                <a:ext cx="360" cy="360"/>
+              </p14:xfrm>
+            </p:contentPart>
+          </mc:Choice>
+          <mc:Fallback>
+            <p:pic>
+              <p:nvPicPr>
+                <p:cNvPr id="30" name="Рукописный ввод 29">
+                  <a:extLst>
+                    <a:ext uri="{FF2B5EF4-FFF2-40B4-BE49-F238E27FC236}">
+                      <a16:creationId xmlns:a16="http://schemas.microsoft.com/office/drawing/2014/main" id="{E9986AFC-C5C2-1945-BB61-910CB1A33F15}"/>
+                    </a:ext>
+                  </a:extLst>
+                </p:cNvPr>
+                <p:cNvPicPr/>
+                <p:nvPr/>
+              </p:nvPicPr>
+              <p:blipFill>
+                <a:blip r:embed="rId10"/>
+                <a:stretch>
+                  <a:fillRect/>
+                </a:stretch>
+              </p:blipFill>
+              <p:spPr>
+                <a:xfrm>
+                  <a:off x="6547627" y="3896523"/>
+                  <a:ext cx="126000" cy="126000"/>
+                </a:xfrm>
+                <a:prstGeom prst="rect">
+                  <a:avLst/>
+                </a:prstGeom>
+              </p:spPr>
+            </p:pic>
+          </mc:Fallback>
+        </mc:AlternateContent>
+      </p:grpSp>
     </p:spTree>
     <p:extLst>
       <p:ext uri="{BB962C8B-B14F-4D97-AF65-F5344CB8AC3E}">

--- a/presentation/protection.pptx
+++ b/presentation/protection.pptx
@@ -10,12 +10,11 @@
     <p:sldId id="265" r:id="rId4"/>
     <p:sldId id="266" r:id="rId5"/>
     <p:sldId id="268" r:id="rId6"/>
-    <p:sldId id="275" r:id="rId7"/>
+    <p:sldId id="276" r:id="rId7"/>
     <p:sldId id="270" r:id="rId8"/>
-    <p:sldId id="271" r:id="rId9"/>
-    <p:sldId id="269" r:id="rId10"/>
-    <p:sldId id="274" r:id="rId11"/>
-    <p:sldId id="258" r:id="rId12"/>
+    <p:sldId id="269" r:id="rId9"/>
+    <p:sldId id="274" r:id="rId10"/>
+    <p:sldId id="258" r:id="rId11"/>
   </p:sldIdLst>
   <p:sldSz cx="12192000" cy="6858000"/>
   <p:notesSz cx="6858000" cy="9144000"/>
@@ -136,9 +135,8 @@
         <p14:section name="Реализация проекта" id="{9E3A535B-4B6F-4DBB-8927-07A77C61DD46}">
           <p14:sldIdLst>
             <p14:sldId id="268"/>
-            <p14:sldId id="275"/>
+            <p14:sldId id="276"/>
             <p14:sldId id="270"/>
-            <p14:sldId id="271"/>
             <p14:sldId id="269"/>
           </p14:sldIdLst>
         </p14:section>
@@ -151,9 +149,6 @@
           <p14:sldIdLst>
             <p14:sldId id="258"/>
           </p14:sldIdLst>
-        </p14:section>
-        <p14:section name="Стек технологий" id="{1291AC08-3821-414C-9636-B50FF0056581}">
-          <p14:sldIdLst/>
         </p14:section>
       </p14:sectionLst>
     </p:ext>
@@ -178,6 +173,202 @@
     </p:ext>
   </p:extLst>
 </p:presentation>
+</file>
+
+<file path=ppt/ink/ink1.xml><?xml version="1.0" encoding="utf-8"?>
+<inkml:ink xmlns:inkml="http://www.w3.org/2003/InkML">
+  <inkml:definitions>
+    <inkml:context xml:id="ctx0">
+      <inkml:inkSource xml:id="inkSrc0">
+        <inkml:traceFormat>
+          <inkml:channel name="X" type="integer" min="-2.14748E9" max="2.14748E9" units="cm"/>
+          <inkml:channel name="Y" type="integer" min="-2.14748E9" max="2.14748E9" units="cm"/>
+          <inkml:channel name="F" type="integer" max="32767" units="dev"/>
+        </inkml:traceFormat>
+        <inkml:channelProperties>
+          <inkml:channelProperty channel="X" name="resolution" value="1000" units="1/cm"/>
+          <inkml:channelProperty channel="Y" name="resolution" value="1000" units="1/cm"/>
+          <inkml:channelProperty channel="F" name="resolution" value="0" units="1/dev"/>
+        </inkml:channelProperties>
+      </inkml:inkSource>
+      <inkml:timestamp xml:id="ts0" timeString="2024-04-27T22:18:24.590"/>
+    </inkml:context>
+    <inkml:brush xml:id="br0">
+      <inkml:brushProperty name="width" value="0.05" units="cm"/>
+      <inkml:brushProperty name="height" value="0.05" units="cm"/>
+      <inkml:brushProperty name="color" value="#FFFFFF"/>
+    </inkml:brush>
+  </inkml:definitions>
+  <inkml:trace contextRef="#ctx0" brushRef="#br0">1 30 24575,'52'-4'0,"-34"3"0,37-2 0,-45 3 0,3 0 0,0 0 0,-2 0 0,6-4 0,-5 0 0,3 0 0,-3 1 0,-5 3 0,6 0 0,-6 0 0,2 0 0,-2 0 0,2-3 0,1 2 0,0-2 0,0 3 0,-4 0 0,1 0 0,-1 3 0,-5 1 0,-2 2 0,-8 1 0,-2-1 0,-2 1 0,3-1 0,0-2 0,1-2 0,2-2 0,-3 0 0,4 0 0,-1 0 0,0 0 0,4 0 0,0 0 0</inkml:trace>
+</inkml:ink>
+</file>
+
+<file path=ppt/ink/ink2.xml><?xml version="1.0" encoding="utf-8"?>
+<inkml:ink xmlns:inkml="http://www.w3.org/2003/InkML">
+  <inkml:definitions>
+    <inkml:context xml:id="ctx0">
+      <inkml:inkSource xml:id="inkSrc0">
+        <inkml:traceFormat>
+          <inkml:channel name="X" type="integer" min="-2.14748E9" max="2.14748E9" units="cm"/>
+          <inkml:channel name="Y" type="integer" min="-2.14748E9" max="2.14748E9" units="cm"/>
+          <inkml:channel name="F" type="integer" max="32767" units="dev"/>
+        </inkml:traceFormat>
+        <inkml:channelProperties>
+          <inkml:channelProperty channel="X" name="resolution" value="1000" units="1/cm"/>
+          <inkml:channelProperty channel="Y" name="resolution" value="1000" units="1/cm"/>
+          <inkml:channelProperty channel="F" name="resolution" value="0" units="1/dev"/>
+        </inkml:channelProperties>
+      </inkml:inkSource>
+      <inkml:timestamp xml:id="ts0" timeString="2024-04-27T22:18:51.501"/>
+    </inkml:context>
+    <inkml:brush xml:id="br0">
+      <inkml:brushProperty name="width" value="0.35" units="cm"/>
+      <inkml:brushProperty name="height" value="0.35" units="cm"/>
+      <inkml:brushProperty name="color" value="#FFFFFF"/>
+    </inkml:brush>
+  </inkml:definitions>
+  <inkml:trace contextRef="#ctx0" brushRef="#br0">1 1 24575,'0'0'0</inkml:trace>
+</inkml:ink>
+</file>
+
+<file path=ppt/ink/ink3.xml><?xml version="1.0" encoding="utf-8"?>
+<inkml:ink xmlns:inkml="http://www.w3.org/2003/InkML">
+  <inkml:definitions>
+    <inkml:context xml:id="ctx0">
+      <inkml:inkSource xml:id="inkSrc0">
+        <inkml:traceFormat>
+          <inkml:channel name="X" type="integer" min="-2.14748E9" max="2.14748E9" units="cm"/>
+          <inkml:channel name="Y" type="integer" min="-2.14748E9" max="2.14748E9" units="cm"/>
+          <inkml:channel name="F" type="integer" max="32767" units="dev"/>
+        </inkml:traceFormat>
+        <inkml:channelProperties>
+          <inkml:channelProperty channel="X" name="resolution" value="1000" units="1/cm"/>
+          <inkml:channelProperty channel="Y" name="resolution" value="1000" units="1/cm"/>
+          <inkml:channelProperty channel="F" name="resolution" value="0" units="1/dev"/>
+        </inkml:channelProperties>
+      </inkml:inkSource>
+      <inkml:timestamp xml:id="ts0" timeString="2024-04-27T22:18:55.636"/>
+    </inkml:context>
+    <inkml:brush xml:id="br0">
+      <inkml:brushProperty name="width" value="0.35" units="cm"/>
+      <inkml:brushProperty name="height" value="0.35" units="cm"/>
+      <inkml:brushProperty name="color" value="#FFFFFF"/>
+    </inkml:brush>
+  </inkml:definitions>
+  <inkml:trace contextRef="#ctx0" brushRef="#br0">0 1 24575,'0'0'0</inkml:trace>
+</inkml:ink>
+</file>
+
+<file path=ppt/ink/ink4.xml><?xml version="1.0" encoding="utf-8"?>
+<inkml:ink xmlns:inkml="http://www.w3.org/2003/InkML">
+  <inkml:definitions>
+    <inkml:context xml:id="ctx0">
+      <inkml:inkSource xml:id="inkSrc0">
+        <inkml:traceFormat>
+          <inkml:channel name="X" type="integer" min="-2.14748E9" max="2.14748E9" units="cm"/>
+          <inkml:channel name="Y" type="integer" min="-2.14748E9" max="2.14748E9" units="cm"/>
+          <inkml:channel name="F" type="integer" max="32767" units="dev"/>
+        </inkml:traceFormat>
+        <inkml:channelProperties>
+          <inkml:channelProperty channel="X" name="resolution" value="1000" units="1/cm"/>
+          <inkml:channelProperty channel="Y" name="resolution" value="1000" units="1/cm"/>
+          <inkml:channelProperty channel="F" name="resolution" value="0" units="1/dev"/>
+        </inkml:channelProperties>
+      </inkml:inkSource>
+      <inkml:timestamp xml:id="ts0" timeString="2024-04-27T22:18:58.941"/>
+    </inkml:context>
+    <inkml:brush xml:id="br0">
+      <inkml:brushProperty name="width" value="0.35" units="cm"/>
+      <inkml:brushProperty name="height" value="0.35" units="cm"/>
+      <inkml:brushProperty name="color" value="#FFFFFF"/>
+    </inkml:brush>
+  </inkml:definitions>
+  <inkml:trace contextRef="#ctx0" brushRef="#br0">1 0 24575,'0'0'0</inkml:trace>
+</inkml:ink>
+</file>
+
+<file path=ppt/ink/ink5.xml><?xml version="1.0" encoding="utf-8"?>
+<inkml:ink xmlns:inkml="http://www.w3.org/2003/InkML">
+  <inkml:definitions>
+    <inkml:context xml:id="ctx0">
+      <inkml:inkSource xml:id="inkSrc0">
+        <inkml:traceFormat>
+          <inkml:channel name="X" type="integer" min="-2.14748E9" max="2.14748E9" units="cm"/>
+          <inkml:channel name="Y" type="integer" min="-2.14748E9" max="2.14748E9" units="cm"/>
+          <inkml:channel name="F" type="integer" max="32767" units="dev"/>
+        </inkml:traceFormat>
+        <inkml:channelProperties>
+          <inkml:channelProperty channel="X" name="resolution" value="1000" units="1/cm"/>
+          <inkml:channelProperty channel="Y" name="resolution" value="1000" units="1/cm"/>
+          <inkml:channelProperty channel="F" name="resolution" value="0" units="1/dev"/>
+        </inkml:channelProperties>
+      </inkml:inkSource>
+      <inkml:timestamp xml:id="ts0" timeString="2024-04-27T22:18:59.988"/>
+    </inkml:context>
+    <inkml:brush xml:id="br0">
+      <inkml:brushProperty name="width" value="0.35" units="cm"/>
+      <inkml:brushProperty name="height" value="0.35" units="cm"/>
+      <inkml:brushProperty name="color" value="#FFFFFF"/>
+    </inkml:brush>
+  </inkml:definitions>
+  <inkml:trace contextRef="#ctx0" brushRef="#br0">1 0 24575,'0'0'0</inkml:trace>
+</inkml:ink>
+</file>
+
+<file path=ppt/ink/ink6.xml><?xml version="1.0" encoding="utf-8"?>
+<inkml:ink xmlns:inkml="http://www.w3.org/2003/InkML">
+  <inkml:definitions>
+    <inkml:context xml:id="ctx0">
+      <inkml:inkSource xml:id="inkSrc0">
+        <inkml:traceFormat>
+          <inkml:channel name="X" type="integer" min="-2.14748E9" max="2.14748E9" units="cm"/>
+          <inkml:channel name="Y" type="integer" min="-2.14748E9" max="2.14748E9" units="cm"/>
+          <inkml:channel name="F" type="integer" max="32767" units="dev"/>
+        </inkml:traceFormat>
+        <inkml:channelProperties>
+          <inkml:channelProperty channel="X" name="resolution" value="1000" units="1/cm"/>
+          <inkml:channelProperty channel="Y" name="resolution" value="1000" units="1/cm"/>
+          <inkml:channelProperty channel="F" name="resolution" value="0" units="1/dev"/>
+        </inkml:channelProperties>
+      </inkml:inkSource>
+      <inkml:timestamp xml:id="ts0" timeString="2024-04-27T22:19:00.773"/>
+    </inkml:context>
+    <inkml:brush xml:id="br0">
+      <inkml:brushProperty name="width" value="0.35" units="cm"/>
+      <inkml:brushProperty name="height" value="0.35" units="cm"/>
+      <inkml:brushProperty name="color" value="#FFFFFF"/>
+    </inkml:brush>
+  </inkml:definitions>
+  <inkml:trace contextRef="#ctx0" brushRef="#br0">1 1 24575,'0'0'0</inkml:trace>
+</inkml:ink>
+</file>
+
+<file path=ppt/ink/ink7.xml><?xml version="1.0" encoding="utf-8"?>
+<inkml:ink xmlns:inkml="http://www.w3.org/2003/InkML">
+  <inkml:definitions>
+    <inkml:context xml:id="ctx0">
+      <inkml:inkSource xml:id="inkSrc0">
+        <inkml:traceFormat>
+          <inkml:channel name="X" type="integer" min="-2.14748E9" max="2.14748E9" units="cm"/>
+          <inkml:channel name="Y" type="integer" min="-2.14748E9" max="2.14748E9" units="cm"/>
+          <inkml:channel name="F" type="integer" max="32767" units="dev"/>
+        </inkml:traceFormat>
+        <inkml:channelProperties>
+          <inkml:channelProperty channel="X" name="resolution" value="1000" units="1/cm"/>
+          <inkml:channelProperty channel="Y" name="resolution" value="1000" units="1/cm"/>
+          <inkml:channelProperty channel="F" name="resolution" value="0" units="1/dev"/>
+        </inkml:channelProperties>
+      </inkml:inkSource>
+      <inkml:timestamp xml:id="ts0" timeString="2024-04-27T22:19:06.349"/>
+    </inkml:context>
+    <inkml:brush xml:id="br0">
+      <inkml:brushProperty name="width" value="0.35" units="cm"/>
+      <inkml:brushProperty name="height" value="0.35" units="cm"/>
+      <inkml:brushProperty name="color" value="#FFFFFF"/>
+    </inkml:brush>
+  </inkml:definitions>
+  <inkml:trace contextRef="#ctx0" brushRef="#br0">0 1 24575,'0'0'0</inkml:trace>
+</inkml:ink>
 </file>
 
 <file path=ppt/slideLayouts/slideLayout1.xml><?xml version="1.0" encoding="utf-8"?>
@@ -327,7 +518,7 @@
           <a:p>
             <a:fld id="{6ACA84D5-F057-41B3-A8BB-3A0B2F025350}" type="datetimeFigureOut">
               <a:rPr lang="ru-RU" smtClean="0"/>
-              <a:t>27.04.2024</a:t>
+              <a:t>28.04.2024</a:t>
             </a:fld>
             <a:endParaRPr lang="ru-RU"/>
           </a:p>
@@ -525,7 +716,7 @@
           <a:p>
             <a:fld id="{6ACA84D5-F057-41B3-A8BB-3A0B2F025350}" type="datetimeFigureOut">
               <a:rPr lang="ru-RU" smtClean="0"/>
-              <a:t>27.04.2024</a:t>
+              <a:t>28.04.2024</a:t>
             </a:fld>
             <a:endParaRPr lang="ru-RU"/>
           </a:p>
@@ -733,7 +924,7 @@
           <a:p>
             <a:fld id="{6ACA84D5-F057-41B3-A8BB-3A0B2F025350}" type="datetimeFigureOut">
               <a:rPr lang="ru-RU" smtClean="0"/>
-              <a:t>27.04.2024</a:t>
+              <a:t>28.04.2024</a:t>
             </a:fld>
             <a:endParaRPr lang="ru-RU"/>
           </a:p>
@@ -931,7 +1122,7 @@
           <a:p>
             <a:fld id="{6ACA84D5-F057-41B3-A8BB-3A0B2F025350}" type="datetimeFigureOut">
               <a:rPr lang="ru-RU" smtClean="0"/>
-              <a:t>27.04.2024</a:t>
+              <a:t>28.04.2024</a:t>
             </a:fld>
             <a:endParaRPr lang="ru-RU"/>
           </a:p>
@@ -1206,7 +1397,7 @@
           <a:p>
             <a:fld id="{6ACA84D5-F057-41B3-A8BB-3A0B2F025350}" type="datetimeFigureOut">
               <a:rPr lang="ru-RU" smtClean="0"/>
-              <a:t>27.04.2024</a:t>
+              <a:t>28.04.2024</a:t>
             </a:fld>
             <a:endParaRPr lang="ru-RU"/>
           </a:p>
@@ -1471,7 +1662,7 @@
           <a:p>
             <a:fld id="{6ACA84D5-F057-41B3-A8BB-3A0B2F025350}" type="datetimeFigureOut">
               <a:rPr lang="ru-RU" smtClean="0"/>
-              <a:t>27.04.2024</a:t>
+              <a:t>28.04.2024</a:t>
             </a:fld>
             <a:endParaRPr lang="ru-RU"/>
           </a:p>
@@ -1883,7 +2074,7 @@
           <a:p>
             <a:fld id="{6ACA84D5-F057-41B3-A8BB-3A0B2F025350}" type="datetimeFigureOut">
               <a:rPr lang="ru-RU" smtClean="0"/>
-              <a:t>27.04.2024</a:t>
+              <a:t>28.04.2024</a:t>
             </a:fld>
             <a:endParaRPr lang="ru-RU"/>
           </a:p>
@@ -2024,7 +2215,7 @@
           <a:p>
             <a:fld id="{6ACA84D5-F057-41B3-A8BB-3A0B2F025350}" type="datetimeFigureOut">
               <a:rPr lang="ru-RU" smtClean="0"/>
-              <a:t>27.04.2024</a:t>
+              <a:t>28.04.2024</a:t>
             </a:fld>
             <a:endParaRPr lang="ru-RU"/>
           </a:p>
@@ -2137,7 +2328,7 @@
           <a:p>
             <a:fld id="{6ACA84D5-F057-41B3-A8BB-3A0B2F025350}" type="datetimeFigureOut">
               <a:rPr lang="ru-RU" smtClean="0"/>
-              <a:t>27.04.2024</a:t>
+              <a:t>28.04.2024</a:t>
             </a:fld>
             <a:endParaRPr lang="ru-RU"/>
           </a:p>
@@ -2448,7 +2639,7 @@
           <a:p>
             <a:fld id="{6ACA84D5-F057-41B3-A8BB-3A0B2F025350}" type="datetimeFigureOut">
               <a:rPr lang="ru-RU" smtClean="0"/>
-              <a:t>27.04.2024</a:t>
+              <a:t>28.04.2024</a:t>
             </a:fld>
             <a:endParaRPr lang="ru-RU"/>
           </a:p>
@@ -2736,7 +2927,7 @@
           <a:p>
             <a:fld id="{6ACA84D5-F057-41B3-A8BB-3A0B2F025350}" type="datetimeFigureOut">
               <a:rPr lang="ru-RU" smtClean="0"/>
-              <a:t>27.04.2024</a:t>
+              <a:t>28.04.2024</a:t>
             </a:fld>
             <a:endParaRPr lang="ru-RU"/>
           </a:p>
@@ -2980,7 +3171,7 @@
           <a:p>
             <a:fld id="{6ACA84D5-F057-41B3-A8BB-3A0B2F025350}" type="datetimeFigureOut">
               <a:rPr lang="ru-RU" smtClean="0"/>
-              <a:t>27.04.2024</a:t>
+              <a:t>28.04.2024</a:t>
             </a:fld>
             <a:endParaRPr lang="ru-RU"/>
           </a:p>
@@ -3538,8 +3729,8 @@
         </p:nvSpPr>
         <p:spPr>
           <a:xfrm>
-            <a:off x="451895" y="5510293"/>
-            <a:ext cx="11661168" cy="775845"/>
+            <a:off x="451895" y="5303046"/>
+            <a:ext cx="8678354" cy="990336"/>
           </a:xfrm>
         </p:spPr>
         <p:txBody>
@@ -6064,326 +6255,6 @@
       </p:grpSpPr>
       <p:sp>
         <p:nvSpPr>
-          <p:cNvPr id="2" name="Заголовок 1">
-            <a:extLst>
-              <a:ext uri="{FF2B5EF4-FFF2-40B4-BE49-F238E27FC236}">
-                <a16:creationId xmlns:a16="http://schemas.microsoft.com/office/drawing/2014/main" id="{9AB39BE3-61D7-9C96-6E75-A3ADEA0CA455}"/>
-              </a:ext>
-            </a:extLst>
-          </p:cNvPr>
-          <p:cNvSpPr>
-            <a:spLocks noGrp="1"/>
-          </p:cNvSpPr>
-          <p:nvPr>
-            <p:ph type="title"/>
-          </p:nvPr>
-        </p:nvSpPr>
-        <p:spPr/>
-        <p:txBody>
-          <a:bodyPr/>
-          <a:lstStyle/>
-          <a:p>
-            <a:r>
-              <a:rPr lang="ru-RU" dirty="0"/>
-              <a:t>Стек технологий</a:t>
-            </a:r>
-          </a:p>
-        </p:txBody>
-      </p:sp>
-      <p:pic>
-        <p:nvPicPr>
-          <p:cNvPr id="6" name="Объект 5">
-            <a:extLst>
-              <a:ext uri="{FF2B5EF4-FFF2-40B4-BE49-F238E27FC236}">
-                <a16:creationId xmlns:a16="http://schemas.microsoft.com/office/drawing/2014/main" id="{E1F6B240-3D12-FD4F-9D85-222090FDD7E9}"/>
-              </a:ext>
-            </a:extLst>
-          </p:cNvPr>
-          <p:cNvPicPr>
-            <a:picLocks noGrp="1" noChangeAspect="1"/>
-          </p:cNvPicPr>
-          <p:nvPr>
-            <p:ph idx="1"/>
-          </p:nvPr>
-        </p:nvPicPr>
-        <p:blipFill>
-          <a:blip r:embed="rId2">
-            <a:extLst>
-              <a:ext uri="{28A0092B-C50C-407E-A947-70E740481C1C}">
-                <a14:useLocalDpi xmlns:a14="http://schemas.microsoft.com/office/drawing/2010/main" val="0"/>
-              </a:ext>
-            </a:extLst>
-          </a:blip>
-          <a:stretch>
-            <a:fillRect/>
-          </a:stretch>
-        </p:blipFill>
-        <p:spPr>
-          <a:xfrm>
-            <a:off x="978970" y="2493990"/>
-            <a:ext cx="2575784" cy="1153336"/>
-          </a:xfrm>
-        </p:spPr>
-      </p:pic>
-      <p:pic>
-        <p:nvPicPr>
-          <p:cNvPr id="4" name="Рисунок 3" descr="Изображение выглядит как Графика, Шрифт, символ, логотип&#10;&#10;Автоматически созданное описание">
-            <a:extLst>
-              <a:ext uri="{FF2B5EF4-FFF2-40B4-BE49-F238E27FC236}">
-                <a16:creationId xmlns:a16="http://schemas.microsoft.com/office/drawing/2014/main" id="{EAF43373-8857-C6F9-0390-FC406F8B7783}"/>
-              </a:ext>
-            </a:extLst>
-          </p:cNvPr>
-          <p:cNvPicPr>
-            <a:picLocks noChangeAspect="1"/>
-          </p:cNvPicPr>
-          <p:nvPr/>
-        </p:nvPicPr>
-        <p:blipFill rotWithShape="1">
-          <a:blip r:embed="rId3">
-            <a:extLst>
-              <a:ext uri="{28A0092B-C50C-407E-A947-70E740481C1C}">
-                <a14:useLocalDpi xmlns:a14="http://schemas.microsoft.com/office/drawing/2010/main" val="0"/>
-              </a:ext>
-            </a:extLst>
-          </a:blip>
-          <a:srcRect l="18192" r="17384"/>
-          <a:stretch/>
-        </p:blipFill>
-        <p:spPr>
-          <a:xfrm>
-            <a:off x="10384919" y="46792"/>
-            <a:ext cx="1801470" cy="1743033"/>
-          </a:xfrm>
-          <a:prstGeom prst="rect">
-            <a:avLst/>
-          </a:prstGeom>
-        </p:spPr>
-      </p:pic>
-      <p:pic>
-        <p:nvPicPr>
-          <p:cNvPr id="8" name="Рисунок 7">
-            <a:extLst>
-              <a:ext uri="{FF2B5EF4-FFF2-40B4-BE49-F238E27FC236}">
-                <a16:creationId xmlns:a16="http://schemas.microsoft.com/office/drawing/2014/main" id="{7689D42B-36E4-1047-A664-0B215FAEB039}"/>
-              </a:ext>
-            </a:extLst>
-          </p:cNvPr>
-          <p:cNvPicPr>
-            <a:picLocks noChangeAspect="1"/>
-          </p:cNvPicPr>
-          <p:nvPr/>
-        </p:nvPicPr>
-        <p:blipFill>
-          <a:blip r:embed="rId4">
-            <a:extLst>
-              <a:ext uri="{28A0092B-C50C-407E-A947-70E740481C1C}">
-                <a14:useLocalDpi xmlns:a14="http://schemas.microsoft.com/office/drawing/2010/main" val="0"/>
-              </a:ext>
-            </a:extLst>
-          </a:blip>
-          <a:stretch>
-            <a:fillRect/>
-          </a:stretch>
-        </p:blipFill>
-        <p:spPr>
-          <a:xfrm>
-            <a:off x="3891052" y="2262088"/>
-            <a:ext cx="1612718" cy="1612718"/>
-          </a:xfrm>
-          <a:prstGeom prst="rect">
-            <a:avLst/>
-          </a:prstGeom>
-        </p:spPr>
-      </p:pic>
-      <p:pic>
-        <p:nvPicPr>
-          <p:cNvPr id="10" name="Рисунок 9">
-            <a:extLst>
-              <a:ext uri="{FF2B5EF4-FFF2-40B4-BE49-F238E27FC236}">
-                <a16:creationId xmlns:a16="http://schemas.microsoft.com/office/drawing/2014/main" id="{87A1D50B-2CE7-E045-B70F-EA87D237D421}"/>
-              </a:ext>
-            </a:extLst>
-          </p:cNvPr>
-          <p:cNvPicPr>
-            <a:picLocks noChangeAspect="1"/>
-          </p:cNvPicPr>
-          <p:nvPr/>
-        </p:nvPicPr>
-        <p:blipFill>
-          <a:blip r:embed="rId5">
-            <a:extLst>
-              <a:ext uri="{28A0092B-C50C-407E-A947-70E740481C1C}">
-                <a14:useLocalDpi xmlns:a14="http://schemas.microsoft.com/office/drawing/2010/main" val="0"/>
-              </a:ext>
-            </a:extLst>
-          </a:blip>
-          <a:stretch>
-            <a:fillRect/>
-          </a:stretch>
-        </p:blipFill>
-        <p:spPr>
-          <a:xfrm>
-            <a:off x="6096000" y="4038572"/>
-            <a:ext cx="3502729" cy="1371902"/>
-          </a:xfrm>
-          <a:prstGeom prst="rect">
-            <a:avLst/>
-          </a:prstGeom>
-        </p:spPr>
-      </p:pic>
-      <p:pic>
-        <p:nvPicPr>
-          <p:cNvPr id="12" name="Рисунок 11">
-            <a:extLst>
-              <a:ext uri="{FF2B5EF4-FFF2-40B4-BE49-F238E27FC236}">
-                <a16:creationId xmlns:a16="http://schemas.microsoft.com/office/drawing/2014/main" id="{593BBA70-610A-0240-8114-143943A573A5}"/>
-              </a:ext>
-            </a:extLst>
-          </p:cNvPr>
-          <p:cNvPicPr>
-            <a:picLocks noChangeAspect="1"/>
-          </p:cNvPicPr>
-          <p:nvPr/>
-        </p:nvPicPr>
-        <p:blipFill>
-          <a:blip r:embed="rId6">
-            <a:extLst>
-              <a:ext uri="{28A0092B-C50C-407E-A947-70E740481C1C}">
-                <a14:useLocalDpi xmlns:a14="http://schemas.microsoft.com/office/drawing/2010/main" val="0"/>
-              </a:ext>
-            </a:extLst>
-          </a:blip>
-          <a:stretch>
-            <a:fillRect/>
-          </a:stretch>
-        </p:blipFill>
-        <p:spPr>
-          <a:xfrm>
-            <a:off x="6096000" y="2358477"/>
-            <a:ext cx="3394397" cy="1371902"/>
-          </a:xfrm>
-          <a:prstGeom prst="rect">
-            <a:avLst/>
-          </a:prstGeom>
-        </p:spPr>
-      </p:pic>
-      <p:pic>
-        <p:nvPicPr>
-          <p:cNvPr id="14" name="Рисунок 13">
-            <a:extLst>
-              <a:ext uri="{FF2B5EF4-FFF2-40B4-BE49-F238E27FC236}">
-                <a16:creationId xmlns:a16="http://schemas.microsoft.com/office/drawing/2014/main" id="{07DF5AF3-5197-BD42-B05A-E56FF1DDCEB9}"/>
-              </a:ext>
-            </a:extLst>
-          </p:cNvPr>
-          <p:cNvPicPr>
-            <a:picLocks noChangeAspect="1"/>
-          </p:cNvPicPr>
-          <p:nvPr/>
-        </p:nvPicPr>
-        <p:blipFill>
-          <a:blip r:embed="rId7">
-            <a:extLst>
-              <a:ext uri="{28A0092B-C50C-407E-A947-70E740481C1C}">
-                <a14:useLocalDpi xmlns:a14="http://schemas.microsoft.com/office/drawing/2010/main" val="0"/>
-              </a:ext>
-            </a:extLst>
-          </a:blip>
-          <a:stretch>
-            <a:fillRect/>
-          </a:stretch>
-        </p:blipFill>
-        <p:spPr>
-          <a:xfrm>
-            <a:off x="3300697" y="4446206"/>
-            <a:ext cx="2848285" cy="1050184"/>
-          </a:xfrm>
-          <a:prstGeom prst="rect">
-            <a:avLst/>
-          </a:prstGeom>
-        </p:spPr>
-      </p:pic>
-      <p:pic>
-        <p:nvPicPr>
-          <p:cNvPr id="16" name="Рисунок 15">
-            <a:extLst>
-              <a:ext uri="{FF2B5EF4-FFF2-40B4-BE49-F238E27FC236}">
-                <a16:creationId xmlns:a16="http://schemas.microsoft.com/office/drawing/2014/main" id="{8F52D18E-1213-1B4E-AEAE-28C9BAFEEADC}"/>
-              </a:ext>
-            </a:extLst>
-          </p:cNvPr>
-          <p:cNvPicPr>
-            <a:picLocks noChangeAspect="1"/>
-          </p:cNvPicPr>
-          <p:nvPr/>
-        </p:nvPicPr>
-        <p:blipFill>
-          <a:blip r:embed="rId8">
-            <a:extLst>
-              <a:ext uri="{28A0092B-C50C-407E-A947-70E740481C1C}">
-                <a14:useLocalDpi xmlns:a14="http://schemas.microsoft.com/office/drawing/2010/main" val="0"/>
-              </a:ext>
-            </a:extLst>
-          </a:blip>
-          <a:stretch>
-            <a:fillRect/>
-          </a:stretch>
-        </p:blipFill>
-        <p:spPr>
-          <a:xfrm>
-            <a:off x="838200" y="4091032"/>
-            <a:ext cx="2462497" cy="1325644"/>
-          </a:xfrm>
-          <a:prstGeom prst="rect">
-            <a:avLst/>
-          </a:prstGeom>
-        </p:spPr>
-      </p:pic>
-    </p:spTree>
-    <p:extLst>
-      <p:ext uri="{BB962C8B-B14F-4D97-AF65-F5344CB8AC3E}">
-        <p14:creationId xmlns:p14="http://schemas.microsoft.com/office/powerpoint/2010/main" val="2020912386"/>
-      </p:ext>
-    </p:extLst>
-  </p:cSld>
-  <p:clrMapOvr>
-    <a:masterClrMapping/>
-  </p:clrMapOvr>
-  <mc:AlternateContent xmlns:mc="http://schemas.openxmlformats.org/markup-compatibility/2006">
-    <mc:Choice xmlns:p14="http://schemas.microsoft.com/office/powerpoint/2010/main" Requires="p14">
-      <p:transition spd="med" p14:dur="700">
-        <p:fade/>
-      </p:transition>
-    </mc:Choice>
-    <mc:Fallback>
-      <p:transition spd="med">
-        <p:fade/>
-      </p:transition>
-    </mc:Fallback>
-  </mc:AlternateContent>
-</p:sld>
-</file>
-
-<file path=ppt/slides/slide11.xml><?xml version="1.0" encoding="utf-8"?>
-<p:sld xmlns:a="http://schemas.openxmlformats.org/drawingml/2006/main" xmlns:r="http://schemas.openxmlformats.org/officeDocument/2006/relationships" xmlns:p="http://schemas.openxmlformats.org/presentationml/2006/main">
-  <p:cSld>
-    <p:spTree>
-      <p:nvGrpSpPr>
-        <p:cNvPr id="1" name=""/>
-        <p:cNvGrpSpPr/>
-        <p:nvPr/>
-      </p:nvGrpSpPr>
-      <p:grpSpPr>
-        <a:xfrm>
-          <a:off x="0" y="0"/>
-          <a:ext cx="0" cy="0"/>
-          <a:chOff x="0" y="0"/>
-          <a:chExt cx="0" cy="0"/>
-        </a:xfrm>
-      </p:grpSpPr>
-      <p:sp>
-        <p:nvSpPr>
           <p:cNvPr id="48" name="Rectangle 39">
             <a:extLst>
               <a:ext uri="{FF2B5EF4-FFF2-40B4-BE49-F238E27FC236}">
@@ -9833,7 +9704,9 @@
           </a:p>
           <a:p>
             <a:r>
-              <a:rPr lang="en-US" sz="2000" dirty="0"/>
+              <a:rPr lang="en-US" sz="2000" dirty="0">
+                <a:latin typeface="Gill Sans MT" panose="020B0502020104020203" pitchFamily="34" charset="0"/>
+              </a:rPr>
               <a:t>Team lead</a:t>
             </a:r>
             <a:r>
@@ -9841,7 +9714,9 @@
               <a:t>, </a:t>
             </a:r>
             <a:r>
-              <a:rPr lang="en-US" sz="2000" dirty="0"/>
+              <a:rPr lang="en-US" sz="2000" dirty="0">
+                <a:latin typeface="Gill Sans MT" panose="020B0502020104020203" pitchFamily="34" charset="0"/>
+              </a:rPr>
               <a:t>ML engineer</a:t>
             </a:r>
             <a:endParaRPr lang="ru-RU" sz="2000" dirty="0"/>
@@ -9863,7 +9738,7 @@
         <p:spPr>
           <a:xfrm>
             <a:off x="8951824" y="5589264"/>
-            <a:ext cx="1975104" cy="1015663"/>
+            <a:ext cx="2635925" cy="707886"/>
           </a:xfrm>
           <a:prstGeom prst="rect">
             <a:avLst/>
@@ -9892,14 +9767,10 @@
           </a:p>
           <a:p>
             <a:r>
-              <a:rPr lang="en-US" sz="2000" dirty="0"/>
-              <a:t>Data scientist,</a:t>
-            </a:r>
-          </a:p>
-          <a:p>
-            <a:r>
-              <a:rPr lang="en-US" sz="2000" dirty="0"/>
-              <a:t>DevOps</a:t>
+              <a:rPr lang="en-US" sz="2000" dirty="0">
+                <a:latin typeface="Gill Sans MT" panose="020B0502020104020203" pitchFamily="34" charset="0"/>
+              </a:rPr>
+              <a:t>Data scientist, DevOps</a:t>
             </a:r>
           </a:p>
         </p:txBody>
@@ -9948,7 +9819,9 @@
           </a:p>
           <a:p>
             <a:r>
-              <a:rPr lang="en-US" sz="2000" dirty="0"/>
+              <a:rPr lang="en-US" sz="2000" dirty="0">
+                <a:latin typeface="Gill Sans MT" panose="020B0502020104020203" pitchFamily="34" charset="0"/>
+              </a:rPr>
               <a:t>Backend, Data engineer</a:t>
             </a:r>
             <a:endParaRPr lang="ru-RU" sz="2000" dirty="0"/>
@@ -10116,7 +9989,9 @@
           </a:p>
           <a:p>
             <a:r>
-              <a:rPr lang="en-US" sz="2000" dirty="0"/>
+              <a:rPr lang="en-US" sz="2000" dirty="0">
+                <a:latin typeface="Gill Sans MT" panose="020B0502020104020203" pitchFamily="34" charset="0"/>
+              </a:rPr>
               <a:t>Full-stack developer, Documentation</a:t>
             </a:r>
             <a:endParaRPr lang="ru-RU" sz="2000" dirty="0"/>
@@ -10186,6 +10061,14 @@
 <file path=ppt/slides/slide3.xml><?xml version="1.0" encoding="utf-8"?>
 <p:sld xmlns:a="http://schemas.openxmlformats.org/drawingml/2006/main" xmlns:r="http://schemas.openxmlformats.org/officeDocument/2006/relationships" xmlns:p="http://schemas.openxmlformats.org/presentationml/2006/main">
   <p:cSld>
+    <p:bg>
+      <p:bgPr>
+        <a:solidFill>
+          <a:schemeClr val="bg1"/>
+        </a:solidFill>
+        <a:effectLst/>
+      </p:bgPr>
+    </p:bg>
     <p:spTree>
       <p:nvGrpSpPr>
         <p:cNvPr id="1" name=""/>
@@ -10200,6 +10083,160 @@
           <a:chExt cx="0" cy="0"/>
         </a:xfrm>
       </p:grpSpPr>
+      <p:sp useBgFill="1">
+        <p:nvSpPr>
+          <p:cNvPr id="10" name="Rectangle 9">
+            <a:extLst>
+              <a:ext uri="{FF2B5EF4-FFF2-40B4-BE49-F238E27FC236}">
+                <a16:creationId xmlns:a16="http://schemas.microsoft.com/office/drawing/2014/main" id="{1CD81A2A-6ED4-4EF4-A14C-912D31E14800}"/>
+              </a:ext>
+              <a:ext uri="{C183D7F6-B498-43B3-948B-1728B52AA6E4}">
+                <adec:decorative xmlns:adec="http://schemas.microsoft.com/office/drawing/2017/decorative" val="1"/>
+              </a:ext>
+            </a:extLst>
+          </p:cNvPr>
+          <p:cNvSpPr>
+            <a:spLocks noGrp="1" noRot="1" noChangeAspect="1" noMove="1" noResize="1" noEditPoints="1" noAdjustHandles="1" noChangeArrowheads="1" noChangeShapeType="1" noTextEdit="1"/>
+          </p:cNvSpPr>
+          <p:nvPr>
+            <p:extLst>
+              <p:ext uri="{386F3935-93C4-4BCD-93E2-E3B085C9AB24}">
+                <p16:designElem xmlns:p16="http://schemas.microsoft.com/office/powerpoint/2015/main" val="1"/>
+              </p:ext>
+            </p:extLst>
+          </p:nvPr>
+        </p:nvSpPr>
+        <p:spPr bwMode="white">
+          <a:xfrm>
+            <a:off x="0" y="0"/>
+            <a:ext cx="12192000" cy="6858000"/>
+          </a:xfrm>
+          <a:prstGeom prst="rect">
+            <a:avLst/>
+          </a:prstGeom>
+          <a:ln>
+            <a:noFill/>
+          </a:ln>
+        </p:spPr>
+        <p:style>
+          <a:lnRef idx="2">
+            <a:schemeClr val="accent1">
+              <a:shade val="50000"/>
+            </a:schemeClr>
+          </a:lnRef>
+          <a:fillRef idx="1">
+            <a:schemeClr val="accent1"/>
+          </a:fillRef>
+          <a:effectRef idx="0">
+            <a:schemeClr val="accent1"/>
+          </a:effectRef>
+          <a:fontRef idx="minor">
+            <a:schemeClr val="lt1"/>
+          </a:fontRef>
+        </p:style>
+        <p:txBody>
+          <a:bodyPr rtlCol="0" anchor="ctr"/>
+          <a:lstStyle>
+            <a:defPPr>
+              <a:defRPr lang="en-US"/>
+            </a:defPPr>
+            <a:lvl1pPr marL="0" algn="l" defTabSz="914400" rtl="0" eaLnBrk="1" latinLnBrk="0" hangingPunct="1">
+              <a:defRPr sz="1800" kern="1200">
+                <a:solidFill>
+                  <a:schemeClr val="lt1"/>
+                </a:solidFill>
+                <a:latin typeface="+mn-lt"/>
+                <a:ea typeface="+mn-ea"/>
+                <a:cs typeface="+mn-cs"/>
+              </a:defRPr>
+            </a:lvl1pPr>
+            <a:lvl2pPr marL="457200" algn="l" defTabSz="914400" rtl="0" eaLnBrk="1" latinLnBrk="0" hangingPunct="1">
+              <a:defRPr sz="1800" kern="1200">
+                <a:solidFill>
+                  <a:schemeClr val="lt1"/>
+                </a:solidFill>
+                <a:latin typeface="+mn-lt"/>
+                <a:ea typeface="+mn-ea"/>
+                <a:cs typeface="+mn-cs"/>
+              </a:defRPr>
+            </a:lvl2pPr>
+            <a:lvl3pPr marL="914400" algn="l" defTabSz="914400" rtl="0" eaLnBrk="1" latinLnBrk="0" hangingPunct="1">
+              <a:defRPr sz="1800" kern="1200">
+                <a:solidFill>
+                  <a:schemeClr val="lt1"/>
+                </a:solidFill>
+                <a:latin typeface="+mn-lt"/>
+                <a:ea typeface="+mn-ea"/>
+                <a:cs typeface="+mn-cs"/>
+              </a:defRPr>
+            </a:lvl3pPr>
+            <a:lvl4pPr marL="1371600" algn="l" defTabSz="914400" rtl="0" eaLnBrk="1" latinLnBrk="0" hangingPunct="1">
+              <a:defRPr sz="1800" kern="1200">
+                <a:solidFill>
+                  <a:schemeClr val="lt1"/>
+                </a:solidFill>
+                <a:latin typeface="+mn-lt"/>
+                <a:ea typeface="+mn-ea"/>
+                <a:cs typeface="+mn-cs"/>
+              </a:defRPr>
+            </a:lvl4pPr>
+            <a:lvl5pPr marL="1828800" algn="l" defTabSz="914400" rtl="0" eaLnBrk="1" latinLnBrk="0" hangingPunct="1">
+              <a:defRPr sz="1800" kern="1200">
+                <a:solidFill>
+                  <a:schemeClr val="lt1"/>
+                </a:solidFill>
+                <a:latin typeface="+mn-lt"/>
+                <a:ea typeface="+mn-ea"/>
+                <a:cs typeface="+mn-cs"/>
+              </a:defRPr>
+            </a:lvl5pPr>
+            <a:lvl6pPr marL="2286000" algn="l" defTabSz="914400" rtl="0" eaLnBrk="1" latinLnBrk="0" hangingPunct="1">
+              <a:defRPr sz="1800" kern="1200">
+                <a:solidFill>
+                  <a:schemeClr val="lt1"/>
+                </a:solidFill>
+                <a:latin typeface="+mn-lt"/>
+                <a:ea typeface="+mn-ea"/>
+                <a:cs typeface="+mn-cs"/>
+              </a:defRPr>
+            </a:lvl6pPr>
+            <a:lvl7pPr marL="2743200" algn="l" defTabSz="914400" rtl="0" eaLnBrk="1" latinLnBrk="0" hangingPunct="1">
+              <a:defRPr sz="1800" kern="1200">
+                <a:solidFill>
+                  <a:schemeClr val="lt1"/>
+                </a:solidFill>
+                <a:latin typeface="+mn-lt"/>
+                <a:ea typeface="+mn-ea"/>
+                <a:cs typeface="+mn-cs"/>
+              </a:defRPr>
+            </a:lvl7pPr>
+            <a:lvl8pPr marL="3200400" algn="l" defTabSz="914400" rtl="0" eaLnBrk="1" latinLnBrk="0" hangingPunct="1">
+              <a:defRPr sz="1800" kern="1200">
+                <a:solidFill>
+                  <a:schemeClr val="lt1"/>
+                </a:solidFill>
+                <a:latin typeface="+mn-lt"/>
+                <a:ea typeface="+mn-ea"/>
+                <a:cs typeface="+mn-cs"/>
+              </a:defRPr>
+            </a:lvl8pPr>
+            <a:lvl9pPr marL="3657600" algn="l" defTabSz="914400" rtl="0" eaLnBrk="1" latinLnBrk="0" hangingPunct="1">
+              <a:defRPr sz="1800" kern="1200">
+                <a:solidFill>
+                  <a:schemeClr val="lt1"/>
+                </a:solidFill>
+                <a:latin typeface="+mn-lt"/>
+                <a:ea typeface="+mn-ea"/>
+                <a:cs typeface="+mn-cs"/>
+              </a:defRPr>
+            </a:lvl9pPr>
+          </a:lstStyle>
+          <a:p>
+            <a:pPr algn="ctr"/>
+            <a:endParaRPr lang="en-US"/>
+          </a:p>
+        </p:txBody>
+      </p:sp>
       <p:sp>
         <p:nvSpPr>
           <p:cNvPr id="2" name="Заголовок 1">
@@ -10216,15 +10253,144 @@
             <p:ph type="title"/>
           </p:nvPr>
         </p:nvSpPr>
-        <p:spPr/>
+        <p:spPr>
+          <a:xfrm>
+            <a:off x="838200" y="365125"/>
+            <a:ext cx="5393361" cy="1325563"/>
+          </a:xfrm>
+        </p:spPr>
         <p:txBody>
-          <a:bodyPr/>
+          <a:bodyPr>
+            <a:normAutofit/>
+          </a:bodyPr>
           <a:lstStyle/>
           <a:p>
             <a:r>
               <a:rPr lang="ru-RU" dirty="0"/>
               <a:t>Концепция решения</a:t>
             </a:r>
+          </a:p>
+        </p:txBody>
+      </p:sp>
+      <p:sp>
+        <p:nvSpPr>
+          <p:cNvPr id="12" name="Freeform: Shape 11">
+            <a:extLst>
+              <a:ext uri="{FF2B5EF4-FFF2-40B4-BE49-F238E27FC236}">
+                <a16:creationId xmlns:a16="http://schemas.microsoft.com/office/drawing/2014/main" id="{1661932C-CA15-4E17-B115-FAE7CBEE4789}"/>
+              </a:ext>
+              <a:ext uri="{C183D7F6-B498-43B3-948B-1728B52AA6E4}">
+                <adec:decorative xmlns:adec="http://schemas.microsoft.com/office/drawing/2017/decorative" val="1"/>
+              </a:ext>
+            </a:extLst>
+          </p:cNvPr>
+          <p:cNvSpPr>
+            <a:spLocks noGrp="1" noRot="1" noChangeAspect="1" noMove="1" noResize="1" noEditPoints="1" noAdjustHandles="1" noChangeArrowheads="1" noChangeShapeType="1" noTextEdit="1"/>
+          </p:cNvSpPr>
+          <p:nvPr>
+            <p:extLst>
+              <p:ext uri="{386F3935-93C4-4BCD-93E2-E3B085C9AB24}">
+                <p16:designElem xmlns:p16="http://schemas.microsoft.com/office/powerpoint/2015/main" val="1"/>
+              </p:ext>
+            </p:extLst>
+          </p:nvPr>
+        </p:nvSpPr>
+        <p:spPr>
+          <a:xfrm>
+            <a:off x="10198657" y="1"/>
+            <a:ext cx="1155142" cy="625027"/>
+          </a:xfrm>
+          <a:custGeom>
+            <a:avLst/>
+            <a:gdLst>
+              <a:gd name="connsiteX0" fmla="*/ 4784 w 1155142"/>
+              <a:gd name="connsiteY0" fmla="*/ 0 h 625027"/>
+              <a:gd name="connsiteX1" fmla="*/ 1150358 w 1155142"/>
+              <a:gd name="connsiteY1" fmla="*/ 0 h 625027"/>
+              <a:gd name="connsiteX2" fmla="*/ 1155142 w 1155142"/>
+              <a:gd name="connsiteY2" fmla="*/ 47456 h 625027"/>
+              <a:gd name="connsiteX3" fmla="*/ 577571 w 1155142"/>
+              <a:gd name="connsiteY3" fmla="*/ 625027 h 625027"/>
+              <a:gd name="connsiteX4" fmla="*/ 0 w 1155142"/>
+              <a:gd name="connsiteY4" fmla="*/ 47456 h 625027"/>
+            </a:gdLst>
+            <a:ahLst/>
+            <a:cxnLst>
+              <a:cxn ang="0">
+                <a:pos x="connsiteX0" y="connsiteY0"/>
+              </a:cxn>
+              <a:cxn ang="0">
+                <a:pos x="connsiteX1" y="connsiteY1"/>
+              </a:cxn>
+              <a:cxn ang="0">
+                <a:pos x="connsiteX2" y="connsiteY2"/>
+              </a:cxn>
+              <a:cxn ang="0">
+                <a:pos x="connsiteX3" y="connsiteY3"/>
+              </a:cxn>
+              <a:cxn ang="0">
+                <a:pos x="connsiteX4" y="connsiteY4"/>
+              </a:cxn>
+            </a:cxnLst>
+            <a:rect l="l" t="t" r="r" b="b"/>
+            <a:pathLst>
+              <a:path w="1155142" h="625027">
+                <a:moveTo>
+                  <a:pt x="4784" y="0"/>
+                </a:moveTo>
+                <a:lnTo>
+                  <a:pt x="1150358" y="0"/>
+                </a:lnTo>
+                <a:lnTo>
+                  <a:pt x="1155142" y="47456"/>
+                </a:lnTo>
+                <a:cubicBezTo>
+                  <a:pt x="1155142" y="366440"/>
+                  <a:pt x="896555" y="625027"/>
+                  <a:pt x="577571" y="625027"/>
+                </a:cubicBezTo>
+                <a:cubicBezTo>
+                  <a:pt x="258587" y="625027"/>
+                  <a:pt x="0" y="366440"/>
+                  <a:pt x="0" y="47456"/>
+                </a:cubicBezTo>
+                <a:close/>
+              </a:path>
+            </a:pathLst>
+          </a:custGeom>
+          <a:solidFill>
+            <a:schemeClr val="accent5">
+              <a:alpha val="95000"/>
+            </a:schemeClr>
+          </a:solidFill>
+          <a:ln>
+            <a:noFill/>
+          </a:ln>
+        </p:spPr>
+        <p:style>
+          <a:lnRef idx="2">
+            <a:schemeClr val="accent1">
+              <a:shade val="50000"/>
+            </a:schemeClr>
+          </a:lnRef>
+          <a:fillRef idx="1">
+            <a:schemeClr val="accent1"/>
+          </a:fillRef>
+          <a:effectRef idx="0">
+            <a:schemeClr val="accent1"/>
+          </a:effectRef>
+          <a:fontRef idx="minor">
+            <a:schemeClr val="lt1"/>
+          </a:fontRef>
+        </p:style>
+        <p:txBody>
+          <a:bodyPr wrap="square" rtlCol="0" anchor="ctr">
+            <a:noAutofit/>
+          </a:bodyPr>
+          <a:lstStyle/>
+          <a:p>
+            <a:pPr algn="ctr"/>
+            <a:endParaRPr lang="en-US"/>
           </a:p>
         </p:txBody>
       </p:sp>
@@ -10244,12 +10410,118 @@
             <p:ph idx="1"/>
           </p:nvPr>
         </p:nvSpPr>
-        <p:spPr/>
+        <p:spPr>
+          <a:xfrm>
+            <a:off x="681491" y="1789112"/>
+            <a:ext cx="6762750" cy="4351338"/>
+          </a:xfrm>
+        </p:spPr>
         <p:txBody>
-          <a:bodyPr/>
+          <a:bodyPr>
+            <a:normAutofit/>
+          </a:bodyPr>
           <a:lstStyle/>
           <a:p>
+            <a:r>
+              <a:rPr lang="ru-RU" dirty="0"/>
+              <a:t>Нормализация данных и преобразование данных в вектора</a:t>
+            </a:r>
+          </a:p>
+          <a:p>
+            <a:r>
+              <a:rPr lang="ru-RU" dirty="0"/>
+              <a:t>Селекция и обучение моделей ИИ</a:t>
+            </a:r>
+          </a:p>
+          <a:p>
+            <a:r>
+              <a:rPr lang="ru-RU" dirty="0"/>
+              <a:t>Разработка бота в </a:t>
+            </a:r>
+            <a:r>
+              <a:rPr lang="en-US" dirty="0">
+                <a:latin typeface="Gill Sans MT" panose="020B0502020104020203" pitchFamily="34" charset="0"/>
+              </a:rPr>
+              <a:t>telegram</a:t>
+            </a:r>
+            <a:r>
+              <a:rPr lang="ru-RU" dirty="0">
+                <a:latin typeface="Gill Sans MT" panose="020B0502020104020203" pitchFamily="34" charset="0"/>
+              </a:rPr>
+              <a:t> для сбора обратной связи</a:t>
+            </a:r>
+          </a:p>
+          <a:p>
+            <a:r>
+              <a:rPr lang="ru-RU" dirty="0"/>
+              <a:t>Разработка веб-приложения для просмотра статистики по обратной связи</a:t>
+            </a:r>
+          </a:p>
+          <a:p>
             <a:endParaRPr lang="ru-RU" dirty="0"/>
+          </a:p>
+        </p:txBody>
+      </p:sp>
+      <p:sp>
+        <p:nvSpPr>
+          <p:cNvPr id="14" name="Oval 13">
+            <a:extLst>
+              <a:ext uri="{FF2B5EF4-FFF2-40B4-BE49-F238E27FC236}">
+                <a16:creationId xmlns:a16="http://schemas.microsoft.com/office/drawing/2014/main" id="{8590ADD5-9383-4D3D-9047-3DA2593CCB5D}"/>
+              </a:ext>
+              <a:ext uri="{C183D7F6-B498-43B3-948B-1728B52AA6E4}">
+                <adec:decorative xmlns:adec="http://schemas.microsoft.com/office/drawing/2017/decorative" val="1"/>
+              </a:ext>
+            </a:extLst>
+          </p:cNvPr>
+          <p:cNvSpPr>
+            <a:spLocks noGrp="1" noRot="1" noChangeAspect="1" noMove="1" noResize="1" noEditPoints="1" noAdjustHandles="1" noChangeArrowheads="1" noChangeShapeType="1" noTextEdit="1"/>
+          </p:cNvSpPr>
+          <p:nvPr>
+            <p:extLst>
+              <p:ext uri="{386F3935-93C4-4BCD-93E2-E3B085C9AB24}">
+                <p16:designElem xmlns:p16="http://schemas.microsoft.com/office/powerpoint/2015/main" val="1"/>
+              </p:ext>
+            </p:extLst>
+          </p:nvPr>
+        </p:nvSpPr>
+        <p:spPr>
+          <a:xfrm>
+            <a:off x="6808185" y="3423959"/>
+            <a:ext cx="540822" cy="540822"/>
+          </a:xfrm>
+          <a:prstGeom prst="ellipse">
+            <a:avLst/>
+          </a:prstGeom>
+          <a:noFill/>
+          <a:ln w="127000">
+            <a:solidFill>
+              <a:schemeClr val="accent5"/>
+            </a:solidFill>
+          </a:ln>
+        </p:spPr>
+        <p:style>
+          <a:lnRef idx="2">
+            <a:schemeClr val="accent1">
+              <a:shade val="50000"/>
+            </a:schemeClr>
+          </a:lnRef>
+          <a:fillRef idx="1">
+            <a:schemeClr val="accent1"/>
+          </a:fillRef>
+          <a:effectRef idx="0">
+            <a:schemeClr val="accent1"/>
+          </a:effectRef>
+          <a:fontRef idx="minor">
+            <a:schemeClr val="lt1"/>
+          </a:fontRef>
+        </p:style>
+        <p:txBody>
+          <a:bodyPr rtlCol="0" anchor="ctr"/>
+          <a:lstStyle/>
+          <a:p>
+            <a:pPr algn="ctr"/>
+            <a:endParaRPr lang="en-US"/>
           </a:p>
         </p:txBody>
       </p:sp>
@@ -10280,14 +10552,951 @@
         </p:blipFill>
         <p:spPr>
           <a:xfrm>
-            <a:off x="10384919" y="46792"/>
-            <a:ext cx="1801470" cy="1743033"/>
+            <a:off x="7887184" y="1280281"/>
+            <a:ext cx="3781051" cy="3653459"/>
           </a:xfrm>
-          <a:prstGeom prst="rect">
+          <a:custGeom>
+            <a:avLst/>
+            <a:gdLst/>
+            <a:ahLst/>
+            <a:cxnLst/>
+            <a:rect l="l" t="t" r="r" b="b"/>
+            <a:pathLst>
+              <a:path w="4114800" h="5712488">
+                <a:moveTo>
+                  <a:pt x="133155" y="0"/>
+                </a:moveTo>
+                <a:lnTo>
+                  <a:pt x="3981645" y="0"/>
+                </a:lnTo>
+                <a:cubicBezTo>
+                  <a:pt x="4055184" y="0"/>
+                  <a:pt x="4114800" y="59616"/>
+                  <a:pt x="4114800" y="133155"/>
+                </a:cubicBezTo>
+                <a:lnTo>
+                  <a:pt x="4114800" y="5579333"/>
+                </a:lnTo>
+                <a:cubicBezTo>
+                  <a:pt x="4114800" y="5652872"/>
+                  <a:pt x="4055184" y="5712488"/>
+                  <a:pt x="3981645" y="5712488"/>
+                </a:cubicBezTo>
+                <a:lnTo>
+                  <a:pt x="133155" y="5712488"/>
+                </a:lnTo>
+                <a:cubicBezTo>
+                  <a:pt x="59616" y="5712488"/>
+                  <a:pt x="0" y="5652872"/>
+                  <a:pt x="0" y="5579333"/>
+                </a:cubicBezTo>
+                <a:lnTo>
+                  <a:pt x="0" y="133155"/>
+                </a:lnTo>
+                <a:cubicBezTo>
+                  <a:pt x="0" y="59616"/>
+                  <a:pt x="59616" y="0"/>
+                  <a:pt x="133155" y="0"/>
+                </a:cubicBezTo>
+                <a:close/>
+              </a:path>
+            </a:pathLst>
+          </a:custGeom>
+        </p:spPr>
+      </p:pic>
+      <p:sp>
+        <p:nvSpPr>
+          <p:cNvPr id="16" name="Freeform: Shape 15">
+            <a:extLst>
+              <a:ext uri="{FF2B5EF4-FFF2-40B4-BE49-F238E27FC236}">
+                <a16:creationId xmlns:a16="http://schemas.microsoft.com/office/drawing/2014/main" id="{DABE3E45-88CF-45D8-8D40-C773324D93F6}"/>
+              </a:ext>
+              <a:ext uri="{C183D7F6-B498-43B3-948B-1728B52AA6E4}">
+                <adec:decorative xmlns:adec="http://schemas.microsoft.com/office/drawing/2017/decorative" val="1"/>
+              </a:ext>
+            </a:extLst>
+          </p:cNvPr>
+          <p:cNvSpPr>
+            <a:spLocks noGrp="1" noRot="1" noChangeAspect="1" noMove="1" noResize="1" noEditPoints="1" noAdjustHandles="1" noChangeArrowheads="1" noChangeShapeType="1" noTextEdit="1"/>
+          </p:cNvSpPr>
+          <p:nvPr>
+            <p:extLst>
+              <p:ext uri="{386F3935-93C4-4BCD-93E2-E3B085C9AB24}">
+                <p16:designElem xmlns:p16="http://schemas.microsoft.com/office/powerpoint/2015/main" val="1"/>
+              </p:ext>
+            </p:extLst>
+          </p:nvPr>
+        </p:nvSpPr>
+        <p:spPr>
+          <a:xfrm>
+            <a:off x="6749602" y="1"/>
+            <a:ext cx="2066948" cy="1621879"/>
+          </a:xfrm>
+          <a:custGeom>
+            <a:avLst/>
+            <a:gdLst>
+              <a:gd name="connsiteX0" fmla="*/ 0 w 2066948"/>
+              <a:gd name="connsiteY0" fmla="*/ 0 h 1621879"/>
+              <a:gd name="connsiteX1" fmla="*/ 123825 w 2066948"/>
+              <a:gd name="connsiteY1" fmla="*/ 0 h 1621879"/>
+              <a:gd name="connsiteX2" fmla="*/ 123825 w 2066948"/>
+              <a:gd name="connsiteY2" fmla="*/ 1452620 h 1621879"/>
+              <a:gd name="connsiteX3" fmla="*/ 1881378 w 2066948"/>
+              <a:gd name="connsiteY3" fmla="*/ 436017 h 1621879"/>
+              <a:gd name="connsiteX4" fmla="*/ 1127572 w 2066948"/>
+              <a:gd name="connsiteY4" fmla="*/ 0 h 1621879"/>
+              <a:gd name="connsiteX5" fmla="*/ 1374887 w 2066948"/>
+              <a:gd name="connsiteY5" fmla="*/ 0 h 1621879"/>
+              <a:gd name="connsiteX6" fmla="*/ 2035969 w 2066948"/>
+              <a:gd name="connsiteY6" fmla="*/ 382391 h 1621879"/>
+              <a:gd name="connsiteX7" fmla="*/ 2058648 w 2066948"/>
+              <a:gd name="connsiteY7" fmla="*/ 466963 h 1621879"/>
+              <a:gd name="connsiteX8" fmla="*/ 2035969 w 2066948"/>
+              <a:gd name="connsiteY8" fmla="*/ 489642 h 1621879"/>
+              <a:gd name="connsiteX9" fmla="*/ 92869 w 2066948"/>
+              <a:gd name="connsiteY9" fmla="*/ 1613592 h 1621879"/>
+              <a:gd name="connsiteX10" fmla="*/ 61913 w 2066948"/>
+              <a:gd name="connsiteY10" fmla="*/ 1621879 h 1621879"/>
+              <a:gd name="connsiteX11" fmla="*/ 0 w 2066948"/>
+              <a:gd name="connsiteY11" fmla="*/ 1559967 h 1621879"/>
+            </a:gdLst>
+            <a:ahLst/>
+            <a:cxnLst>
+              <a:cxn ang="0">
+                <a:pos x="connsiteX0" y="connsiteY0"/>
+              </a:cxn>
+              <a:cxn ang="0">
+                <a:pos x="connsiteX1" y="connsiteY1"/>
+              </a:cxn>
+              <a:cxn ang="0">
+                <a:pos x="connsiteX2" y="connsiteY2"/>
+              </a:cxn>
+              <a:cxn ang="0">
+                <a:pos x="connsiteX3" y="connsiteY3"/>
+              </a:cxn>
+              <a:cxn ang="0">
+                <a:pos x="connsiteX4" y="connsiteY4"/>
+              </a:cxn>
+              <a:cxn ang="0">
+                <a:pos x="connsiteX5" y="connsiteY5"/>
+              </a:cxn>
+              <a:cxn ang="0">
+                <a:pos x="connsiteX6" y="connsiteY6"/>
+              </a:cxn>
+              <a:cxn ang="0">
+                <a:pos x="connsiteX7" y="connsiteY7"/>
+              </a:cxn>
+              <a:cxn ang="0">
+                <a:pos x="connsiteX8" y="connsiteY8"/>
+              </a:cxn>
+              <a:cxn ang="0">
+                <a:pos x="connsiteX9" y="connsiteY9"/>
+              </a:cxn>
+              <a:cxn ang="0">
+                <a:pos x="connsiteX10" y="connsiteY10"/>
+              </a:cxn>
+              <a:cxn ang="0">
+                <a:pos x="connsiteX11" y="connsiteY11"/>
+              </a:cxn>
+            </a:cxnLst>
+            <a:rect l="l" t="t" r="r" b="b"/>
+            <a:pathLst>
+              <a:path w="2066948" h="1621879">
+                <a:moveTo>
+                  <a:pt x="0" y="0"/>
+                </a:moveTo>
+                <a:lnTo>
+                  <a:pt x="123825" y="0"/>
+                </a:lnTo>
+                <a:lnTo>
+                  <a:pt x="123825" y="1452620"/>
+                </a:lnTo>
+                <a:lnTo>
+                  <a:pt x="1881378" y="436017"/>
+                </a:lnTo>
+                <a:lnTo>
+                  <a:pt x="1127572" y="0"/>
+                </a:lnTo>
+                <a:lnTo>
+                  <a:pt x="1374887" y="0"/>
+                </a:lnTo>
+                <a:lnTo>
+                  <a:pt x="2035969" y="382391"/>
+                </a:lnTo>
+                <a:cubicBezTo>
+                  <a:pt x="2065582" y="399479"/>
+                  <a:pt x="2075745" y="437340"/>
+                  <a:pt x="2058648" y="466963"/>
+                </a:cubicBezTo>
+                <a:cubicBezTo>
+                  <a:pt x="2053219" y="476384"/>
+                  <a:pt x="2045389" y="484204"/>
+                  <a:pt x="2035969" y="489642"/>
+                </a:cubicBezTo>
+                <a:lnTo>
+                  <a:pt x="92869" y="1613592"/>
+                </a:lnTo>
+                <a:cubicBezTo>
+                  <a:pt x="83458" y="1619031"/>
+                  <a:pt x="72780" y="1621889"/>
+                  <a:pt x="61913" y="1621879"/>
+                </a:cubicBezTo>
+                <a:cubicBezTo>
+                  <a:pt x="27719" y="1621879"/>
+                  <a:pt x="0" y="1594161"/>
+                  <a:pt x="0" y="1559967"/>
+                </a:cubicBezTo>
+                <a:close/>
+              </a:path>
+            </a:pathLst>
+          </a:custGeom>
+          <a:solidFill>
+            <a:schemeClr val="accent6"/>
+          </a:solidFill>
+          <a:ln w="9525" cap="flat">
+            <a:noFill/>
+            <a:prstDash val="solid"/>
+            <a:miter/>
+          </a:ln>
+        </p:spPr>
+        <p:txBody>
+          <a:bodyPr rtlCol="0" anchor="ctr"/>
+          <a:lstStyle/>
+          <a:p>
+            <a:endParaRPr lang="en-US"/>
+          </a:p>
+        </p:txBody>
+      </p:sp>
+      <p:cxnSp>
+        <p:nvCxnSpPr>
+          <p:cNvPr id="18" name="Straight Connector 17">
+            <a:extLst>
+              <a:ext uri="{FF2B5EF4-FFF2-40B4-BE49-F238E27FC236}">
+                <a16:creationId xmlns:a16="http://schemas.microsoft.com/office/drawing/2014/main" id="{49CD1692-827B-4C8D-B4A1-134FD04CF45C}"/>
+              </a:ext>
+              <a:ext uri="{C183D7F6-B498-43B3-948B-1728B52AA6E4}">
+                <adec:decorative xmlns:adec="http://schemas.microsoft.com/office/drawing/2017/decorative" val="1"/>
+              </a:ext>
+            </a:extLst>
+          </p:cNvPr>
+          <p:cNvCxnSpPr>
+            <a:cxnSpLocks noGrp="1" noRot="1" noChangeAspect="1" noMove="1" noResize="1" noEditPoints="1" noAdjustHandles="1" noChangeArrowheads="1" noChangeShapeType="1"/>
+          </p:cNvCxnSpPr>
+          <p:nvPr>
+            <p:extLst>
+              <p:ext uri="{386F3935-93C4-4BCD-93E2-E3B085C9AB24}">
+                <p16:designElem xmlns:p16="http://schemas.microsoft.com/office/powerpoint/2015/main" val="1"/>
+              </p:ext>
+            </p:extLst>
+          </p:nvPr>
+        </p:nvCxnSpPr>
+        <p:spPr>
+          <a:xfrm>
+            <a:off x="12138745" y="1027906"/>
+            <a:ext cx="0" cy="1597708"/>
+          </a:xfrm>
+          <a:prstGeom prst="line">
             <a:avLst/>
           </a:prstGeom>
+          <a:ln w="127000" cap="rnd">
+            <a:solidFill>
+              <a:schemeClr val="accent4"/>
+            </a:solidFill>
+            <a:prstDash val="dash"/>
+          </a:ln>
         </p:spPr>
-      </p:pic>
+        <p:style>
+          <a:lnRef idx="1">
+            <a:schemeClr val="accent1"/>
+          </a:lnRef>
+          <a:fillRef idx="0">
+            <a:schemeClr val="accent1"/>
+          </a:fillRef>
+          <a:effectRef idx="0">
+            <a:schemeClr val="accent1"/>
+          </a:effectRef>
+          <a:fontRef idx="minor">
+            <a:schemeClr val="tx1"/>
+          </a:fontRef>
+        </p:style>
+      </p:cxnSp>
+      <p:sp>
+        <p:nvSpPr>
+          <p:cNvPr id="20" name="Freeform: Shape 19">
+            <a:extLst>
+              <a:ext uri="{FF2B5EF4-FFF2-40B4-BE49-F238E27FC236}">
+                <a16:creationId xmlns:a16="http://schemas.microsoft.com/office/drawing/2014/main" id="{B91ECDA9-56DC-4270-8F33-01C5637B8CEB}"/>
+              </a:ext>
+              <a:ext uri="{C183D7F6-B498-43B3-948B-1728B52AA6E4}">
+                <adec:decorative xmlns:adec="http://schemas.microsoft.com/office/drawing/2017/decorative" val="1"/>
+              </a:ext>
+            </a:extLst>
+          </p:cNvPr>
+          <p:cNvSpPr>
+            <a:spLocks noGrp="1" noRot="1" noChangeAspect="1" noMove="1" noResize="1" noEditPoints="1" noAdjustHandles="1" noChangeArrowheads="1" noChangeShapeType="1" noTextEdit="1"/>
+          </p:cNvSpPr>
+          <p:nvPr>
+            <p:extLst>
+              <p:ext uri="{386F3935-93C4-4BCD-93E2-E3B085C9AB24}">
+                <p16:designElem xmlns:p16="http://schemas.microsoft.com/office/powerpoint/2015/main" val="1"/>
+              </p:ext>
+            </p:extLst>
+          </p:nvPr>
+        </p:nvSpPr>
+        <p:spPr>
+          <a:xfrm rot="20463438">
+            <a:off x="7456580" y="5166682"/>
+            <a:ext cx="1835725" cy="2024785"/>
+          </a:xfrm>
+          <a:custGeom>
+            <a:avLst/>
+            <a:gdLst>
+              <a:gd name="connsiteX0" fmla="*/ 1801138 w 1835725"/>
+              <a:gd name="connsiteY0" fmla="*/ 1622662 h 2024785"/>
+              <a:gd name="connsiteX1" fmla="*/ 1835717 w 1835725"/>
+              <a:gd name="connsiteY1" fmla="*/ 1680254 h 2024785"/>
+              <a:gd name="connsiteX2" fmla="*/ 1812568 w 1835725"/>
+              <a:gd name="connsiteY2" fmla="*/ 1877193 h 2024785"/>
+              <a:gd name="connsiteX3" fmla="*/ 1776210 w 1835725"/>
+              <a:gd name="connsiteY3" fmla="*/ 2024785 h 2024785"/>
+              <a:gd name="connsiteX4" fmla="*/ 1655772 w 1835725"/>
+              <a:gd name="connsiteY4" fmla="*/ 1983449 h 2024785"/>
+              <a:gd name="connsiteX5" fmla="*/ 1687591 w 1835725"/>
+              <a:gd name="connsiteY5" fmla="*/ 1854495 h 2024785"/>
+              <a:gd name="connsiteX6" fmla="*/ 1708939 w 1835725"/>
+              <a:gd name="connsiteY6" fmla="*/ 1673301 h 2024785"/>
+              <a:gd name="connsiteX7" fmla="*/ 1778129 w 1835725"/>
+              <a:gd name="connsiteY7" fmla="*/ 1615979 h 2024785"/>
+              <a:gd name="connsiteX8" fmla="*/ 1801138 w 1835725"/>
+              <a:gd name="connsiteY8" fmla="*/ 1622662 h 2024785"/>
+              <a:gd name="connsiteX9" fmla="*/ 1585229 w 1835725"/>
+              <a:gd name="connsiteY9" fmla="*/ 764759 h 2024785"/>
+              <a:gd name="connsiteX10" fmla="*/ 1623024 w 1835725"/>
+              <a:gd name="connsiteY10" fmla="*/ 792810 h 2024785"/>
+              <a:gd name="connsiteX11" fmla="*/ 1777614 w 1835725"/>
+              <a:gd name="connsiteY11" fmla="*/ 1157141 h 2024785"/>
+              <a:gd name="connsiteX12" fmla="*/ 1733799 w 1835725"/>
+              <a:gd name="connsiteY12" fmla="*/ 1235532 h 2024785"/>
+              <a:gd name="connsiteX13" fmla="*/ 1716464 w 1835725"/>
+              <a:gd name="connsiteY13" fmla="*/ 1237722 h 2024785"/>
+              <a:gd name="connsiteX14" fmla="*/ 1716464 w 1835725"/>
+              <a:gd name="connsiteY14" fmla="*/ 1237913 h 2024785"/>
+              <a:gd name="connsiteX15" fmla="*/ 1655409 w 1835725"/>
+              <a:gd name="connsiteY15" fmla="*/ 1191717 h 2024785"/>
+              <a:gd name="connsiteX16" fmla="*/ 1513200 w 1835725"/>
+              <a:gd name="connsiteY16" fmla="*/ 856627 h 2024785"/>
+              <a:gd name="connsiteX17" fmla="*/ 1538499 w 1835725"/>
+              <a:gd name="connsiteY17" fmla="*/ 770415 h 2024785"/>
+              <a:gd name="connsiteX18" fmla="*/ 1585229 w 1835725"/>
+              <a:gd name="connsiteY18" fmla="*/ 764759 h 2024785"/>
+              <a:gd name="connsiteX19" fmla="*/ 477919 w 1835725"/>
+              <a:gd name="connsiteY19" fmla="*/ 21437 h 2024785"/>
+              <a:gd name="connsiteX20" fmla="*/ 509236 w 1835725"/>
+              <a:gd name="connsiteY20" fmla="*/ 84182 h 2024785"/>
+              <a:gd name="connsiteX21" fmla="*/ 445829 w 1835725"/>
+              <a:gd name="connsiteY21" fmla="*/ 139871 h 2024785"/>
+              <a:gd name="connsiteX22" fmla="*/ 437447 w 1835725"/>
+              <a:gd name="connsiteY22" fmla="*/ 139395 h 2024785"/>
+              <a:gd name="connsiteX23" fmla="*/ 73211 w 1835725"/>
+              <a:gd name="connsiteY23" fmla="*/ 137204 h 2024785"/>
+              <a:gd name="connsiteX24" fmla="*/ 749 w 1835725"/>
+              <a:gd name="connsiteY24" fmla="*/ 84082 h 2024785"/>
+              <a:gd name="connsiteX25" fmla="*/ 53871 w 1835725"/>
+              <a:gd name="connsiteY25" fmla="*/ 11621 h 2024785"/>
+              <a:gd name="connsiteX26" fmla="*/ 58352 w 1835725"/>
+              <a:gd name="connsiteY26" fmla="*/ 11093 h 2024785"/>
+              <a:gd name="connsiteX27" fmla="*/ 454020 w 1835725"/>
+              <a:gd name="connsiteY27" fmla="*/ 13474 h 2024785"/>
+              <a:gd name="connsiteX28" fmla="*/ 477919 w 1835725"/>
+              <a:gd name="connsiteY28" fmla="*/ 21437 h 2024785"/>
+              <a:gd name="connsiteX29" fmla="*/ 957797 w 1835725"/>
+              <a:gd name="connsiteY29" fmla="*/ 167970 h 2024785"/>
+              <a:gd name="connsiteX30" fmla="*/ 1286982 w 1835725"/>
+              <a:gd name="connsiteY30" fmla="*/ 387616 h 2024785"/>
+              <a:gd name="connsiteX31" fmla="*/ 1293725 w 1835725"/>
+              <a:gd name="connsiteY31" fmla="*/ 477075 h 2024785"/>
+              <a:gd name="connsiteX32" fmla="*/ 1245453 w 1835725"/>
+              <a:gd name="connsiteY32" fmla="*/ 499154 h 2024785"/>
+              <a:gd name="connsiteX33" fmla="*/ 1245167 w 1835725"/>
+              <a:gd name="connsiteY33" fmla="*/ 499154 h 2024785"/>
+              <a:gd name="connsiteX34" fmla="*/ 1203638 w 1835725"/>
+              <a:gd name="connsiteY34" fmla="*/ 484104 h 2024785"/>
+              <a:gd name="connsiteX35" fmla="*/ 900647 w 1835725"/>
+              <a:gd name="connsiteY35" fmla="*/ 281508 h 2024785"/>
+              <a:gd name="connsiteX36" fmla="*/ 872454 w 1835725"/>
+              <a:gd name="connsiteY36" fmla="*/ 196164 h 2024785"/>
+              <a:gd name="connsiteX37" fmla="*/ 957797 w 1835725"/>
+              <a:gd name="connsiteY37" fmla="*/ 167970 h 2024785"/>
+            </a:gdLst>
+            <a:ahLst/>
+            <a:cxnLst>
+              <a:cxn ang="0">
+                <a:pos x="connsiteX0" y="connsiteY0"/>
+              </a:cxn>
+              <a:cxn ang="0">
+                <a:pos x="connsiteX1" y="connsiteY1"/>
+              </a:cxn>
+              <a:cxn ang="0">
+                <a:pos x="connsiteX2" y="connsiteY2"/>
+              </a:cxn>
+              <a:cxn ang="0">
+                <a:pos x="connsiteX3" y="connsiteY3"/>
+              </a:cxn>
+              <a:cxn ang="0">
+                <a:pos x="connsiteX4" y="connsiteY4"/>
+              </a:cxn>
+              <a:cxn ang="0">
+                <a:pos x="connsiteX5" y="connsiteY5"/>
+              </a:cxn>
+              <a:cxn ang="0">
+                <a:pos x="connsiteX6" y="connsiteY6"/>
+              </a:cxn>
+              <a:cxn ang="0">
+                <a:pos x="connsiteX7" y="connsiteY7"/>
+              </a:cxn>
+              <a:cxn ang="0">
+                <a:pos x="connsiteX8" y="connsiteY8"/>
+              </a:cxn>
+              <a:cxn ang="0">
+                <a:pos x="connsiteX9" y="connsiteY9"/>
+              </a:cxn>
+              <a:cxn ang="0">
+                <a:pos x="connsiteX10" y="connsiteY10"/>
+              </a:cxn>
+              <a:cxn ang="0">
+                <a:pos x="connsiteX11" y="connsiteY11"/>
+              </a:cxn>
+              <a:cxn ang="0">
+                <a:pos x="connsiteX12" y="connsiteY12"/>
+              </a:cxn>
+              <a:cxn ang="0">
+                <a:pos x="connsiteX13" y="connsiteY13"/>
+              </a:cxn>
+              <a:cxn ang="0">
+                <a:pos x="connsiteX14" y="connsiteY14"/>
+              </a:cxn>
+              <a:cxn ang="0">
+                <a:pos x="connsiteX15" y="connsiteY15"/>
+              </a:cxn>
+              <a:cxn ang="0">
+                <a:pos x="connsiteX16" y="connsiteY16"/>
+              </a:cxn>
+              <a:cxn ang="0">
+                <a:pos x="connsiteX17" y="connsiteY17"/>
+              </a:cxn>
+              <a:cxn ang="0">
+                <a:pos x="connsiteX18" y="connsiteY18"/>
+              </a:cxn>
+              <a:cxn ang="0">
+                <a:pos x="connsiteX19" y="connsiteY19"/>
+              </a:cxn>
+              <a:cxn ang="0">
+                <a:pos x="connsiteX20" y="connsiteY20"/>
+              </a:cxn>
+              <a:cxn ang="0">
+                <a:pos x="connsiteX21" y="connsiteY21"/>
+              </a:cxn>
+              <a:cxn ang="0">
+                <a:pos x="connsiteX22" y="connsiteY22"/>
+              </a:cxn>
+              <a:cxn ang="0">
+                <a:pos x="connsiteX23" y="connsiteY23"/>
+              </a:cxn>
+              <a:cxn ang="0">
+                <a:pos x="connsiteX24" y="connsiteY24"/>
+              </a:cxn>
+              <a:cxn ang="0">
+                <a:pos x="connsiteX25" y="connsiteY25"/>
+              </a:cxn>
+              <a:cxn ang="0">
+                <a:pos x="connsiteX26" y="connsiteY26"/>
+              </a:cxn>
+              <a:cxn ang="0">
+                <a:pos x="connsiteX27" y="connsiteY27"/>
+              </a:cxn>
+              <a:cxn ang="0">
+                <a:pos x="connsiteX28" y="connsiteY28"/>
+              </a:cxn>
+              <a:cxn ang="0">
+                <a:pos x="connsiteX29" y="connsiteY29"/>
+              </a:cxn>
+              <a:cxn ang="0">
+                <a:pos x="connsiteX30" y="connsiteY30"/>
+              </a:cxn>
+              <a:cxn ang="0">
+                <a:pos x="connsiteX31" y="connsiteY31"/>
+              </a:cxn>
+              <a:cxn ang="0">
+                <a:pos x="connsiteX32" y="connsiteY32"/>
+              </a:cxn>
+              <a:cxn ang="0">
+                <a:pos x="connsiteX33" y="connsiteY33"/>
+              </a:cxn>
+              <a:cxn ang="0">
+                <a:pos x="connsiteX34" y="connsiteY34"/>
+              </a:cxn>
+              <a:cxn ang="0">
+                <a:pos x="connsiteX35" y="connsiteY35"/>
+              </a:cxn>
+              <a:cxn ang="0">
+                <a:pos x="connsiteX36" y="connsiteY36"/>
+              </a:cxn>
+              <a:cxn ang="0">
+                <a:pos x="connsiteX37" y="connsiteY37"/>
+              </a:cxn>
+            </a:cxnLst>
+            <a:rect l="l" t="t" r="r" b="b"/>
+            <a:pathLst>
+              <a:path w="1835725" h="2024785">
+                <a:moveTo>
+                  <a:pt x="1801138" y="1622662"/>
+                </a:moveTo>
+                <a:cubicBezTo>
+                  <a:pt x="1822105" y="1633400"/>
+                  <a:pt x="1836117" y="1655372"/>
+                  <a:pt x="1835717" y="1680254"/>
+                </a:cubicBezTo>
+                <a:cubicBezTo>
+                  <a:pt x="1832093" y="1746382"/>
+                  <a:pt x="1824354" y="1812154"/>
+                  <a:pt x="1812568" y="1877193"/>
+                </a:cubicBezTo>
+                <a:lnTo>
+                  <a:pt x="1776210" y="2024785"/>
+                </a:lnTo>
+                <a:lnTo>
+                  <a:pt x="1655772" y="1983449"/>
+                </a:lnTo>
+                <a:lnTo>
+                  <a:pt x="1687591" y="1854495"/>
+                </a:lnTo>
+                <a:cubicBezTo>
+                  <a:pt x="1698455" y="1794657"/>
+                  <a:pt x="1705590" y="1734142"/>
+                  <a:pt x="1708939" y="1673301"/>
+                </a:cubicBezTo>
+                <a:cubicBezTo>
+                  <a:pt x="1712216" y="1638363"/>
+                  <a:pt x="1743190" y="1612703"/>
+                  <a:pt x="1778129" y="1615979"/>
+                </a:cubicBezTo>
+                <a:cubicBezTo>
+                  <a:pt x="1786387" y="1616753"/>
+                  <a:pt x="1794149" y="1619084"/>
+                  <a:pt x="1801138" y="1622662"/>
+                </a:cubicBezTo>
+                <a:close/>
+                <a:moveTo>
+                  <a:pt x="1585229" y="764759"/>
+                </a:moveTo>
+                <a:cubicBezTo>
+                  <a:pt x="1600438" y="768789"/>
+                  <a:pt x="1614156" y="778436"/>
+                  <a:pt x="1623024" y="792810"/>
+                </a:cubicBezTo>
+                <a:cubicBezTo>
+                  <a:pt x="1689575" y="907319"/>
+                  <a:pt x="1741505" y="1029715"/>
+                  <a:pt x="1777614" y="1157141"/>
+                </a:cubicBezTo>
+                <a:cubicBezTo>
+                  <a:pt x="1787149" y="1190888"/>
+                  <a:pt x="1767537" y="1225969"/>
+                  <a:pt x="1733799" y="1235532"/>
+                </a:cubicBezTo>
+                <a:cubicBezTo>
+                  <a:pt x="1728151" y="1237046"/>
+                  <a:pt x="1722312" y="1237780"/>
+                  <a:pt x="1716464" y="1237722"/>
+                </a:cubicBezTo>
+                <a:lnTo>
+                  <a:pt x="1716464" y="1237913"/>
+                </a:lnTo>
+                <a:cubicBezTo>
+                  <a:pt x="1688070" y="1237913"/>
+                  <a:pt x="1663124" y="1219044"/>
+                  <a:pt x="1655409" y="1191717"/>
+                </a:cubicBezTo>
+                <a:cubicBezTo>
+                  <a:pt x="1622214" y="1074512"/>
+                  <a:pt x="1574437" y="961936"/>
+                  <a:pt x="1513200" y="856627"/>
+                </a:cubicBezTo>
+                <a:cubicBezTo>
+                  <a:pt x="1496379" y="825834"/>
+                  <a:pt x="1507704" y="787236"/>
+                  <a:pt x="1538499" y="770415"/>
+                </a:cubicBezTo>
+                <a:cubicBezTo>
+                  <a:pt x="1553325" y="762319"/>
+                  <a:pt x="1570022" y="760730"/>
+                  <a:pt x="1585229" y="764759"/>
+                </a:cubicBezTo>
+                <a:close/>
+                <a:moveTo>
+                  <a:pt x="477919" y="21437"/>
+                </a:moveTo>
+                <a:cubicBezTo>
+                  <a:pt x="499341" y="33775"/>
+                  <a:pt x="512445" y="58102"/>
+                  <a:pt x="509236" y="84182"/>
+                </a:cubicBezTo>
+                <a:cubicBezTo>
+                  <a:pt x="505303" y="116151"/>
+                  <a:pt x="478038" y="140098"/>
+                  <a:pt x="445829" y="139871"/>
+                </a:cubicBezTo>
+                <a:cubicBezTo>
+                  <a:pt x="443027" y="139899"/>
+                  <a:pt x="440227" y="139740"/>
+                  <a:pt x="437447" y="139395"/>
+                </a:cubicBezTo>
+                <a:cubicBezTo>
+                  <a:pt x="316592" y="123615"/>
+                  <a:pt x="194247" y="122878"/>
+                  <a:pt x="73211" y="137204"/>
+                </a:cubicBezTo>
+                <a:cubicBezTo>
+                  <a:pt x="38532" y="142545"/>
+                  <a:pt x="6090" y="118762"/>
+                  <a:pt x="749" y="84082"/>
+                </a:cubicBezTo>
+                <a:cubicBezTo>
+                  <a:pt x="-4591" y="49403"/>
+                  <a:pt x="19192" y="16961"/>
+                  <a:pt x="53871" y="11621"/>
+                </a:cubicBezTo>
+                <a:cubicBezTo>
+                  <a:pt x="55358" y="11392"/>
+                  <a:pt x="56852" y="11216"/>
+                  <a:pt x="58352" y="11093"/>
+                </a:cubicBezTo>
+                <a:cubicBezTo>
+                  <a:pt x="189834" y="-4456"/>
+                  <a:pt x="322735" y="-3656"/>
+                  <a:pt x="454020" y="13474"/>
+                </a:cubicBezTo>
+                <a:cubicBezTo>
+                  <a:pt x="462713" y="14543"/>
+                  <a:pt x="470778" y="17324"/>
+                  <a:pt x="477919" y="21437"/>
+                </a:cubicBezTo>
+                <a:close/>
+                <a:moveTo>
+                  <a:pt x="957797" y="167970"/>
+                </a:moveTo>
+                <a:cubicBezTo>
+                  <a:pt x="1076184" y="227289"/>
+                  <a:pt x="1186759" y="301068"/>
+                  <a:pt x="1286982" y="387616"/>
+                </a:cubicBezTo>
+                <a:cubicBezTo>
+                  <a:pt x="1313547" y="410457"/>
+                  <a:pt x="1316566" y="450510"/>
+                  <a:pt x="1293725" y="477075"/>
+                </a:cubicBezTo>
+                <a:cubicBezTo>
+                  <a:pt x="1281638" y="491137"/>
+                  <a:pt x="1263998" y="499204"/>
+                  <a:pt x="1245453" y="499154"/>
+                </a:cubicBezTo>
+                <a:lnTo>
+                  <a:pt x="1245167" y="499154"/>
+                </a:lnTo>
+                <a:cubicBezTo>
+                  <a:pt x="1229965" y="499301"/>
+                  <a:pt x="1215220" y="493956"/>
+                  <a:pt x="1203638" y="484104"/>
+                </a:cubicBezTo>
+                <a:cubicBezTo>
+                  <a:pt x="1111407" y="404300"/>
+                  <a:pt x="1009633" y="336248"/>
+                  <a:pt x="900647" y="281508"/>
+                </a:cubicBezTo>
+                <a:cubicBezTo>
+                  <a:pt x="869295" y="265726"/>
+                  <a:pt x="856672" y="227516"/>
+                  <a:pt x="872454" y="196164"/>
+                </a:cubicBezTo>
+                <a:cubicBezTo>
+                  <a:pt x="888235" y="164811"/>
+                  <a:pt x="926445" y="152188"/>
+                  <a:pt x="957797" y="167970"/>
+                </a:cubicBezTo>
+                <a:close/>
+              </a:path>
+            </a:pathLst>
+          </a:custGeom>
+          <a:solidFill>
+            <a:schemeClr val="accent4"/>
+          </a:solidFill>
+          <a:ln w="9525" cap="flat">
+            <a:noFill/>
+            <a:prstDash val="solid"/>
+            <a:miter/>
+          </a:ln>
+        </p:spPr>
+        <p:txBody>
+          <a:bodyPr rtlCol="0" anchor="ctr"/>
+          <a:lstStyle/>
+          <a:p>
+            <a:endParaRPr lang="en-US"/>
+          </a:p>
+        </p:txBody>
+      </p:sp>
+      <p:sp>
+        <p:nvSpPr>
+          <p:cNvPr id="22" name="Freeform: Shape 21">
+            <a:extLst>
+              <a:ext uri="{FF2B5EF4-FFF2-40B4-BE49-F238E27FC236}">
+                <a16:creationId xmlns:a16="http://schemas.microsoft.com/office/drawing/2014/main" id="{75F47824-961D-465D-84F9-EAE11BC6173B}"/>
+              </a:ext>
+              <a:ext uri="{C183D7F6-B498-43B3-948B-1728B52AA6E4}">
+                <adec:decorative xmlns:adec="http://schemas.microsoft.com/office/drawing/2017/decorative" val="1"/>
+              </a:ext>
+            </a:extLst>
+          </p:cNvPr>
+          <p:cNvSpPr>
+            <a:spLocks noGrp="1" noRot="1" noChangeAspect="1" noMove="1" noResize="1" noEditPoints="1" noAdjustHandles="1" noChangeArrowheads="1" noChangeShapeType="1" noTextEdit="1"/>
+          </p:cNvSpPr>
+          <p:nvPr>
+            <p:extLst>
+              <p:ext uri="{386F3935-93C4-4BCD-93E2-E3B085C9AB24}">
+                <p16:designElem xmlns:p16="http://schemas.microsoft.com/office/powerpoint/2015/main" val="1"/>
+              </p:ext>
+            </p:extLst>
+          </p:nvPr>
+        </p:nvSpPr>
+        <p:spPr>
+          <a:xfrm>
+            <a:off x="6809527" y="6033795"/>
+            <a:ext cx="1991064" cy="824205"/>
+          </a:xfrm>
+          <a:custGeom>
+            <a:avLst/>
+            <a:gdLst>
+              <a:gd name="connsiteX0" fmla="*/ 995532 w 1991064"/>
+              <a:gd name="connsiteY0" fmla="*/ 0 h 824205"/>
+              <a:gd name="connsiteX1" fmla="*/ 1984823 w 1991064"/>
+              <a:gd name="connsiteY1" fmla="*/ 784423 h 824205"/>
+              <a:gd name="connsiteX2" fmla="*/ 1991064 w 1991064"/>
+              <a:gd name="connsiteY2" fmla="*/ 824205 h 824205"/>
+              <a:gd name="connsiteX3" fmla="*/ 0 w 1991064"/>
+              <a:gd name="connsiteY3" fmla="*/ 824205 h 824205"/>
+              <a:gd name="connsiteX4" fmla="*/ 6241 w 1991064"/>
+              <a:gd name="connsiteY4" fmla="*/ 784423 h 824205"/>
+              <a:gd name="connsiteX5" fmla="*/ 995532 w 1991064"/>
+              <a:gd name="connsiteY5" fmla="*/ 0 h 824205"/>
+            </a:gdLst>
+            <a:ahLst/>
+            <a:cxnLst>
+              <a:cxn ang="0">
+                <a:pos x="connsiteX0" y="connsiteY0"/>
+              </a:cxn>
+              <a:cxn ang="0">
+                <a:pos x="connsiteX1" y="connsiteY1"/>
+              </a:cxn>
+              <a:cxn ang="0">
+                <a:pos x="connsiteX2" y="connsiteY2"/>
+              </a:cxn>
+              <a:cxn ang="0">
+                <a:pos x="connsiteX3" y="connsiteY3"/>
+              </a:cxn>
+              <a:cxn ang="0">
+                <a:pos x="connsiteX4" y="connsiteY4"/>
+              </a:cxn>
+              <a:cxn ang="0">
+                <a:pos x="connsiteX5" y="connsiteY5"/>
+              </a:cxn>
+            </a:cxnLst>
+            <a:rect l="l" t="t" r="r" b="b"/>
+            <a:pathLst>
+              <a:path w="1991064" h="824205">
+                <a:moveTo>
+                  <a:pt x="995532" y="0"/>
+                </a:moveTo>
+                <a:cubicBezTo>
+                  <a:pt x="1483521" y="0"/>
+                  <a:pt x="1890663" y="336754"/>
+                  <a:pt x="1984823" y="784423"/>
+                </a:cubicBezTo>
+                <a:lnTo>
+                  <a:pt x="1991064" y="824205"/>
+                </a:lnTo>
+                <a:lnTo>
+                  <a:pt x="0" y="824205"/>
+                </a:lnTo>
+                <a:lnTo>
+                  <a:pt x="6241" y="784423"/>
+                </a:lnTo>
+                <a:cubicBezTo>
+                  <a:pt x="100402" y="336754"/>
+                  <a:pt x="507544" y="0"/>
+                  <a:pt x="995532" y="0"/>
+                </a:cubicBezTo>
+                <a:close/>
+              </a:path>
+            </a:pathLst>
+          </a:custGeom>
+          <a:solidFill>
+            <a:schemeClr val="accent2"/>
+          </a:solidFill>
+          <a:ln>
+            <a:noFill/>
+          </a:ln>
+        </p:spPr>
+        <p:style>
+          <a:lnRef idx="2">
+            <a:schemeClr val="accent1">
+              <a:shade val="50000"/>
+            </a:schemeClr>
+          </a:lnRef>
+          <a:fillRef idx="1">
+            <a:schemeClr val="accent1"/>
+          </a:fillRef>
+          <a:effectRef idx="0">
+            <a:schemeClr val="accent1"/>
+          </a:effectRef>
+          <a:fontRef idx="minor">
+            <a:schemeClr val="lt1"/>
+          </a:fontRef>
+        </p:style>
+        <p:txBody>
+          <a:bodyPr wrap="square" rtlCol="0" anchor="ctr">
+            <a:noAutofit/>
+          </a:bodyPr>
+          <a:lstStyle/>
+          <a:p>
+            <a:pPr algn="ctr"/>
+            <a:endParaRPr lang="en-US" dirty="0"/>
+          </a:p>
+        </p:txBody>
+      </p:sp>
+      <p:sp>
+        <p:nvSpPr>
+          <p:cNvPr id="24" name="Freeform: Shape 23">
+            <a:extLst>
+              <a:ext uri="{FF2B5EF4-FFF2-40B4-BE49-F238E27FC236}">
+                <a16:creationId xmlns:a16="http://schemas.microsoft.com/office/drawing/2014/main" id="{FEC9DA3E-C1D7-472D-B7C0-F71AE41FBA23}"/>
+              </a:ext>
+              <a:ext uri="{C183D7F6-B498-43B3-948B-1728B52AA6E4}">
+                <adec:decorative xmlns:adec="http://schemas.microsoft.com/office/drawing/2017/decorative" val="1"/>
+              </a:ext>
+            </a:extLst>
+          </p:cNvPr>
+          <p:cNvSpPr>
+            <a:spLocks noGrp="1" noRot="1" noChangeAspect="1" noMove="1" noResize="1" noEditPoints="1" noAdjustHandles="1" noChangeArrowheads="1" noChangeShapeType="1" noTextEdit="1"/>
+          </p:cNvSpPr>
+          <p:nvPr>
+            <p:extLst>
+              <p:ext uri="{386F3935-93C4-4BCD-93E2-E3B085C9AB24}">
+                <p16:designElem xmlns:p16="http://schemas.microsoft.com/office/powerpoint/2015/main" val="1"/>
+              </p:ext>
+            </p:extLst>
+          </p:nvPr>
+        </p:nvSpPr>
+        <p:spPr>
+          <a:xfrm>
+            <a:off x="10851696" y="5519196"/>
+            <a:ext cx="1340305" cy="1338805"/>
+          </a:xfrm>
+          <a:custGeom>
+            <a:avLst/>
+            <a:gdLst>
+              <a:gd name="connsiteX0" fmla="*/ 61913 w 1340305"/>
+              <a:gd name="connsiteY0" fmla="*/ 0 h 1338805"/>
+              <a:gd name="connsiteX1" fmla="*/ 1340305 w 1340305"/>
+              <a:gd name="connsiteY1" fmla="*/ 0 h 1338805"/>
+              <a:gd name="connsiteX2" fmla="*/ 1340305 w 1340305"/>
+              <a:gd name="connsiteY2" fmla="*/ 123825 h 1338805"/>
+              <a:gd name="connsiteX3" fmla="*/ 123825 w 1340305"/>
+              <a:gd name="connsiteY3" fmla="*/ 123825 h 1338805"/>
+              <a:gd name="connsiteX4" fmla="*/ 123825 w 1340305"/>
+              <a:gd name="connsiteY4" fmla="*/ 1338805 h 1338805"/>
+              <a:gd name="connsiteX5" fmla="*/ 0 w 1340305"/>
+              <a:gd name="connsiteY5" fmla="*/ 1338805 h 1338805"/>
+              <a:gd name="connsiteX6" fmla="*/ 0 w 1340305"/>
+              <a:gd name="connsiteY6" fmla="*/ 61913 h 1338805"/>
+              <a:gd name="connsiteX7" fmla="*/ 61913 w 1340305"/>
+              <a:gd name="connsiteY7" fmla="*/ 0 h 1338805"/>
+            </a:gdLst>
+            <a:ahLst/>
+            <a:cxnLst>
+              <a:cxn ang="0">
+                <a:pos x="connsiteX0" y="connsiteY0"/>
+              </a:cxn>
+              <a:cxn ang="0">
+                <a:pos x="connsiteX1" y="connsiteY1"/>
+              </a:cxn>
+              <a:cxn ang="0">
+                <a:pos x="connsiteX2" y="connsiteY2"/>
+              </a:cxn>
+              <a:cxn ang="0">
+                <a:pos x="connsiteX3" y="connsiteY3"/>
+              </a:cxn>
+              <a:cxn ang="0">
+                <a:pos x="connsiteX4" y="connsiteY4"/>
+              </a:cxn>
+              <a:cxn ang="0">
+                <a:pos x="connsiteX5" y="connsiteY5"/>
+              </a:cxn>
+              <a:cxn ang="0">
+                <a:pos x="connsiteX6" y="connsiteY6"/>
+              </a:cxn>
+              <a:cxn ang="0">
+                <a:pos x="connsiteX7" y="connsiteY7"/>
+              </a:cxn>
+            </a:cxnLst>
+            <a:rect l="l" t="t" r="r" b="b"/>
+            <a:pathLst>
+              <a:path w="1340305" h="1338805">
+                <a:moveTo>
+                  <a:pt x="61913" y="0"/>
+                </a:moveTo>
+                <a:lnTo>
+                  <a:pt x="1340305" y="0"/>
+                </a:lnTo>
+                <a:lnTo>
+                  <a:pt x="1340305" y="123825"/>
+                </a:lnTo>
+                <a:lnTo>
+                  <a:pt x="123825" y="123825"/>
+                </a:lnTo>
+                <a:lnTo>
+                  <a:pt x="123825" y="1338805"/>
+                </a:lnTo>
+                <a:lnTo>
+                  <a:pt x="0" y="1338805"/>
+                </a:lnTo>
+                <a:lnTo>
+                  <a:pt x="0" y="61913"/>
+                </a:lnTo>
+                <a:cubicBezTo>
+                  <a:pt x="0" y="27719"/>
+                  <a:pt x="27719" y="0"/>
+                  <a:pt x="61913" y="0"/>
+                </a:cubicBezTo>
+                <a:close/>
+              </a:path>
+            </a:pathLst>
+          </a:custGeom>
+          <a:solidFill>
+            <a:schemeClr val="accent6"/>
+          </a:solidFill>
+          <a:ln w="9525" cap="flat">
+            <a:noFill/>
+            <a:prstDash val="solid"/>
+            <a:miter/>
+          </a:ln>
+        </p:spPr>
+        <p:txBody>
+          <a:bodyPr rtlCol="0" anchor="ctr"/>
+          <a:lstStyle/>
+          <a:p>
+            <a:endParaRPr lang="en-US"/>
+          </a:p>
+        </p:txBody>
+      </p:sp>
     </p:spTree>
     <p:extLst>
       <p:ext uri="{BB962C8B-B14F-4D97-AF65-F5344CB8AC3E}">
@@ -10422,8 +11631,8 @@
         </p:blipFill>
         <p:spPr>
           <a:xfrm>
-            <a:off x="2218671" y="2158929"/>
-            <a:ext cx="7754658" cy="2540141"/>
+            <a:off x="1089568" y="2284419"/>
+            <a:ext cx="10012863" cy="3279846"/>
           </a:xfrm>
         </p:spPr>
       </p:pic>
@@ -10518,7 +11727,10 @@
           <a:bodyPr/>
           <a:lstStyle/>
           <a:p>
-            <a:endParaRPr lang="ru-RU"/>
+            <a:r>
+              <a:rPr lang="ru-RU" dirty="0"/>
+              <a:t>СКРИНЫ САЙТА И БОТА</a:t>
+            </a:r>
           </a:p>
         </p:txBody>
       </p:sp>
@@ -10662,7 +11874,7 @@
             </a:r>
             <a:r>
               <a:rPr lang="ru-RU" dirty="0"/>
-              <a:t>Классификация отзывов                      Тематическое моделирование</a:t>
+              <a:t>Классификация отзывов                   Тематическое моделирование</a:t>
             </a:r>
           </a:p>
         </p:txBody>
@@ -10812,10 +12024,10 @@
       </p:pic>
       <p:pic>
         <p:nvPicPr>
-          <p:cNvPr id="15" name="Рисунок 14">
+          <p:cNvPr id="19" name="Рисунок 18">
             <a:extLst>
               <a:ext uri="{FF2B5EF4-FFF2-40B4-BE49-F238E27FC236}">
-                <a16:creationId xmlns:a16="http://schemas.microsoft.com/office/drawing/2014/main" id="{25773778-94FA-AC4A-8AEE-6BFBF45D78E8}"/>
+                <a16:creationId xmlns:a16="http://schemas.microsoft.com/office/drawing/2014/main" id="{CDE29C26-F0BD-9644-8EDF-0FB572CA208A}"/>
               </a:ext>
             </a:extLst>
           </p:cNvPr>
@@ -10838,54 +12050,396 @@
         </p:blipFill>
         <p:spPr>
           <a:xfrm>
-            <a:off x="7275684" y="2208243"/>
-            <a:ext cx="3011657" cy="1911696"/>
+            <a:off x="6096000" y="2729980"/>
+            <a:ext cx="5255783" cy="2727325"/>
           </a:xfrm>
           <a:prstGeom prst="rect">
             <a:avLst/>
           </a:prstGeom>
         </p:spPr>
       </p:pic>
-      <p:pic>
-        <p:nvPicPr>
-          <p:cNvPr id="17" name="Рисунок 16">
+      <mc:AlternateContent xmlns:mc="http://schemas.openxmlformats.org/markup-compatibility/2006" xmlns:p14="http://schemas.microsoft.com/office/powerpoint/2010/main">
+        <mc:Choice Requires="p14">
+          <p:contentPart p14:bwMode="auto" r:id="rId7">
+            <p14:nvContentPartPr>
+              <p14:cNvPr id="20" name="Рукописный ввод 19">
+                <a:extLst>
+                  <a:ext uri="{FF2B5EF4-FFF2-40B4-BE49-F238E27FC236}">
+                    <a16:creationId xmlns:a16="http://schemas.microsoft.com/office/drawing/2014/main" id="{D973DF56-50E7-0B4A-B352-15F02CE4A15A}"/>
+                  </a:ext>
+                </a:extLst>
+              </p14:cNvPr>
+              <p14:cNvContentPartPr/>
+              <p14:nvPr/>
+            </p14:nvContentPartPr>
+            <p14:xfrm>
+              <a:off x="5241547" y="3762963"/>
+              <a:ext cx="119160" cy="16560"/>
+            </p14:xfrm>
+          </p:contentPart>
+        </mc:Choice>
+        <mc:Fallback xmlns="">
+          <p:pic>
+            <p:nvPicPr>
+              <p:cNvPr id="20" name="Рукописный ввод 19">
+                <a:extLst>
+                  <a:ext uri="{FF2B5EF4-FFF2-40B4-BE49-F238E27FC236}">
+                    <a16:creationId xmlns:a16="http://schemas.microsoft.com/office/drawing/2014/main" id="{D973DF56-50E7-0B4A-B352-15F02CE4A15A}"/>
+                  </a:ext>
+                </a:extLst>
+              </p:cNvPr>
+              <p:cNvPicPr/>
+              <p:nvPr/>
+            </p:nvPicPr>
+            <p:blipFill>
+              <a:blip r:embed="rId8"/>
+              <a:stretch>
+                <a:fillRect/>
+              </a:stretch>
+            </p:blipFill>
+            <p:spPr>
+              <a:xfrm>
+                <a:off x="5232907" y="3753963"/>
+                <a:ext cx="136800" cy="34200"/>
+              </a:xfrm>
+              <a:prstGeom prst="rect">
+                <a:avLst/>
+              </a:prstGeom>
+            </p:spPr>
+          </p:pic>
+        </mc:Fallback>
+      </mc:AlternateContent>
+      <mc:AlternateContent xmlns:mc="http://schemas.openxmlformats.org/markup-compatibility/2006" xmlns:p14="http://schemas.microsoft.com/office/powerpoint/2010/main">
+        <mc:Choice Requires="p14">
+          <p:contentPart p14:bwMode="auto" r:id="rId9">
+            <p14:nvContentPartPr>
+              <p14:cNvPr id="23" name="Рукописный ввод 22">
+                <a:extLst>
+                  <a:ext uri="{FF2B5EF4-FFF2-40B4-BE49-F238E27FC236}">
+                    <a16:creationId xmlns:a16="http://schemas.microsoft.com/office/drawing/2014/main" id="{2B08772D-9A5B-264D-BF71-AD9E0E4B9F75}"/>
+                  </a:ext>
+                </a:extLst>
+              </p14:cNvPr>
+              <p14:cNvContentPartPr/>
+              <p14:nvPr/>
+            </p14:nvContentPartPr>
+            <p14:xfrm>
+              <a:off x="6594427" y="3939363"/>
+              <a:ext cx="360" cy="360"/>
+            </p14:xfrm>
+          </p:contentPart>
+        </mc:Choice>
+        <mc:Fallback xmlns="">
+          <p:pic>
+            <p:nvPicPr>
+              <p:cNvPr id="23" name="Рукописный ввод 22">
+                <a:extLst>
+                  <a:ext uri="{FF2B5EF4-FFF2-40B4-BE49-F238E27FC236}">
+                    <a16:creationId xmlns:a16="http://schemas.microsoft.com/office/drawing/2014/main" id="{2B08772D-9A5B-264D-BF71-AD9E0E4B9F75}"/>
+                  </a:ext>
+                </a:extLst>
+              </p:cNvPr>
+              <p:cNvPicPr/>
+              <p:nvPr/>
+            </p:nvPicPr>
+            <p:blipFill>
+              <a:blip r:embed="rId10"/>
+              <a:stretch>
+                <a:fillRect/>
+              </a:stretch>
+            </p:blipFill>
+            <p:spPr>
+              <a:xfrm>
+                <a:off x="6531787" y="3876723"/>
+                <a:ext cx="126000" cy="126000"/>
+              </a:xfrm>
+              <a:prstGeom prst="rect">
+                <a:avLst/>
+              </a:prstGeom>
+            </p:spPr>
+          </p:pic>
+        </mc:Fallback>
+      </mc:AlternateContent>
+      <mc:AlternateContent xmlns:mc="http://schemas.openxmlformats.org/markup-compatibility/2006" xmlns:p14="http://schemas.microsoft.com/office/powerpoint/2010/main">
+        <mc:Choice Requires="p14">
+          <p:contentPart p14:bwMode="auto" r:id="rId11">
+            <p14:nvContentPartPr>
+              <p14:cNvPr id="24" name="Рукописный ввод 23">
+                <a:extLst>
+                  <a:ext uri="{FF2B5EF4-FFF2-40B4-BE49-F238E27FC236}">
+                    <a16:creationId xmlns:a16="http://schemas.microsoft.com/office/drawing/2014/main" id="{6B79FB91-BEBC-8245-8F87-D12EC62BC8A3}"/>
+                  </a:ext>
+                </a:extLst>
+              </p14:cNvPr>
+              <p14:cNvContentPartPr/>
+              <p14:nvPr/>
+            </p14:nvContentPartPr>
+            <p14:xfrm>
+              <a:off x="6600547" y="3937563"/>
+              <a:ext cx="360" cy="360"/>
+            </p14:xfrm>
+          </p:contentPart>
+        </mc:Choice>
+        <mc:Fallback xmlns="">
+          <p:pic>
+            <p:nvPicPr>
+              <p:cNvPr id="24" name="Рукописный ввод 23">
+                <a:extLst>
+                  <a:ext uri="{FF2B5EF4-FFF2-40B4-BE49-F238E27FC236}">
+                    <a16:creationId xmlns:a16="http://schemas.microsoft.com/office/drawing/2014/main" id="{6B79FB91-BEBC-8245-8F87-D12EC62BC8A3}"/>
+                  </a:ext>
+                </a:extLst>
+              </p:cNvPr>
+              <p:cNvPicPr/>
+              <p:nvPr/>
+            </p:nvPicPr>
+            <p:blipFill>
+              <a:blip r:embed="rId10"/>
+              <a:stretch>
+                <a:fillRect/>
+              </a:stretch>
+            </p:blipFill>
+            <p:spPr>
+              <a:xfrm>
+                <a:off x="6537547" y="3874923"/>
+                <a:ext cx="126000" cy="126000"/>
+              </a:xfrm>
+              <a:prstGeom prst="rect">
+                <a:avLst/>
+              </a:prstGeom>
+            </p:spPr>
+          </p:pic>
+        </mc:Fallback>
+      </mc:AlternateContent>
+      <p:grpSp>
+        <p:nvGrpSpPr>
+          <p:cNvPr id="31" name="Группа 30">
             <a:extLst>
               <a:ext uri="{FF2B5EF4-FFF2-40B4-BE49-F238E27FC236}">
-                <a16:creationId xmlns:a16="http://schemas.microsoft.com/office/drawing/2014/main" id="{741804FE-EA0E-714A-9E59-6DBCB1F402BB}"/>
+                <a16:creationId xmlns:a16="http://schemas.microsoft.com/office/drawing/2014/main" id="{6738365C-A3F8-D340-B376-C741396E8727}"/>
               </a:ext>
             </a:extLst>
           </p:cNvPr>
-          <p:cNvPicPr>
-            <a:picLocks noChangeAspect="1"/>
-          </p:cNvPicPr>
+          <p:cNvGrpSpPr/>
           <p:nvPr/>
-        </p:nvPicPr>
-        <p:blipFill>
-          <a:blip r:embed="rId7">
-            <a:extLst>
-              <a:ext uri="{28A0092B-C50C-407E-A947-70E740481C1C}">
-                <a14:useLocalDpi xmlns:a14="http://schemas.microsoft.com/office/drawing/2010/main" val="0"/>
-              </a:ext>
-            </a:extLst>
-          </a:blip>
-          <a:stretch>
-            <a:fillRect/>
-          </a:stretch>
-        </p:blipFill>
-        <p:spPr>
+        </p:nvGrpSpPr>
+        <p:grpSpPr>
           <a:xfrm>
-            <a:off x="6450195" y="4354167"/>
-            <a:ext cx="4903605" cy="1911696"/>
+            <a:off x="6475267" y="3932883"/>
+            <a:ext cx="135720" cy="26640"/>
+            <a:chOff x="6475267" y="3932883"/>
+            <a:chExt cx="135720" cy="26640"/>
           </a:xfrm>
-          <a:prstGeom prst="rect">
-            <a:avLst/>
-          </a:prstGeom>
-        </p:spPr>
-      </p:pic>
+        </p:grpSpPr>
+        <mc:AlternateContent xmlns:mc="http://schemas.openxmlformats.org/markup-compatibility/2006" xmlns:p14="http://schemas.microsoft.com/office/powerpoint/2010/main">
+          <mc:Choice Requires="p14">
+            <p:contentPart p14:bwMode="auto" r:id="rId12">
+              <p14:nvContentPartPr>
+                <p14:cNvPr id="25" name="Рукописный ввод 24">
+                  <a:extLst>
+                    <a:ext uri="{FF2B5EF4-FFF2-40B4-BE49-F238E27FC236}">
+                      <a16:creationId xmlns:a16="http://schemas.microsoft.com/office/drawing/2014/main" id="{496CFB6E-9DBA-9A45-9B9C-C0A80B64F68F}"/>
+                    </a:ext>
+                  </a:extLst>
+                </p14:cNvPr>
+                <p14:cNvContentPartPr/>
+                <p14:nvPr/>
+              </p14:nvContentPartPr>
+              <p14:xfrm>
+                <a:off x="6475267" y="3940083"/>
+                <a:ext cx="360" cy="360"/>
+              </p14:xfrm>
+            </p:contentPart>
+          </mc:Choice>
+          <mc:Fallback xmlns="">
+            <p:pic>
+              <p:nvPicPr>
+                <p:cNvPr id="25" name="Рукописный ввод 24">
+                  <a:extLst>
+                    <a:ext uri="{FF2B5EF4-FFF2-40B4-BE49-F238E27FC236}">
+                      <a16:creationId xmlns:a16="http://schemas.microsoft.com/office/drawing/2014/main" id="{496CFB6E-9DBA-9A45-9B9C-C0A80B64F68F}"/>
+                    </a:ext>
+                  </a:extLst>
+                </p:cNvPr>
+                <p:cNvPicPr/>
+                <p:nvPr/>
+              </p:nvPicPr>
+              <p:blipFill>
+                <a:blip r:embed="rId10"/>
+                <a:stretch>
+                  <a:fillRect/>
+                </a:stretch>
+              </p:blipFill>
+              <p:spPr>
+                <a:xfrm>
+                  <a:off x="6412627" y="3877083"/>
+                  <a:ext cx="126000" cy="126000"/>
+                </a:xfrm>
+                <a:prstGeom prst="rect">
+                  <a:avLst/>
+                </a:prstGeom>
+              </p:spPr>
+            </p:pic>
+          </mc:Fallback>
+        </mc:AlternateContent>
+        <mc:AlternateContent xmlns:mc="http://schemas.openxmlformats.org/markup-compatibility/2006" xmlns:p14="http://schemas.microsoft.com/office/powerpoint/2010/main">
+          <mc:Choice Requires="p14">
+            <p:contentPart p14:bwMode="auto" r:id="rId13">
+              <p14:nvContentPartPr>
+                <p14:cNvPr id="26" name="Рукописный ввод 25">
+                  <a:extLst>
+                    <a:ext uri="{FF2B5EF4-FFF2-40B4-BE49-F238E27FC236}">
+                      <a16:creationId xmlns:a16="http://schemas.microsoft.com/office/drawing/2014/main" id="{093E5E8A-9FD5-D840-8EFB-FABED76135DE}"/>
+                    </a:ext>
+                  </a:extLst>
+                </p14:cNvPr>
+                <p14:cNvContentPartPr/>
+                <p14:nvPr/>
+              </p14:nvContentPartPr>
+              <p14:xfrm>
+                <a:off x="6498667" y="3935403"/>
+                <a:ext cx="360" cy="360"/>
+              </p14:xfrm>
+            </p:contentPart>
+          </mc:Choice>
+          <mc:Fallback xmlns="">
+            <p:pic>
+              <p:nvPicPr>
+                <p:cNvPr id="26" name="Рукописный ввод 25">
+                  <a:extLst>
+                    <a:ext uri="{FF2B5EF4-FFF2-40B4-BE49-F238E27FC236}">
+                      <a16:creationId xmlns:a16="http://schemas.microsoft.com/office/drawing/2014/main" id="{093E5E8A-9FD5-D840-8EFB-FABED76135DE}"/>
+                    </a:ext>
+                  </a:extLst>
+                </p:cNvPr>
+                <p:cNvPicPr/>
+                <p:nvPr/>
+              </p:nvPicPr>
+              <p:blipFill>
+                <a:blip r:embed="rId10"/>
+                <a:stretch>
+                  <a:fillRect/>
+                </a:stretch>
+              </p:blipFill>
+              <p:spPr>
+                <a:xfrm>
+                  <a:off x="6436027" y="3872403"/>
+                  <a:ext cx="126000" cy="126000"/>
+                </a:xfrm>
+                <a:prstGeom prst="rect">
+                  <a:avLst/>
+                </a:prstGeom>
+              </p:spPr>
+            </p:pic>
+          </mc:Fallback>
+        </mc:AlternateContent>
+        <mc:AlternateContent xmlns:mc="http://schemas.openxmlformats.org/markup-compatibility/2006" xmlns:p14="http://schemas.microsoft.com/office/powerpoint/2010/main">
+          <mc:Choice Requires="p14">
+            <p:contentPart p14:bwMode="auto" r:id="rId14">
+              <p14:nvContentPartPr>
+                <p14:cNvPr id="28" name="Рукописный ввод 27">
+                  <a:extLst>
+                    <a:ext uri="{FF2B5EF4-FFF2-40B4-BE49-F238E27FC236}">
+                      <a16:creationId xmlns:a16="http://schemas.microsoft.com/office/drawing/2014/main" id="{F03B8316-6FF4-844B-A9C0-C82FDE619BC7}"/>
+                    </a:ext>
+                  </a:extLst>
+                </p14:cNvPr>
+                <p14:cNvContentPartPr/>
+                <p14:nvPr/>
+              </p14:nvContentPartPr>
+              <p14:xfrm>
+                <a:off x="6503347" y="3932883"/>
+                <a:ext cx="360" cy="360"/>
+              </p14:xfrm>
+            </p:contentPart>
+          </mc:Choice>
+          <mc:Fallback xmlns="">
+            <p:pic>
+              <p:nvPicPr>
+                <p:cNvPr id="28" name="Рукописный ввод 27">
+                  <a:extLst>
+                    <a:ext uri="{FF2B5EF4-FFF2-40B4-BE49-F238E27FC236}">
+                      <a16:creationId xmlns:a16="http://schemas.microsoft.com/office/drawing/2014/main" id="{F03B8316-6FF4-844B-A9C0-C82FDE619BC7}"/>
+                    </a:ext>
+                  </a:extLst>
+                </p:cNvPr>
+                <p:cNvPicPr/>
+                <p:nvPr/>
+              </p:nvPicPr>
+              <p:blipFill>
+                <a:blip r:embed="rId10"/>
+                <a:stretch>
+                  <a:fillRect/>
+                </a:stretch>
+              </p:blipFill>
+              <p:spPr>
+                <a:xfrm>
+                  <a:off x="6440707" y="3870243"/>
+                  <a:ext cx="126000" cy="126000"/>
+                </a:xfrm>
+                <a:prstGeom prst="rect">
+                  <a:avLst/>
+                </a:prstGeom>
+              </p:spPr>
+            </p:pic>
+          </mc:Fallback>
+        </mc:AlternateContent>
+        <mc:AlternateContent xmlns:mc="http://schemas.openxmlformats.org/markup-compatibility/2006" xmlns:p14="http://schemas.microsoft.com/office/powerpoint/2010/main">
+          <mc:Choice Requires="p14">
+            <p:contentPart p14:bwMode="auto" r:id="rId15">
+              <p14:nvContentPartPr>
+                <p14:cNvPr id="30" name="Рукописный ввод 29">
+                  <a:extLst>
+                    <a:ext uri="{FF2B5EF4-FFF2-40B4-BE49-F238E27FC236}">
+                      <a16:creationId xmlns:a16="http://schemas.microsoft.com/office/drawing/2014/main" id="{E9986AFC-C5C2-1945-BB61-910CB1A33F15}"/>
+                    </a:ext>
+                  </a:extLst>
+                </p14:cNvPr>
+                <p14:cNvContentPartPr/>
+                <p14:nvPr/>
+              </p14:nvContentPartPr>
+              <p14:xfrm>
+                <a:off x="6610627" y="3959163"/>
+                <a:ext cx="360" cy="360"/>
+              </p14:xfrm>
+            </p:contentPart>
+          </mc:Choice>
+          <mc:Fallback xmlns="">
+            <p:pic>
+              <p:nvPicPr>
+                <p:cNvPr id="30" name="Рукописный ввод 29">
+                  <a:extLst>
+                    <a:ext uri="{FF2B5EF4-FFF2-40B4-BE49-F238E27FC236}">
+                      <a16:creationId xmlns:a16="http://schemas.microsoft.com/office/drawing/2014/main" id="{E9986AFC-C5C2-1945-BB61-910CB1A33F15}"/>
+                    </a:ext>
+                  </a:extLst>
+                </p:cNvPr>
+                <p:cNvPicPr/>
+                <p:nvPr/>
+              </p:nvPicPr>
+              <p:blipFill>
+                <a:blip r:embed="rId10"/>
+                <a:stretch>
+                  <a:fillRect/>
+                </a:stretch>
+              </p:blipFill>
+              <p:spPr>
+                <a:xfrm>
+                  <a:off x="6547627" y="3896523"/>
+                  <a:ext cx="126000" cy="126000"/>
+                </a:xfrm>
+                <a:prstGeom prst="rect">
+                  <a:avLst/>
+                </a:prstGeom>
+              </p:spPr>
+            </p:pic>
+          </mc:Fallback>
+        </mc:AlternateContent>
+      </p:grpSp>
     </p:spTree>
     <p:extLst>
       <p:ext uri="{BB962C8B-B14F-4D97-AF65-F5344CB8AC3E}">
-        <p14:creationId xmlns:p14="http://schemas.microsoft.com/office/powerpoint/2010/main" val="1313897668"/>
+        <p14:creationId xmlns:p14="http://schemas.microsoft.com/office/powerpoint/2010/main" val="222044982"/>
       </p:ext>
     </p:extLst>
   </p:cSld>
@@ -10973,7 +12527,7 @@
           <a:bodyPr/>
           <a:lstStyle/>
           <a:p>
-            <a:endParaRPr lang="ru-RU"/>
+            <a:endParaRPr lang="ru-RU" dirty="0"/>
           </a:p>
         </p:txBody>
       </p:sp>
@@ -11059,7 +12613,7 @@
           <p:cNvPr id="2" name="Заголовок 1">
             <a:extLst>
               <a:ext uri="{FF2B5EF4-FFF2-40B4-BE49-F238E27FC236}">
-                <a16:creationId xmlns:a16="http://schemas.microsoft.com/office/drawing/2014/main" id="{69DE3605-A0F3-4923-4DE3-888C6CDFC775}"/>
+                <a16:creationId xmlns:a16="http://schemas.microsoft.com/office/drawing/2014/main" id="{AD89552A-30DF-97FC-707B-9BA4ACBBFBA1}"/>
               </a:ext>
             </a:extLst>
           </p:cNvPr>
@@ -11077,7 +12631,7 @@
           <a:p>
             <a:r>
               <a:rPr lang="ru-RU" dirty="0"/>
-              <a:t>Результаты реализации проекта</a:t>
+              <a:t>Масштабируемость</a:t>
             </a:r>
           </a:p>
         </p:txBody>
@@ -11087,7 +12641,7 @@
           <p:cNvPr id="3" name="Объект 2">
             <a:extLst>
               <a:ext uri="{FF2B5EF4-FFF2-40B4-BE49-F238E27FC236}">
-                <a16:creationId xmlns:a16="http://schemas.microsoft.com/office/drawing/2014/main" id="{3ED071FB-72DB-F925-C0FB-6BF93951F969}"/>
+                <a16:creationId xmlns:a16="http://schemas.microsoft.com/office/drawing/2014/main" id="{6DF8E8C4-2CBD-A4C6-C903-73A66773E218}"/>
               </a:ext>
             </a:extLst>
           </p:cNvPr>
@@ -11103,7 +12657,7 @@
           <a:bodyPr/>
           <a:lstStyle/>
           <a:p>
-            <a:endParaRPr lang="ru-RU"/>
+            <a:endParaRPr lang="ru-RU" dirty="0"/>
           </a:p>
         </p:txBody>
       </p:sp>
@@ -11112,7 +12666,7 @@
           <p:cNvPr id="4" name="Рисунок 3" descr="Изображение выглядит как Графика, Шрифт, символ, логотип&#10;&#10;Автоматически созданное описание">
             <a:extLst>
               <a:ext uri="{FF2B5EF4-FFF2-40B4-BE49-F238E27FC236}">
-                <a16:creationId xmlns:a16="http://schemas.microsoft.com/office/drawing/2014/main" id="{48546F00-1755-F8E0-1F5C-FDCC25CE81E8}"/>
+                <a16:creationId xmlns:a16="http://schemas.microsoft.com/office/drawing/2014/main" id="{79D142C8-10B1-6498-D0F5-37FCE659F6E3}"/>
               </a:ext>
             </a:extLst>
           </p:cNvPr>
@@ -11145,7 +12699,7 @@
     </p:spTree>
     <p:extLst>
       <p:ext uri="{BB962C8B-B14F-4D97-AF65-F5344CB8AC3E}">
-        <p14:creationId xmlns:p14="http://schemas.microsoft.com/office/powerpoint/2010/main" val="3185489402"/>
+        <p14:creationId xmlns:p14="http://schemas.microsoft.com/office/powerpoint/2010/main" val="4173098683"/>
       </p:ext>
     </p:extLst>
   </p:cSld>
@@ -11189,7 +12743,7 @@
           <p:cNvPr id="2" name="Заголовок 1">
             <a:extLst>
               <a:ext uri="{FF2B5EF4-FFF2-40B4-BE49-F238E27FC236}">
-                <a16:creationId xmlns:a16="http://schemas.microsoft.com/office/drawing/2014/main" id="{AD89552A-30DF-97FC-707B-9BA4ACBBFBA1}"/>
+                <a16:creationId xmlns:a16="http://schemas.microsoft.com/office/drawing/2014/main" id="{9AB39BE3-61D7-9C96-6E75-A3ADEA0CA455}"/>
               </a:ext>
             </a:extLst>
           </p:cNvPr>
@@ -11207,42 +12761,52 @@
           <a:p>
             <a:r>
               <a:rPr lang="ru-RU" dirty="0"/>
-              <a:t>Масштабируемость</a:t>
+              <a:t>Стек технологий</a:t>
             </a:r>
-          </a:p>
-        </p:txBody>
-      </p:sp>
-      <p:sp>
-        <p:nvSpPr>
-          <p:cNvPr id="3" name="Объект 2">
-            <a:extLst>
-              <a:ext uri="{FF2B5EF4-FFF2-40B4-BE49-F238E27FC236}">
-                <a16:creationId xmlns:a16="http://schemas.microsoft.com/office/drawing/2014/main" id="{6DF8E8C4-2CBD-A4C6-C903-73A66773E218}"/>
-              </a:ext>
-            </a:extLst>
-          </p:cNvPr>
-          <p:cNvSpPr>
-            <a:spLocks noGrp="1"/>
-          </p:cNvSpPr>
-          <p:nvPr>
-            <p:ph idx="1"/>
-          </p:nvPr>
-        </p:nvSpPr>
-        <p:spPr/>
-        <p:txBody>
-          <a:bodyPr/>
-          <a:lstStyle/>
-          <a:p>
-            <a:endParaRPr lang="ru-RU" dirty="0"/>
           </a:p>
         </p:txBody>
       </p:sp>
       <p:pic>
         <p:nvPicPr>
+          <p:cNvPr id="6" name="Объект 5">
+            <a:extLst>
+              <a:ext uri="{FF2B5EF4-FFF2-40B4-BE49-F238E27FC236}">
+                <a16:creationId xmlns:a16="http://schemas.microsoft.com/office/drawing/2014/main" id="{E1F6B240-3D12-FD4F-9D85-222090FDD7E9}"/>
+              </a:ext>
+            </a:extLst>
+          </p:cNvPr>
+          <p:cNvPicPr>
+            <a:picLocks noGrp="1" noChangeAspect="1"/>
+          </p:cNvPicPr>
+          <p:nvPr>
+            <p:ph idx="1"/>
+          </p:nvPr>
+        </p:nvPicPr>
+        <p:blipFill>
+          <a:blip r:embed="rId2">
+            <a:extLst>
+              <a:ext uri="{28A0092B-C50C-407E-A947-70E740481C1C}">
+                <a14:useLocalDpi xmlns:a14="http://schemas.microsoft.com/office/drawing/2010/main" val="0"/>
+              </a:ext>
+            </a:extLst>
+          </a:blip>
+          <a:stretch>
+            <a:fillRect/>
+          </a:stretch>
+        </p:blipFill>
+        <p:spPr>
+          <a:xfrm>
+            <a:off x="978970" y="2493990"/>
+            <a:ext cx="2575784" cy="1153336"/>
+          </a:xfrm>
+        </p:spPr>
+      </p:pic>
+      <p:pic>
+        <p:nvPicPr>
           <p:cNvPr id="4" name="Рисунок 3" descr="Изображение выглядит как Графика, Шрифт, символ, логотип&#10;&#10;Автоматически созданное описание">
             <a:extLst>
               <a:ext uri="{FF2B5EF4-FFF2-40B4-BE49-F238E27FC236}">
-                <a16:creationId xmlns:a16="http://schemas.microsoft.com/office/drawing/2014/main" id="{79D142C8-10B1-6498-D0F5-37FCE659F6E3}"/>
+                <a16:creationId xmlns:a16="http://schemas.microsoft.com/office/drawing/2014/main" id="{EAF43373-8857-C6F9-0390-FC406F8B7783}"/>
               </a:ext>
             </a:extLst>
           </p:cNvPr>
@@ -11252,7 +12816,7 @@
           <p:nvPr/>
         </p:nvPicPr>
         <p:blipFill rotWithShape="1">
-          <a:blip r:embed="rId2">
+          <a:blip r:embed="rId3">
             <a:extLst>
               <a:ext uri="{28A0092B-C50C-407E-A947-70E740481C1C}">
                 <a14:useLocalDpi xmlns:a14="http://schemas.microsoft.com/office/drawing/2010/main" val="0"/>
@@ -11272,10 +12836,190 @@
           </a:prstGeom>
         </p:spPr>
       </p:pic>
+      <p:pic>
+        <p:nvPicPr>
+          <p:cNvPr id="8" name="Рисунок 7">
+            <a:extLst>
+              <a:ext uri="{FF2B5EF4-FFF2-40B4-BE49-F238E27FC236}">
+                <a16:creationId xmlns:a16="http://schemas.microsoft.com/office/drawing/2014/main" id="{7689D42B-36E4-1047-A664-0B215FAEB039}"/>
+              </a:ext>
+            </a:extLst>
+          </p:cNvPr>
+          <p:cNvPicPr>
+            <a:picLocks noChangeAspect="1"/>
+          </p:cNvPicPr>
+          <p:nvPr/>
+        </p:nvPicPr>
+        <p:blipFill>
+          <a:blip r:embed="rId4">
+            <a:extLst>
+              <a:ext uri="{28A0092B-C50C-407E-A947-70E740481C1C}">
+                <a14:useLocalDpi xmlns:a14="http://schemas.microsoft.com/office/drawing/2010/main" val="0"/>
+              </a:ext>
+            </a:extLst>
+          </a:blip>
+          <a:stretch>
+            <a:fillRect/>
+          </a:stretch>
+        </p:blipFill>
+        <p:spPr>
+          <a:xfrm>
+            <a:off x="3891052" y="2262088"/>
+            <a:ext cx="1612718" cy="1612718"/>
+          </a:xfrm>
+          <a:prstGeom prst="rect">
+            <a:avLst/>
+          </a:prstGeom>
+        </p:spPr>
+      </p:pic>
+      <p:pic>
+        <p:nvPicPr>
+          <p:cNvPr id="10" name="Рисунок 9">
+            <a:extLst>
+              <a:ext uri="{FF2B5EF4-FFF2-40B4-BE49-F238E27FC236}">
+                <a16:creationId xmlns:a16="http://schemas.microsoft.com/office/drawing/2014/main" id="{87A1D50B-2CE7-E045-B70F-EA87D237D421}"/>
+              </a:ext>
+            </a:extLst>
+          </p:cNvPr>
+          <p:cNvPicPr>
+            <a:picLocks noChangeAspect="1"/>
+          </p:cNvPicPr>
+          <p:nvPr/>
+        </p:nvPicPr>
+        <p:blipFill>
+          <a:blip r:embed="rId5">
+            <a:extLst>
+              <a:ext uri="{28A0092B-C50C-407E-A947-70E740481C1C}">
+                <a14:useLocalDpi xmlns:a14="http://schemas.microsoft.com/office/drawing/2010/main" val="0"/>
+              </a:ext>
+            </a:extLst>
+          </a:blip>
+          <a:stretch>
+            <a:fillRect/>
+          </a:stretch>
+        </p:blipFill>
+        <p:spPr>
+          <a:xfrm>
+            <a:off x="6096000" y="4038572"/>
+            <a:ext cx="3502729" cy="1371902"/>
+          </a:xfrm>
+          <a:prstGeom prst="rect">
+            <a:avLst/>
+          </a:prstGeom>
+        </p:spPr>
+      </p:pic>
+      <p:pic>
+        <p:nvPicPr>
+          <p:cNvPr id="12" name="Рисунок 11">
+            <a:extLst>
+              <a:ext uri="{FF2B5EF4-FFF2-40B4-BE49-F238E27FC236}">
+                <a16:creationId xmlns:a16="http://schemas.microsoft.com/office/drawing/2014/main" id="{593BBA70-610A-0240-8114-143943A573A5}"/>
+              </a:ext>
+            </a:extLst>
+          </p:cNvPr>
+          <p:cNvPicPr>
+            <a:picLocks noChangeAspect="1"/>
+          </p:cNvPicPr>
+          <p:nvPr/>
+        </p:nvPicPr>
+        <p:blipFill>
+          <a:blip r:embed="rId6">
+            <a:extLst>
+              <a:ext uri="{28A0092B-C50C-407E-A947-70E740481C1C}">
+                <a14:useLocalDpi xmlns:a14="http://schemas.microsoft.com/office/drawing/2010/main" val="0"/>
+              </a:ext>
+            </a:extLst>
+          </a:blip>
+          <a:stretch>
+            <a:fillRect/>
+          </a:stretch>
+        </p:blipFill>
+        <p:spPr>
+          <a:xfrm>
+            <a:off x="6096000" y="2358477"/>
+            <a:ext cx="3394397" cy="1371902"/>
+          </a:xfrm>
+          <a:prstGeom prst="rect">
+            <a:avLst/>
+          </a:prstGeom>
+        </p:spPr>
+      </p:pic>
+      <p:pic>
+        <p:nvPicPr>
+          <p:cNvPr id="14" name="Рисунок 13">
+            <a:extLst>
+              <a:ext uri="{FF2B5EF4-FFF2-40B4-BE49-F238E27FC236}">
+                <a16:creationId xmlns:a16="http://schemas.microsoft.com/office/drawing/2014/main" id="{07DF5AF3-5197-BD42-B05A-E56FF1DDCEB9}"/>
+              </a:ext>
+            </a:extLst>
+          </p:cNvPr>
+          <p:cNvPicPr>
+            <a:picLocks noChangeAspect="1"/>
+          </p:cNvPicPr>
+          <p:nvPr/>
+        </p:nvPicPr>
+        <p:blipFill>
+          <a:blip r:embed="rId7">
+            <a:extLst>
+              <a:ext uri="{28A0092B-C50C-407E-A947-70E740481C1C}">
+                <a14:useLocalDpi xmlns:a14="http://schemas.microsoft.com/office/drawing/2010/main" val="0"/>
+              </a:ext>
+            </a:extLst>
+          </a:blip>
+          <a:stretch>
+            <a:fillRect/>
+          </a:stretch>
+        </p:blipFill>
+        <p:spPr>
+          <a:xfrm>
+            <a:off x="3300697" y="4446206"/>
+            <a:ext cx="2848285" cy="1050184"/>
+          </a:xfrm>
+          <a:prstGeom prst="rect">
+            <a:avLst/>
+          </a:prstGeom>
+        </p:spPr>
+      </p:pic>
+      <p:pic>
+        <p:nvPicPr>
+          <p:cNvPr id="16" name="Рисунок 15">
+            <a:extLst>
+              <a:ext uri="{FF2B5EF4-FFF2-40B4-BE49-F238E27FC236}">
+                <a16:creationId xmlns:a16="http://schemas.microsoft.com/office/drawing/2014/main" id="{8F52D18E-1213-1B4E-AEAE-28C9BAFEEADC}"/>
+              </a:ext>
+            </a:extLst>
+          </p:cNvPr>
+          <p:cNvPicPr>
+            <a:picLocks noChangeAspect="1"/>
+          </p:cNvPicPr>
+          <p:nvPr/>
+        </p:nvPicPr>
+        <p:blipFill>
+          <a:blip r:embed="rId8">
+            <a:extLst>
+              <a:ext uri="{28A0092B-C50C-407E-A947-70E740481C1C}">
+                <a14:useLocalDpi xmlns:a14="http://schemas.microsoft.com/office/drawing/2010/main" val="0"/>
+              </a:ext>
+            </a:extLst>
+          </a:blip>
+          <a:stretch>
+            <a:fillRect/>
+          </a:stretch>
+        </p:blipFill>
+        <p:spPr>
+          <a:xfrm>
+            <a:off x="838200" y="4091032"/>
+            <a:ext cx="2462497" cy="1325644"/>
+          </a:xfrm>
+          <a:prstGeom prst="rect">
+            <a:avLst/>
+          </a:prstGeom>
+        </p:spPr>
+      </p:pic>
     </p:spTree>
     <p:extLst>
       <p:ext uri="{BB962C8B-B14F-4D97-AF65-F5344CB8AC3E}">
-        <p14:creationId xmlns:p14="http://schemas.microsoft.com/office/powerpoint/2010/main" val="4173098683"/>
+        <p14:creationId xmlns:p14="http://schemas.microsoft.com/office/powerpoint/2010/main" val="2020912386"/>
       </p:ext>
     </p:extLst>
   </p:cSld>
@@ -11338,80 +13082,16 @@
         <a:srgbClr val="977B2D"/>
       </a:folHlink>
     </a:clrScheme>
-    <a:fontScheme name="Gill Sans MT">
+    <a:fontScheme name="hackathon">
       <a:majorFont>
-        <a:latin typeface="Gill Sans MT" panose="020B0502020104020203"/>
+        <a:latin typeface="Sans Serif Collection"/>
         <a:ea typeface=""/>
         <a:cs typeface=""/>
-        <a:font script="Grek" typeface="Corbel"/>
-        <a:font script="Cyrl" typeface="Corbel"/>
-        <a:font script="Jpan" typeface="HGｺﾞｼｯｸE"/>
-        <a:font script="Hang" typeface="휴먼매직체"/>
-        <a:font script="Hans" typeface="华文中宋"/>
-        <a:font script="Hant" typeface="微軟正黑體"/>
-        <a:font script="Arab" typeface="Majalla UI"/>
-        <a:font script="Hebr" typeface="Arial"/>
-        <a:font script="Thai" typeface="Cordia New"/>
-        <a:font script="Ethi" typeface="Nyala"/>
-        <a:font script="Beng" typeface="Vrinda"/>
-        <a:font script="Gujr" typeface="Shruti"/>
-        <a:font script="Khmr" typeface="DaunPenh"/>
-        <a:font script="Knda" typeface="Tunga"/>
-        <a:font script="Guru" typeface="Raavi"/>
-        <a:font script="Cans" typeface="Euphemia"/>
-        <a:font script="Cher" typeface="Plantagenet Cherokee"/>
-        <a:font script="Yiii" typeface="Microsoft Yi Baiti"/>
-        <a:font script="Tibt" typeface="Microsoft Himalaya"/>
-        <a:font script="Thaa" typeface="MV Boli"/>
-        <a:font script="Deva" typeface="Mangal"/>
-        <a:font script="Telu" typeface="Gautami"/>
-        <a:font script="Taml" typeface="Latha"/>
-        <a:font script="Syrc" typeface="Estrangelo Edessa"/>
-        <a:font script="Orya" typeface="Kalinga"/>
-        <a:font script="Mlym" typeface="Kartika"/>
-        <a:font script="Laoo" typeface="DokChampa"/>
-        <a:font script="Sinh" typeface="Iskoola Pota"/>
-        <a:font script="Mong" typeface="Mongolian Baiti"/>
-        <a:font script="Viet" typeface="Tahoma"/>
-        <a:font script="Uigh" typeface="Microsoft Uighur"/>
-        <a:font script="Geor" typeface="Sylfaen"/>
       </a:majorFont>
       <a:minorFont>
-        <a:latin typeface="Gill Sans MT" panose="020B0502020104020203"/>
+        <a:latin typeface="Sans Serif Collection"/>
         <a:ea typeface=""/>
         <a:cs typeface=""/>
-        <a:font script="Grek" typeface="Corbel"/>
-        <a:font script="Cyrl" typeface="Corbel"/>
-        <a:font script="Jpan" typeface="HGｺﾞｼｯｸE"/>
-        <a:font script="Hang" typeface="휴먼매직체"/>
-        <a:font script="Hans" typeface="华文中宋"/>
-        <a:font script="Hant" typeface="微軟正黑體"/>
-        <a:font script="Arab" typeface="Majalla UI"/>
-        <a:font script="Hebr" typeface="Arial"/>
-        <a:font script="Thai" typeface="Cordia New"/>
-        <a:font script="Ethi" typeface="Nyala"/>
-        <a:font script="Beng" typeface="Vrinda"/>
-        <a:font script="Gujr" typeface="Shruti"/>
-        <a:font script="Khmr" typeface="DaunPenh"/>
-        <a:font script="Knda" typeface="Tunga"/>
-        <a:font script="Guru" typeface="Raavi"/>
-        <a:font script="Cans" typeface="Euphemia"/>
-        <a:font script="Cher" typeface="Plantagenet Cherokee"/>
-        <a:font script="Yiii" typeface="Microsoft Yi Baiti"/>
-        <a:font script="Tibt" typeface="Microsoft Himalaya"/>
-        <a:font script="Thaa" typeface="MV Boli"/>
-        <a:font script="Deva" typeface="Mangal"/>
-        <a:font script="Telu" typeface="Gautami"/>
-        <a:font script="Taml" typeface="Latha"/>
-        <a:font script="Syrc" typeface="Estrangelo Edessa"/>
-        <a:font script="Orya" typeface="Kalinga"/>
-        <a:font script="Mlym" typeface="Kartika"/>
-        <a:font script="Laoo" typeface="DokChampa"/>
-        <a:font script="Sinh" typeface="Iskoola Pota"/>
-        <a:font script="Mong" typeface="Mongolian Baiti"/>
-        <a:font script="Viet" typeface="Tahoma"/>
-        <a:font script="Uigh" typeface="Microsoft Uighur"/>
-        <a:font script="Geor" typeface="Sylfaen"/>
       </a:minorFont>
     </a:fontScheme>
     <a:fmtScheme name="Стандартная">

--- a/presentation/protection.pptx
+++ b/presentation/protection.pptx
@@ -368,6 +368,34 @@
     </inkml:brush>
   </inkml:definitions>
   <inkml:trace contextRef="#ctx0" brushRef="#br0">0 1 24575,'0'0'0</inkml:trace>
+</inkml:ink>
+</file>
+
+<file path=ppt/ink/ink8.xml><?xml version="1.0" encoding="utf-8"?>
+<inkml:ink xmlns:inkml="http://www.w3.org/2003/InkML">
+  <inkml:definitions>
+    <inkml:context xml:id="ctx0">
+      <inkml:inkSource xml:id="inkSrc0">
+        <inkml:traceFormat>
+          <inkml:channel name="X" type="integer" min="-2.14748E9" max="2.14748E9" units="cm"/>
+          <inkml:channel name="Y" type="integer" min="-2.14748E9" max="2.14748E9" units="cm"/>
+          <inkml:channel name="F" type="integer" max="32767" units="dev"/>
+        </inkml:traceFormat>
+        <inkml:channelProperties>
+          <inkml:channelProperty channel="X" name="resolution" value="1000" units="1/cm"/>
+          <inkml:channelProperty channel="Y" name="resolution" value="1000" units="1/cm"/>
+          <inkml:channelProperty channel="F" name="resolution" value="0" units="1/dev"/>
+        </inkml:channelProperties>
+      </inkml:inkSource>
+      <inkml:timestamp xml:id="ts0" timeString="2024-04-28T06:28:40.742"/>
+    </inkml:context>
+    <inkml:brush xml:id="br0">
+      <inkml:brushProperty name="width" value="0.35" units="cm"/>
+      <inkml:brushProperty name="height" value="0.35" units="cm"/>
+      <inkml:brushProperty name="color" value="#FFFFFF"/>
+    </inkml:brush>
+  </inkml:definitions>
+  <inkml:trace contextRef="#ctx0" brushRef="#br0">273 0 24575,'-24'0'0,"2"0"0,16 0 0,-1 0 0,-5 0 0,4 0 0,-5 3 0,4-2 0,2 4 0,-3-1 0,-2 2 0,4-2 0,-5-1 0,4 0 0,1 0 0,-1 1 0,-1 2 0,3-6 0,-8 6 0,7-2 0,-5-1 0,4 3 0,1-5 0,-1 5 0,-1-3 0,3 4 0,9 5 0,3-7 0,8 4 0,-4-9 0,-2 0 0,2 5 0,1-3 0,0 3 0,0-5 0,-1 0 0,-2 0 0,5-5 0,-4 0 0,1-4 0,-5 2 0,1 1 0,-1-4 0,2 3 0,1-3 0,-4 4 0,0-4 0,-9 0 0,2 3 0,-5 1 0,-1 6 0,3 0 0,-9 3 0,8 3 0,-4 1 0,2 3 0,3-4 0,-2 1 0,2 2 0,0-2 0,1 3 0,-1-1 0,1 1 0</inkml:trace>
 </inkml:ink>
 </file>
 
@@ -11729,7 +11757,7 @@
           <a:p>
             <a:r>
               <a:rPr lang="ru-RU" dirty="0"/>
-              <a:t>СКРИНЫ САЙТА И БОТА</a:t>
+              <a:t>СКРИНЫ САЙТА</a:t>
             </a:r>
           </a:p>
         </p:txBody>
@@ -11763,6 +11791,42 @@
           <a:xfrm>
             <a:off x="10384919" y="46792"/>
             <a:ext cx="1801470" cy="1743033"/>
+          </a:xfrm>
+          <a:prstGeom prst="rect">
+            <a:avLst/>
+          </a:prstGeom>
+        </p:spPr>
+      </p:pic>
+      <p:pic>
+        <p:nvPicPr>
+          <p:cNvPr id="6" name="Рисунок 5">
+            <a:extLst>
+              <a:ext uri="{FF2B5EF4-FFF2-40B4-BE49-F238E27FC236}">
+                <a16:creationId xmlns:a16="http://schemas.microsoft.com/office/drawing/2014/main" id="{22C0CD94-412B-4E47-B33E-38B5F2E0C6DA}"/>
+              </a:ext>
+            </a:extLst>
+          </p:cNvPr>
+          <p:cNvPicPr>
+            <a:picLocks noChangeAspect="1"/>
+          </p:cNvPicPr>
+          <p:nvPr/>
+        </p:nvPicPr>
+        <p:blipFill>
+          <a:blip r:embed="rId3">
+            <a:extLst>
+              <a:ext uri="{28A0092B-C50C-407E-A947-70E740481C1C}">
+                <a14:useLocalDpi xmlns:a14="http://schemas.microsoft.com/office/drawing/2010/main" val="0"/>
+              </a:ext>
+            </a:extLst>
+          </a:blip>
+          <a:stretch>
+            <a:fillRect/>
+          </a:stretch>
+        </p:blipFill>
+        <p:spPr>
+          <a:xfrm>
+            <a:off x="6669241" y="1602769"/>
+            <a:ext cx="2934064" cy="4890106"/>
           </a:xfrm>
           <a:prstGeom prst="rect">
             <a:avLst/>
@@ -12436,6 +12500,57 @@
           </mc:Fallback>
         </mc:AlternateContent>
       </p:grpSp>
+      <mc:AlternateContent xmlns:mc="http://schemas.openxmlformats.org/markup-compatibility/2006">
+        <mc:Choice xmlns:p14="http://schemas.microsoft.com/office/powerpoint/2010/main" Requires="p14">
+          <p:contentPart p14:bwMode="auto" r:id="rId16">
+            <p14:nvContentPartPr>
+              <p14:cNvPr id="5" name="Рукописный ввод 4">
+                <a:extLst>
+                  <a:ext uri="{FF2B5EF4-FFF2-40B4-BE49-F238E27FC236}">
+                    <a16:creationId xmlns:a16="http://schemas.microsoft.com/office/drawing/2014/main" id="{E99F7A85-70B1-394D-B1B2-BE5AA0C6183B}"/>
+                  </a:ext>
+                </a:extLst>
+              </p14:cNvPr>
+              <p14:cNvContentPartPr/>
+              <p14:nvPr/>
+            </p14:nvContentPartPr>
+            <p14:xfrm>
+              <a:off x="6299587" y="4028643"/>
+              <a:ext cx="98640" cy="42120"/>
+            </p14:xfrm>
+          </p:contentPart>
+        </mc:Choice>
+        <mc:Fallback>
+          <p:pic>
+            <p:nvPicPr>
+              <p:cNvPr id="5" name="Рукописный ввод 4">
+                <a:extLst>
+                  <a:ext uri="{FF2B5EF4-FFF2-40B4-BE49-F238E27FC236}">
+                    <a16:creationId xmlns:a16="http://schemas.microsoft.com/office/drawing/2014/main" id="{E99F7A85-70B1-394D-B1B2-BE5AA0C6183B}"/>
+                  </a:ext>
+                </a:extLst>
+              </p:cNvPr>
+              <p:cNvPicPr/>
+              <p:nvPr/>
+            </p:nvPicPr>
+            <p:blipFill>
+              <a:blip r:embed="rId17"/>
+              <a:stretch>
+                <a:fillRect/>
+              </a:stretch>
+            </p:blipFill>
+            <p:spPr>
+              <a:xfrm>
+                <a:off x="6236587" y="3965643"/>
+                <a:ext cx="224280" cy="167760"/>
+              </a:xfrm>
+              <a:prstGeom prst="rect">
+                <a:avLst/>
+              </a:prstGeom>
+            </p:spPr>
+          </p:pic>
+        </mc:Fallback>
+      </mc:AlternateContent>
     </p:spTree>
     <p:extLst>
       <p:ext uri="{BB962C8B-B14F-4D97-AF65-F5344CB8AC3E}">
@@ -12636,31 +12751,41 @@
           </a:p>
         </p:txBody>
       </p:sp>
-      <p:sp>
-        <p:nvSpPr>
-          <p:cNvPr id="3" name="Объект 2">
+      <p:pic>
+        <p:nvPicPr>
+          <p:cNvPr id="6" name="Объект 5">
             <a:extLst>
               <a:ext uri="{FF2B5EF4-FFF2-40B4-BE49-F238E27FC236}">
-                <a16:creationId xmlns:a16="http://schemas.microsoft.com/office/drawing/2014/main" id="{6DF8E8C4-2CBD-A4C6-C903-73A66773E218}"/>
+                <a16:creationId xmlns:a16="http://schemas.microsoft.com/office/drawing/2014/main" id="{9AB3CA5D-A788-A34F-B916-D0CD71BEC118}"/>
               </a:ext>
             </a:extLst>
           </p:cNvPr>
-          <p:cNvSpPr>
-            <a:spLocks noGrp="1"/>
-          </p:cNvSpPr>
+          <p:cNvPicPr>
+            <a:picLocks noGrp="1" noChangeAspect="1"/>
+          </p:cNvPicPr>
           <p:nvPr>
             <p:ph idx="1"/>
           </p:nvPr>
-        </p:nvSpPr>
-        <p:spPr/>
-        <p:txBody>
-          <a:bodyPr/>
-          <a:lstStyle/>
-          <a:p>
-            <a:endParaRPr lang="ru-RU" dirty="0"/>
-          </a:p>
-        </p:txBody>
-      </p:sp>
+        </p:nvPicPr>
+        <p:blipFill>
+          <a:blip r:embed="rId2">
+            <a:extLst>
+              <a:ext uri="{28A0092B-C50C-407E-A947-70E740481C1C}">
+                <a14:useLocalDpi xmlns:a14="http://schemas.microsoft.com/office/drawing/2010/main" val="0"/>
+              </a:ext>
+            </a:extLst>
+          </a:blip>
+          <a:stretch>
+            <a:fillRect/>
+          </a:stretch>
+        </p:blipFill>
+        <p:spPr>
+          <a:xfrm>
+            <a:off x="3650595" y="2050127"/>
+            <a:ext cx="4890809" cy="2757746"/>
+          </a:xfrm>
+        </p:spPr>
+      </p:pic>
       <p:pic>
         <p:nvPicPr>
           <p:cNvPr id="4" name="Рисунок 3" descr="Изображение выглядит как Графика, Шрифт, символ, логотип&#10;&#10;Автоматически созданное описание">
@@ -12676,7 +12801,7 @@
           <p:nvPr/>
         </p:nvPicPr>
         <p:blipFill rotWithShape="1">
-          <a:blip r:embed="rId2">
+          <a:blip r:embed="rId3">
             <a:extLst>
               <a:ext uri="{28A0092B-C50C-407E-A947-70E740481C1C}">
                 <a14:useLocalDpi xmlns:a14="http://schemas.microsoft.com/office/drawing/2010/main" val="0"/>

--- a/presentation/protection.pptx
+++ b/presentation/protection.pptx
@@ -12621,31 +12621,41 @@
           </a:p>
         </p:txBody>
       </p:sp>
-      <p:sp>
-        <p:nvSpPr>
-          <p:cNvPr id="3" name="Объект 2">
+      <p:pic>
+        <p:nvPicPr>
+          <p:cNvPr id="6" name="Объект 5">
             <a:extLst>
               <a:ext uri="{FF2B5EF4-FFF2-40B4-BE49-F238E27FC236}">
-                <a16:creationId xmlns:a16="http://schemas.microsoft.com/office/drawing/2014/main" id="{9E363BE8-F423-9A76-1C55-21E50A6D1F04}"/>
+                <a16:creationId xmlns:a16="http://schemas.microsoft.com/office/drawing/2014/main" id="{9C032F1B-00B1-E84F-A416-2CAF1DBE079D}"/>
               </a:ext>
             </a:extLst>
           </p:cNvPr>
-          <p:cNvSpPr>
-            <a:spLocks noGrp="1"/>
-          </p:cNvSpPr>
+          <p:cNvPicPr>
+            <a:picLocks noGrp="1" noChangeAspect="1"/>
+          </p:cNvPicPr>
           <p:nvPr>
             <p:ph idx="1"/>
           </p:nvPr>
-        </p:nvSpPr>
-        <p:spPr/>
-        <p:txBody>
-          <a:bodyPr/>
-          <a:lstStyle/>
-          <a:p>
-            <a:endParaRPr lang="ru-RU" dirty="0"/>
-          </a:p>
-        </p:txBody>
-      </p:sp>
+        </p:nvPicPr>
+        <p:blipFill>
+          <a:blip r:embed="rId2">
+            <a:extLst>
+              <a:ext uri="{28A0092B-C50C-407E-A947-70E740481C1C}">
+                <a14:useLocalDpi xmlns:a14="http://schemas.microsoft.com/office/drawing/2010/main" val="0"/>
+              </a:ext>
+            </a:extLst>
+          </a:blip>
+          <a:stretch>
+            <a:fillRect/>
+          </a:stretch>
+        </p:blipFill>
+        <p:spPr>
+          <a:xfrm>
+            <a:off x="3833513" y="1690688"/>
+            <a:ext cx="4524973" cy="2124629"/>
+          </a:xfrm>
+        </p:spPr>
+      </p:pic>
       <p:pic>
         <p:nvPicPr>
           <p:cNvPr id="4" name="Рисунок 3" descr="Изображение выглядит как Графика, Шрифт, символ, логотип&#10;&#10;Автоматически созданное описание">
@@ -12661,7 +12671,7 @@
           <p:nvPr/>
         </p:nvPicPr>
         <p:blipFill rotWithShape="1">
-          <a:blip r:embed="rId2">
+          <a:blip r:embed="rId3">
             <a:extLst>
               <a:ext uri="{28A0092B-C50C-407E-A947-70E740481C1C}">
                 <a14:useLocalDpi xmlns:a14="http://schemas.microsoft.com/office/drawing/2010/main" val="0"/>
@@ -12675,6 +12685,114 @@
           <a:xfrm>
             <a:off x="10384919" y="46792"/>
             <a:ext cx="1801470" cy="1743033"/>
+          </a:xfrm>
+          <a:prstGeom prst="rect">
+            <a:avLst/>
+          </a:prstGeom>
+        </p:spPr>
+      </p:pic>
+      <p:pic>
+        <p:nvPicPr>
+          <p:cNvPr id="8" name="Рисунок 7">
+            <a:extLst>
+              <a:ext uri="{FF2B5EF4-FFF2-40B4-BE49-F238E27FC236}">
+                <a16:creationId xmlns:a16="http://schemas.microsoft.com/office/drawing/2014/main" id="{C46432DE-964A-B848-BD4B-1C311CEA1FD0}"/>
+              </a:ext>
+            </a:extLst>
+          </p:cNvPr>
+          <p:cNvPicPr>
+            <a:picLocks noChangeAspect="1"/>
+          </p:cNvPicPr>
+          <p:nvPr/>
+        </p:nvPicPr>
+        <p:blipFill>
+          <a:blip r:embed="rId4">
+            <a:extLst>
+              <a:ext uri="{28A0092B-C50C-407E-A947-70E740481C1C}">
+                <a14:useLocalDpi xmlns:a14="http://schemas.microsoft.com/office/drawing/2010/main" val="0"/>
+              </a:ext>
+            </a:extLst>
+          </a:blip>
+          <a:stretch>
+            <a:fillRect/>
+          </a:stretch>
+        </p:blipFill>
+        <p:spPr>
+          <a:xfrm>
+            <a:off x="1946524" y="4169453"/>
+            <a:ext cx="1738369" cy="2059967"/>
+          </a:xfrm>
+          <a:prstGeom prst="rect">
+            <a:avLst/>
+          </a:prstGeom>
+        </p:spPr>
+      </p:pic>
+      <p:pic>
+        <p:nvPicPr>
+          <p:cNvPr id="10" name="Рисунок 9">
+            <a:extLst>
+              <a:ext uri="{FF2B5EF4-FFF2-40B4-BE49-F238E27FC236}">
+                <a16:creationId xmlns:a16="http://schemas.microsoft.com/office/drawing/2014/main" id="{27D500D0-3193-B240-A72B-D2708388EC7C}"/>
+              </a:ext>
+            </a:extLst>
+          </p:cNvPr>
+          <p:cNvPicPr>
+            <a:picLocks noChangeAspect="1"/>
+          </p:cNvPicPr>
+          <p:nvPr/>
+        </p:nvPicPr>
+        <p:blipFill>
+          <a:blip r:embed="rId5">
+            <a:extLst>
+              <a:ext uri="{28A0092B-C50C-407E-A947-70E740481C1C}">
+                <a14:useLocalDpi xmlns:a14="http://schemas.microsoft.com/office/drawing/2010/main" val="0"/>
+              </a:ext>
+            </a:extLst>
+          </a:blip>
+          <a:stretch>
+            <a:fillRect/>
+          </a:stretch>
+        </p:blipFill>
+        <p:spPr>
+          <a:xfrm>
+            <a:off x="4890983" y="4169453"/>
+            <a:ext cx="2410034" cy="2126562"/>
+          </a:xfrm>
+          <a:prstGeom prst="rect">
+            <a:avLst/>
+          </a:prstGeom>
+        </p:spPr>
+      </p:pic>
+      <p:pic>
+        <p:nvPicPr>
+          <p:cNvPr id="12" name="Рисунок 11">
+            <a:extLst>
+              <a:ext uri="{FF2B5EF4-FFF2-40B4-BE49-F238E27FC236}">
+                <a16:creationId xmlns:a16="http://schemas.microsoft.com/office/drawing/2014/main" id="{16A18641-91EC-804B-A5C3-3C71A1C8FE67}"/>
+              </a:ext>
+            </a:extLst>
+          </p:cNvPr>
+          <p:cNvPicPr>
+            <a:picLocks noChangeAspect="1"/>
+          </p:cNvPicPr>
+          <p:nvPr/>
+        </p:nvPicPr>
+        <p:blipFill>
+          <a:blip r:embed="rId6">
+            <a:extLst>
+              <a:ext uri="{28A0092B-C50C-407E-A947-70E740481C1C}">
+                <a14:useLocalDpi xmlns:a14="http://schemas.microsoft.com/office/drawing/2010/main" val="0"/>
+              </a:ext>
+            </a:extLst>
+          </a:blip>
+          <a:stretch>
+            <a:fillRect/>
+          </a:stretch>
+        </p:blipFill>
+        <p:spPr>
+          <a:xfrm>
+            <a:off x="8117533" y="4169453"/>
+            <a:ext cx="3236267" cy="2429069"/>
           </a:xfrm>
           <a:prstGeom prst="rect">
             <a:avLst/>
